--- a/피피티/241124 포트폴리오_김유석.pptx
+++ b/피피티/241124 포트폴리오_김유석.pptx
@@ -15,10 +15,12 @@
     <p:sldId id="269" r:id="rId9"/>
     <p:sldId id="262" r:id="rId10"/>
     <p:sldId id="263" r:id="rId11"/>
-    <p:sldId id="264" r:id="rId12"/>
-    <p:sldId id="267" r:id="rId13"/>
-    <p:sldId id="265" r:id="rId14"/>
-    <p:sldId id="266" r:id="rId15"/>
+    <p:sldId id="271" r:id="rId12"/>
+    <p:sldId id="270" r:id="rId13"/>
+    <p:sldId id="267" r:id="rId14"/>
+    <p:sldId id="265" r:id="rId15"/>
+    <p:sldId id="266" r:id="rId16"/>
+    <p:sldId id="272" r:id="rId17"/>
   </p:sldIdLst>
   <p:sldSz cx="6858000" cy="9906000" type="A4"/>
   <p:notesSz cx="6858000" cy="9144000"/>
@@ -267,7 +269,7 @@
           <a:p>
             <a:fld id="{5D3C7D45-EBA1-45BD-853C-4CFD30122036}" type="datetimeFigureOut">
               <a:rPr lang="ko-KR" altLang="en-US" smtClean="0"/>
-              <a:t>2024-12-04</a:t>
+              <a:t>2024-12-05</a:t>
             </a:fld>
             <a:endParaRPr lang="ko-KR" altLang="en-US"/>
           </a:p>
@@ -437,7 +439,7 @@
           <a:p>
             <a:fld id="{5D3C7D45-EBA1-45BD-853C-4CFD30122036}" type="datetimeFigureOut">
               <a:rPr lang="ko-KR" altLang="en-US" smtClean="0"/>
-              <a:t>2024-12-04</a:t>
+              <a:t>2024-12-05</a:t>
             </a:fld>
             <a:endParaRPr lang="ko-KR" altLang="en-US"/>
           </a:p>
@@ -617,7 +619,7 @@
           <a:p>
             <a:fld id="{5D3C7D45-EBA1-45BD-853C-4CFD30122036}" type="datetimeFigureOut">
               <a:rPr lang="ko-KR" altLang="en-US" smtClean="0"/>
-              <a:t>2024-12-04</a:t>
+              <a:t>2024-12-05</a:t>
             </a:fld>
             <a:endParaRPr lang="ko-KR" altLang="en-US"/>
           </a:p>
@@ -787,7 +789,7 @@
           <a:p>
             <a:fld id="{5D3C7D45-EBA1-45BD-853C-4CFD30122036}" type="datetimeFigureOut">
               <a:rPr lang="ko-KR" altLang="en-US" smtClean="0"/>
-              <a:t>2024-12-04</a:t>
+              <a:t>2024-12-05</a:t>
             </a:fld>
             <a:endParaRPr lang="ko-KR" altLang="en-US"/>
           </a:p>
@@ -1031,7 +1033,7 @@
           <a:p>
             <a:fld id="{5D3C7D45-EBA1-45BD-853C-4CFD30122036}" type="datetimeFigureOut">
               <a:rPr lang="ko-KR" altLang="en-US" smtClean="0"/>
-              <a:t>2024-12-04</a:t>
+              <a:t>2024-12-05</a:t>
             </a:fld>
             <a:endParaRPr lang="ko-KR" altLang="en-US"/>
           </a:p>
@@ -1263,7 +1265,7 @@
           <a:p>
             <a:fld id="{5D3C7D45-EBA1-45BD-853C-4CFD30122036}" type="datetimeFigureOut">
               <a:rPr lang="ko-KR" altLang="en-US" smtClean="0"/>
-              <a:t>2024-12-04</a:t>
+              <a:t>2024-12-05</a:t>
             </a:fld>
             <a:endParaRPr lang="ko-KR" altLang="en-US"/>
           </a:p>
@@ -1630,7 +1632,7 @@
           <a:p>
             <a:fld id="{5D3C7D45-EBA1-45BD-853C-4CFD30122036}" type="datetimeFigureOut">
               <a:rPr lang="ko-KR" altLang="en-US" smtClean="0"/>
-              <a:t>2024-12-04</a:t>
+              <a:t>2024-12-05</a:t>
             </a:fld>
             <a:endParaRPr lang="ko-KR" altLang="en-US"/>
           </a:p>
@@ -1748,7 +1750,7 @@
           <a:p>
             <a:fld id="{5D3C7D45-EBA1-45BD-853C-4CFD30122036}" type="datetimeFigureOut">
               <a:rPr lang="ko-KR" altLang="en-US" smtClean="0"/>
-              <a:t>2024-12-04</a:t>
+              <a:t>2024-12-05</a:t>
             </a:fld>
             <a:endParaRPr lang="ko-KR" altLang="en-US"/>
           </a:p>
@@ -1843,7 +1845,7 @@
           <a:p>
             <a:fld id="{5D3C7D45-EBA1-45BD-853C-4CFD30122036}" type="datetimeFigureOut">
               <a:rPr lang="ko-KR" altLang="en-US" smtClean="0"/>
-              <a:t>2024-12-04</a:t>
+              <a:t>2024-12-05</a:t>
             </a:fld>
             <a:endParaRPr lang="ko-KR" altLang="en-US"/>
           </a:p>
@@ -2120,7 +2122,7 @@
           <a:p>
             <a:fld id="{5D3C7D45-EBA1-45BD-853C-4CFD30122036}" type="datetimeFigureOut">
               <a:rPr lang="ko-KR" altLang="en-US" smtClean="0"/>
-              <a:t>2024-12-04</a:t>
+              <a:t>2024-12-05</a:t>
             </a:fld>
             <a:endParaRPr lang="ko-KR" altLang="en-US"/>
           </a:p>
@@ -2377,7 +2379,7 @@
           <a:p>
             <a:fld id="{5D3C7D45-EBA1-45BD-853C-4CFD30122036}" type="datetimeFigureOut">
               <a:rPr lang="ko-KR" altLang="en-US" smtClean="0"/>
-              <a:t>2024-12-04</a:t>
+              <a:t>2024-12-05</a:t>
             </a:fld>
             <a:endParaRPr lang="ko-KR" altLang="en-US"/>
           </a:p>
@@ -2590,7 +2592,7 @@
           <a:p>
             <a:fld id="{5D3C7D45-EBA1-45BD-853C-4CFD30122036}" type="datetimeFigureOut">
               <a:rPr lang="ko-KR" altLang="en-US" smtClean="0"/>
-              <a:t>2024-12-04</a:t>
+              <a:t>2024-12-05</a:t>
             </a:fld>
             <a:endParaRPr lang="ko-KR" altLang="en-US"/>
           </a:p>
@@ -5863,7 +5865,1679 @@
         <p:cNvPr id="1" name="">
           <a:extLst>
             <a:ext uri="{FF2B5EF4-FFF2-40B4-BE49-F238E27FC236}">
-              <a16:creationId xmlns:a16="http://schemas.microsoft.com/office/drawing/2014/main" id="{47B22668-3A3A-C511-819E-CFC54EC68ED1}"/>
+              <a16:creationId xmlns:a16="http://schemas.microsoft.com/office/drawing/2014/main" id="{A1EB8CE3-3575-EFAB-35DF-5CD3319483DF}"/>
+            </a:ext>
+          </a:extLst>
+        </p:cNvPr>
+        <p:cNvGrpSpPr/>
+        <p:nvPr/>
+      </p:nvGrpSpPr>
+      <p:grpSpPr>
+        <a:xfrm>
+          <a:off x="0" y="0"/>
+          <a:ext cx="0" cy="0"/>
+          <a:chOff x="0" y="0"/>
+          <a:chExt cx="0" cy="0"/>
+        </a:xfrm>
+      </p:grpSpPr>
+      <p:sp>
+        <p:nvSpPr>
+          <p:cNvPr id="16" name="TextBox 15">
+            <a:extLst>
+              <a:ext uri="{FF2B5EF4-FFF2-40B4-BE49-F238E27FC236}">
+                <a16:creationId xmlns:a16="http://schemas.microsoft.com/office/drawing/2014/main" id="{0415D854-3909-3DFF-AAA0-36DB93DF8E4C}"/>
+              </a:ext>
+            </a:extLst>
+          </p:cNvPr>
+          <p:cNvSpPr txBox="1"/>
+          <p:nvPr/>
+        </p:nvSpPr>
+        <p:spPr>
+          <a:xfrm>
+            <a:off x="609596" y="360357"/>
+            <a:ext cx="3935510" cy="388568"/>
+          </a:xfrm>
+          <a:prstGeom prst="rect">
+            <a:avLst/>
+          </a:prstGeom>
+          <a:noFill/>
+        </p:spPr>
+        <p:txBody>
+          <a:bodyPr wrap="square" rtlCol="0">
+            <a:spAutoFit/>
+          </a:bodyPr>
+          <a:lstStyle/>
+          <a:p>
+            <a:pPr>
+              <a:lnSpc>
+                <a:spcPct val="150000"/>
+              </a:lnSpc>
+            </a:pPr>
+            <a:r>
+              <a:rPr lang="ko-KR" altLang="en-US" sz="1400" dirty="0">
+                <a:latin typeface="G마켓 산스 TTF Bold" panose="02000000000000000000" pitchFamily="2" charset="-127"/>
+                <a:ea typeface="G마켓 산스 TTF Bold" panose="02000000000000000000" pitchFamily="2" charset="-127"/>
+              </a:rPr>
+              <a:t>🖥️ 담당 업무</a:t>
+            </a:r>
+            <a:r>
+              <a:rPr lang="en-US" altLang="ko-KR" sz="1400" dirty="0">
+                <a:latin typeface="G마켓 산스 TTF Bold" panose="02000000000000000000" pitchFamily="2" charset="-127"/>
+                <a:ea typeface="G마켓 산스 TTF Bold" panose="02000000000000000000" pitchFamily="2" charset="-127"/>
+              </a:rPr>
+              <a:t>(Front-End / Back-End)</a:t>
+            </a:r>
+          </a:p>
+        </p:txBody>
+      </p:sp>
+      <p:sp>
+        <p:nvSpPr>
+          <p:cNvPr id="11" name="TextBox 10">
+            <a:extLst>
+              <a:ext uri="{FF2B5EF4-FFF2-40B4-BE49-F238E27FC236}">
+                <a16:creationId xmlns:a16="http://schemas.microsoft.com/office/drawing/2014/main" id="{96C292B7-C102-4139-2FBB-2F70712003BA}"/>
+              </a:ext>
+            </a:extLst>
+          </p:cNvPr>
+          <p:cNvSpPr txBox="1"/>
+          <p:nvPr/>
+        </p:nvSpPr>
+        <p:spPr>
+          <a:xfrm>
+            <a:off x="-4103650" y="1723684"/>
+            <a:ext cx="3061928" cy="2650726"/>
+          </a:xfrm>
+          <a:prstGeom prst="rect">
+            <a:avLst/>
+          </a:prstGeom>
+          <a:noFill/>
+        </p:spPr>
+        <p:txBody>
+          <a:bodyPr wrap="square" rtlCol="0">
+            <a:spAutoFit/>
+          </a:bodyPr>
+          <a:lstStyle/>
+          <a:p>
+            <a:pPr>
+              <a:lnSpc>
+                <a:spcPct val="150000"/>
+              </a:lnSpc>
+            </a:pPr>
+            <a:r>
+              <a:rPr lang="en-US" altLang="ko-KR" sz="1400" dirty="0">
+                <a:solidFill>
+                  <a:schemeClr val="tx1">
+                    <a:lumMod val="75000"/>
+                    <a:lumOff val="25000"/>
+                  </a:schemeClr>
+                </a:solidFill>
+                <a:latin typeface="G마켓 산스 TTF Bold" panose="02000000000000000000" pitchFamily="2" charset="-127"/>
+                <a:ea typeface="G마켓 산스 TTF Bold" panose="02000000000000000000" pitchFamily="2" charset="-127"/>
+              </a:rPr>
+              <a:t>RFID / NFC </a:t>
+            </a:r>
+            <a:r>
+              <a:rPr lang="ko-KR" altLang="en-US" sz="1400" dirty="0">
+                <a:solidFill>
+                  <a:schemeClr val="tx1">
+                    <a:lumMod val="75000"/>
+                    <a:lumOff val="25000"/>
+                  </a:schemeClr>
+                </a:solidFill>
+                <a:latin typeface="G마켓 산스 TTF Bold" panose="02000000000000000000" pitchFamily="2" charset="-127"/>
+                <a:ea typeface="G마켓 산스 TTF Bold" panose="02000000000000000000" pitchFamily="2" charset="-127"/>
+              </a:rPr>
+              <a:t>칩 인식</a:t>
+            </a:r>
+            <a:endParaRPr lang="en-US" altLang="ko-KR" sz="1400" dirty="0">
+              <a:solidFill>
+                <a:schemeClr val="tx1">
+                  <a:lumMod val="75000"/>
+                  <a:lumOff val="25000"/>
+                </a:schemeClr>
+              </a:solidFill>
+              <a:latin typeface="G마켓 산스 TTF Bold" panose="02000000000000000000" pitchFamily="2" charset="-127"/>
+              <a:ea typeface="G마켓 산스 TTF Bold" panose="02000000000000000000" pitchFamily="2" charset="-127"/>
+            </a:endParaRPr>
+          </a:p>
+          <a:p>
+            <a:pPr>
+              <a:lnSpc>
+                <a:spcPct val="150000"/>
+              </a:lnSpc>
+            </a:pPr>
+            <a:endParaRPr lang="en-US" altLang="ko-KR" sz="1400" dirty="0">
+              <a:solidFill>
+                <a:schemeClr val="tx1">
+                  <a:lumMod val="75000"/>
+                  <a:lumOff val="25000"/>
+                </a:schemeClr>
+              </a:solidFill>
+              <a:latin typeface="G마켓 산스 TTF Bold" panose="02000000000000000000" pitchFamily="2" charset="-127"/>
+              <a:ea typeface="G마켓 산스 TTF Bold" panose="02000000000000000000" pitchFamily="2" charset="-127"/>
+            </a:endParaRPr>
+          </a:p>
+          <a:p>
+            <a:pPr>
+              <a:lnSpc>
+                <a:spcPct val="150000"/>
+              </a:lnSpc>
+            </a:pPr>
+            <a:r>
+              <a:rPr lang="ko-KR" altLang="en-US" sz="1400" dirty="0">
+                <a:solidFill>
+                  <a:schemeClr val="tx1">
+                    <a:lumMod val="75000"/>
+                    <a:lumOff val="25000"/>
+                  </a:schemeClr>
+                </a:solidFill>
+                <a:latin typeface="G마켓 산스 TTF Bold" panose="02000000000000000000" pitchFamily="2" charset="-127"/>
+                <a:ea typeface="G마켓 산스 TTF Bold" panose="02000000000000000000" pitchFamily="2" charset="-127"/>
+              </a:rPr>
+              <a:t>키오스크 </a:t>
+            </a:r>
+            <a:r>
+              <a:rPr lang="en-US" altLang="ko-KR" sz="1400" dirty="0">
+                <a:solidFill>
+                  <a:schemeClr val="tx1">
+                    <a:lumMod val="75000"/>
+                    <a:lumOff val="25000"/>
+                  </a:schemeClr>
+                </a:solidFill>
+                <a:latin typeface="G마켓 산스 TTF Bold" panose="02000000000000000000" pitchFamily="2" charset="-127"/>
+                <a:ea typeface="G마켓 산스 TTF Bold" panose="02000000000000000000" pitchFamily="2" charset="-127"/>
+              </a:rPr>
+              <a:t>CPU </a:t>
+            </a:r>
+            <a:r>
+              <a:rPr lang="ko-KR" altLang="en-US" sz="1400" dirty="0">
+                <a:solidFill>
+                  <a:schemeClr val="tx1">
+                    <a:lumMod val="75000"/>
+                    <a:lumOff val="25000"/>
+                  </a:schemeClr>
+                </a:solidFill>
+                <a:latin typeface="G마켓 산스 TTF Bold" panose="02000000000000000000" pitchFamily="2" charset="-127"/>
+                <a:ea typeface="G마켓 산스 TTF Bold" panose="02000000000000000000" pitchFamily="2" charset="-127"/>
+              </a:rPr>
+              <a:t>환경 배포</a:t>
+            </a:r>
+            <a:endParaRPr lang="en-US" altLang="ko-KR" sz="1400" dirty="0">
+              <a:solidFill>
+                <a:schemeClr val="tx1">
+                  <a:lumMod val="75000"/>
+                  <a:lumOff val="25000"/>
+                </a:schemeClr>
+              </a:solidFill>
+              <a:latin typeface="G마켓 산스 TTF Bold" panose="02000000000000000000" pitchFamily="2" charset="-127"/>
+              <a:ea typeface="G마켓 산스 TTF Bold" panose="02000000000000000000" pitchFamily="2" charset="-127"/>
+            </a:endParaRPr>
+          </a:p>
+          <a:p>
+            <a:pPr>
+              <a:lnSpc>
+                <a:spcPct val="150000"/>
+              </a:lnSpc>
+            </a:pPr>
+            <a:endParaRPr lang="en-US" altLang="ko-KR" sz="1400" dirty="0">
+              <a:solidFill>
+                <a:schemeClr val="tx1">
+                  <a:lumMod val="75000"/>
+                  <a:lumOff val="25000"/>
+                </a:schemeClr>
+              </a:solidFill>
+              <a:latin typeface="G마켓 산스 TTF Bold" panose="02000000000000000000" pitchFamily="2" charset="-127"/>
+              <a:ea typeface="G마켓 산스 TTF Bold" panose="02000000000000000000" pitchFamily="2" charset="-127"/>
+            </a:endParaRPr>
+          </a:p>
+          <a:p>
+            <a:pPr>
+              <a:lnSpc>
+                <a:spcPct val="150000"/>
+              </a:lnSpc>
+            </a:pPr>
+            <a:r>
+              <a:rPr lang="ko-KR" altLang="en-US" sz="1400" dirty="0">
+                <a:solidFill>
+                  <a:schemeClr val="tx1">
+                    <a:lumMod val="75000"/>
+                    <a:lumOff val="25000"/>
+                  </a:schemeClr>
+                </a:solidFill>
+                <a:latin typeface="G마켓 산스 TTF Bold" panose="02000000000000000000" pitchFamily="2" charset="-127"/>
+                <a:ea typeface="G마켓 산스 TTF Bold" panose="02000000000000000000" pitchFamily="2" charset="-127"/>
+              </a:rPr>
+              <a:t>키오스크 화면구성 </a:t>
+            </a:r>
+            <a:r>
+              <a:rPr lang="en-US" altLang="ko-KR" sz="1400" dirty="0">
+                <a:solidFill>
+                  <a:schemeClr val="tx1">
+                    <a:lumMod val="75000"/>
+                    <a:lumOff val="25000"/>
+                  </a:schemeClr>
+                </a:solidFill>
+                <a:latin typeface="G마켓 산스 TTF Bold" panose="02000000000000000000" pitchFamily="2" charset="-127"/>
+                <a:ea typeface="G마켓 산스 TTF Bold" panose="02000000000000000000" pitchFamily="2" charset="-127"/>
+              </a:rPr>
+              <a:t>(</a:t>
+            </a:r>
+            <a:r>
+              <a:rPr lang="ko-KR" altLang="en-US" sz="1400" dirty="0">
+                <a:solidFill>
+                  <a:schemeClr val="tx1">
+                    <a:lumMod val="75000"/>
+                    <a:lumOff val="25000"/>
+                  </a:schemeClr>
+                </a:solidFill>
+                <a:latin typeface="G마켓 산스 TTF Bold" panose="02000000000000000000" pitchFamily="2" charset="-127"/>
+                <a:ea typeface="G마켓 산스 TTF Bold" panose="02000000000000000000" pitchFamily="2" charset="-127"/>
+              </a:rPr>
+              <a:t>최소한의 </a:t>
+            </a:r>
+            <a:r>
+              <a:rPr lang="en-US" altLang="ko-KR" sz="1400" dirty="0">
+                <a:solidFill>
+                  <a:schemeClr val="tx1">
+                    <a:lumMod val="75000"/>
+                    <a:lumOff val="25000"/>
+                  </a:schemeClr>
+                </a:solidFill>
+                <a:latin typeface="G마켓 산스 TTF Bold" panose="02000000000000000000" pitchFamily="2" charset="-127"/>
+                <a:ea typeface="G마켓 산스 TTF Bold" panose="02000000000000000000" pitchFamily="2" charset="-127"/>
+              </a:rPr>
+              <a:t>API </a:t>
+            </a:r>
+            <a:r>
+              <a:rPr lang="ko-KR" altLang="en-US" sz="1400" dirty="0">
+                <a:solidFill>
+                  <a:schemeClr val="tx1">
+                    <a:lumMod val="75000"/>
+                    <a:lumOff val="25000"/>
+                  </a:schemeClr>
+                </a:solidFill>
+                <a:latin typeface="G마켓 산스 TTF Bold" panose="02000000000000000000" pitchFamily="2" charset="-127"/>
+                <a:ea typeface="G마켓 산스 TTF Bold" panose="02000000000000000000" pitchFamily="2" charset="-127"/>
+              </a:rPr>
+              <a:t>요청</a:t>
+            </a:r>
+            <a:r>
+              <a:rPr lang="en-US" altLang="ko-KR" sz="1400" dirty="0">
+                <a:solidFill>
+                  <a:schemeClr val="tx1">
+                    <a:lumMod val="75000"/>
+                    <a:lumOff val="25000"/>
+                  </a:schemeClr>
+                </a:solidFill>
+                <a:latin typeface="G마켓 산스 TTF Bold" panose="02000000000000000000" pitchFamily="2" charset="-127"/>
+                <a:ea typeface="G마켓 산스 TTF Bold" panose="02000000000000000000" pitchFamily="2" charset="-127"/>
+              </a:rPr>
+              <a:t>) </a:t>
+            </a:r>
+          </a:p>
+          <a:p>
+            <a:pPr>
+              <a:lnSpc>
+                <a:spcPct val="150000"/>
+              </a:lnSpc>
+            </a:pPr>
+            <a:r>
+              <a:rPr lang="en-US" altLang="ko-KR" sz="1400" dirty="0">
+                <a:solidFill>
+                  <a:schemeClr val="tx1">
+                    <a:lumMod val="75000"/>
+                    <a:lumOff val="25000"/>
+                  </a:schemeClr>
+                </a:solidFill>
+                <a:latin typeface="G마켓 산스 TTF Bold" panose="02000000000000000000" pitchFamily="2" charset="-127"/>
+                <a:ea typeface="G마켓 산스 TTF Bold" panose="02000000000000000000" pitchFamily="2" charset="-127"/>
+              </a:rPr>
+              <a:t>TOSS </a:t>
+            </a:r>
+            <a:r>
+              <a:rPr lang="ko-KR" altLang="en-US" sz="1400" dirty="0">
+                <a:solidFill>
+                  <a:schemeClr val="tx1">
+                    <a:lumMod val="75000"/>
+                    <a:lumOff val="25000"/>
+                  </a:schemeClr>
+                </a:solidFill>
+                <a:latin typeface="G마켓 산스 TTF Bold" panose="02000000000000000000" pitchFamily="2" charset="-127"/>
+                <a:ea typeface="G마켓 산스 TTF Bold" panose="02000000000000000000" pitchFamily="2" charset="-127"/>
+              </a:rPr>
+              <a:t>결제 </a:t>
+            </a:r>
+            <a:r>
+              <a:rPr lang="en-US" altLang="ko-KR" sz="1400" dirty="0">
+                <a:solidFill>
+                  <a:schemeClr val="tx1">
+                    <a:lumMod val="75000"/>
+                    <a:lumOff val="25000"/>
+                  </a:schemeClr>
+                </a:solidFill>
+                <a:latin typeface="G마켓 산스 TTF Bold" panose="02000000000000000000" pitchFamily="2" charset="-127"/>
+                <a:ea typeface="G마켓 산스 TTF Bold" panose="02000000000000000000" pitchFamily="2" charset="-127"/>
+              </a:rPr>
+              <a:t>API</a:t>
+            </a:r>
+          </a:p>
+          <a:p>
+            <a:pPr>
+              <a:lnSpc>
+                <a:spcPct val="150000"/>
+              </a:lnSpc>
+            </a:pPr>
+            <a:r>
+              <a:rPr lang="ko-KR" altLang="en-US" sz="1400" dirty="0">
+                <a:solidFill>
+                  <a:schemeClr val="tx1">
+                    <a:lumMod val="75000"/>
+                    <a:lumOff val="25000"/>
+                  </a:schemeClr>
+                </a:solidFill>
+                <a:latin typeface="G마켓 산스 TTF Bold" panose="02000000000000000000" pitchFamily="2" charset="-127"/>
+                <a:ea typeface="G마켓 산스 TTF Bold" panose="02000000000000000000" pitchFamily="2" charset="-127"/>
+              </a:rPr>
+              <a:t>키오스크 관리 </a:t>
+            </a:r>
+            <a:r>
+              <a:rPr lang="en-US" altLang="ko-KR" sz="1400" dirty="0">
+                <a:solidFill>
+                  <a:schemeClr val="tx1">
+                    <a:lumMod val="75000"/>
+                    <a:lumOff val="25000"/>
+                  </a:schemeClr>
+                </a:solidFill>
+                <a:latin typeface="G마켓 산스 TTF Bold" panose="02000000000000000000" pitchFamily="2" charset="-127"/>
+                <a:ea typeface="G마켓 산스 TTF Bold" panose="02000000000000000000" pitchFamily="2" charset="-127"/>
+              </a:rPr>
+              <a:t>OTP</a:t>
+            </a:r>
+          </a:p>
+        </p:txBody>
+      </p:sp>
+      <p:cxnSp>
+        <p:nvCxnSpPr>
+          <p:cNvPr id="17" name="직선 연결선 16">
+            <a:extLst>
+              <a:ext uri="{FF2B5EF4-FFF2-40B4-BE49-F238E27FC236}">
+                <a16:creationId xmlns:a16="http://schemas.microsoft.com/office/drawing/2014/main" id="{3B42A54B-DB79-5760-FF0F-CA6FD699285A}"/>
+              </a:ext>
+            </a:extLst>
+          </p:cNvPr>
+          <p:cNvCxnSpPr/>
+          <p:nvPr/>
+        </p:nvCxnSpPr>
+        <p:spPr>
+          <a:xfrm>
+            <a:off x="609596" y="2242788"/>
+            <a:ext cx="5492750" cy="0"/>
+          </a:xfrm>
+          <a:prstGeom prst="line">
+            <a:avLst/>
+          </a:prstGeom>
+          <a:ln w="25400">
+            <a:solidFill>
+              <a:schemeClr val="bg1">
+                <a:lumMod val="85000"/>
+              </a:schemeClr>
+            </a:solidFill>
+          </a:ln>
+        </p:spPr>
+        <p:style>
+          <a:lnRef idx="1">
+            <a:schemeClr val="accent1"/>
+          </a:lnRef>
+          <a:fillRef idx="0">
+            <a:schemeClr val="accent1"/>
+          </a:fillRef>
+          <a:effectRef idx="0">
+            <a:schemeClr val="accent1"/>
+          </a:effectRef>
+          <a:fontRef idx="minor">
+            <a:schemeClr val="tx1"/>
+          </a:fontRef>
+        </p:style>
+      </p:cxnSp>
+      <p:sp>
+        <p:nvSpPr>
+          <p:cNvPr id="36" name="TextBox 35">
+            <a:extLst>
+              <a:ext uri="{FF2B5EF4-FFF2-40B4-BE49-F238E27FC236}">
+                <a16:creationId xmlns:a16="http://schemas.microsoft.com/office/drawing/2014/main" id="{6CE9B4FE-3B10-EFFE-A7EA-66B67FE772BD}"/>
+              </a:ext>
+            </a:extLst>
+          </p:cNvPr>
+          <p:cNvSpPr txBox="1"/>
+          <p:nvPr/>
+        </p:nvSpPr>
+        <p:spPr>
+          <a:xfrm>
+            <a:off x="-4877323" y="4643124"/>
+            <a:ext cx="4834975" cy="1411925"/>
+          </a:xfrm>
+          <a:prstGeom prst="rect">
+            <a:avLst/>
+          </a:prstGeom>
+          <a:noFill/>
+        </p:spPr>
+        <p:txBody>
+          <a:bodyPr wrap="square" rtlCol="0">
+            <a:spAutoFit/>
+          </a:bodyPr>
+          <a:lstStyle/>
+          <a:p>
+            <a:pPr>
+              <a:lnSpc>
+                <a:spcPct val="150000"/>
+              </a:lnSpc>
+            </a:pPr>
+            <a:r>
+              <a:rPr lang="ko-KR" altLang="en-US" sz="1400" dirty="0">
+                <a:solidFill>
+                  <a:schemeClr val="tx1">
+                    <a:lumMod val="65000"/>
+                    <a:lumOff val="35000"/>
+                  </a:schemeClr>
+                </a:solidFill>
+                <a:latin typeface="G마켓 산스 TTF Bold" panose="02000000000000000000" pitchFamily="2" charset="-127"/>
+                <a:ea typeface="G마켓 산스 TTF Bold" panose="02000000000000000000" pitchFamily="2" charset="-127"/>
+              </a:rPr>
+              <a:t>소셜 로그인 인증</a:t>
+            </a:r>
+            <a:r>
+              <a:rPr lang="en-US" altLang="ko-KR" sz="1400" dirty="0">
+                <a:solidFill>
+                  <a:schemeClr val="tx1">
+                    <a:lumMod val="65000"/>
+                    <a:lumOff val="35000"/>
+                  </a:schemeClr>
+                </a:solidFill>
+                <a:latin typeface="G마켓 산스 TTF Bold" panose="02000000000000000000" pitchFamily="2" charset="-127"/>
+                <a:ea typeface="G마켓 산스 TTF Bold" panose="02000000000000000000" pitchFamily="2" charset="-127"/>
+              </a:rPr>
+              <a:t>(Authentication)</a:t>
+            </a:r>
+          </a:p>
+          <a:p>
+            <a:pPr marL="171450" indent="-171450">
+              <a:lnSpc>
+                <a:spcPct val="150000"/>
+              </a:lnSpc>
+              <a:buFont typeface="Arial" panose="020B0604020202020204" pitchFamily="34" charset="0"/>
+              <a:buChar char="•"/>
+            </a:pPr>
+            <a:r>
+              <a:rPr lang="en-US" altLang="ko-KR" sz="1000" dirty="0">
+                <a:solidFill>
+                  <a:schemeClr val="tx1">
+                    <a:lumMod val="50000"/>
+                    <a:lumOff val="50000"/>
+                  </a:schemeClr>
+                </a:solidFill>
+                <a:latin typeface="G마켓 산스 TTF Bold" panose="02000000000000000000" pitchFamily="2" charset="-127"/>
+                <a:ea typeface="G마켓 산스 TTF Bold" panose="02000000000000000000" pitchFamily="2" charset="-127"/>
+              </a:rPr>
+              <a:t>/login </a:t>
+            </a:r>
+            <a:r>
+              <a:rPr lang="ko-KR" altLang="en-US" sz="1000" dirty="0">
+                <a:solidFill>
+                  <a:schemeClr val="tx1">
+                    <a:lumMod val="50000"/>
+                    <a:lumOff val="50000"/>
+                  </a:schemeClr>
+                </a:solidFill>
+                <a:latin typeface="G마켓 산스 TTF Bold" panose="02000000000000000000" pitchFamily="2" charset="-127"/>
+                <a:ea typeface="G마켓 산스 TTF Bold" panose="02000000000000000000" pitchFamily="2" charset="-127"/>
+              </a:rPr>
+              <a:t>경로로 </a:t>
+            </a:r>
+            <a:r>
+              <a:rPr lang="en-US" altLang="ko-KR" sz="1000" dirty="0">
+                <a:solidFill>
+                  <a:schemeClr val="tx1">
+                    <a:lumMod val="50000"/>
+                    <a:lumOff val="50000"/>
+                  </a:schemeClr>
+                </a:solidFill>
+                <a:latin typeface="G마켓 산스 TTF Bold" panose="02000000000000000000" pitchFamily="2" charset="-127"/>
+                <a:ea typeface="G마켓 산스 TTF Bold" panose="02000000000000000000" pitchFamily="2" charset="-127"/>
+              </a:rPr>
+              <a:t>OAuth </a:t>
+            </a:r>
+            <a:r>
+              <a:rPr lang="ko-KR" altLang="en-US" sz="1000" dirty="0">
+                <a:solidFill>
+                  <a:schemeClr val="tx1">
+                    <a:lumMod val="50000"/>
+                    <a:lumOff val="50000"/>
+                  </a:schemeClr>
+                </a:solidFill>
+                <a:latin typeface="G마켓 산스 TTF Bold" panose="02000000000000000000" pitchFamily="2" charset="-127"/>
+                <a:ea typeface="G마켓 산스 TTF Bold" panose="02000000000000000000" pitchFamily="2" charset="-127"/>
+              </a:rPr>
+              <a:t>인증 요청을 처리</a:t>
+            </a:r>
+            <a:endParaRPr lang="en-US" altLang="ko-KR" sz="1000" dirty="0">
+              <a:solidFill>
+                <a:schemeClr val="tx1">
+                  <a:lumMod val="50000"/>
+                  <a:lumOff val="50000"/>
+                </a:schemeClr>
+              </a:solidFill>
+              <a:latin typeface="G마켓 산스 TTF Bold" panose="02000000000000000000" pitchFamily="2" charset="-127"/>
+              <a:ea typeface="G마켓 산스 TTF Bold" panose="02000000000000000000" pitchFamily="2" charset="-127"/>
+            </a:endParaRPr>
+          </a:p>
+          <a:p>
+            <a:pPr marL="171450" indent="-171450">
+              <a:lnSpc>
+                <a:spcPct val="150000"/>
+              </a:lnSpc>
+              <a:buFont typeface="Arial" panose="020B0604020202020204" pitchFamily="34" charset="0"/>
+              <a:buChar char="•"/>
+            </a:pPr>
+            <a:r>
+              <a:rPr lang="ko-KR" altLang="en-US" sz="1000" dirty="0">
+                <a:solidFill>
+                  <a:schemeClr val="tx1">
+                    <a:lumMod val="50000"/>
+                    <a:lumOff val="50000"/>
+                  </a:schemeClr>
+                </a:solidFill>
+                <a:latin typeface="G마켓 산스 TTF Bold" panose="02000000000000000000" pitchFamily="2" charset="-127"/>
+                <a:ea typeface="G마켓 산스 TTF Bold" panose="02000000000000000000" pitchFamily="2" charset="-127"/>
+              </a:rPr>
+              <a:t>인증 성공 후 사용자 정보</a:t>
+            </a:r>
+            <a:r>
+              <a:rPr lang="en-US" altLang="ko-KR" sz="1000" dirty="0">
+                <a:solidFill>
+                  <a:schemeClr val="tx1">
+                    <a:lumMod val="50000"/>
+                    <a:lumOff val="50000"/>
+                  </a:schemeClr>
+                </a:solidFill>
+                <a:latin typeface="G마켓 산스 TTF Bold" panose="02000000000000000000" pitchFamily="2" charset="-127"/>
+                <a:ea typeface="G마켓 산스 TTF Bold" panose="02000000000000000000" pitchFamily="2" charset="-127"/>
+              </a:rPr>
+              <a:t>(</a:t>
+            </a:r>
+            <a:r>
+              <a:rPr lang="en-US" altLang="ko-KR" sz="1000" dirty="0" err="1">
+                <a:solidFill>
+                  <a:schemeClr val="tx1">
+                    <a:lumMod val="50000"/>
+                    <a:lumOff val="50000"/>
+                  </a:schemeClr>
+                </a:solidFill>
+                <a:latin typeface="G마켓 산스 TTF Bold" panose="02000000000000000000" pitchFamily="2" charset="-127"/>
+                <a:ea typeface="G마켓 산스 TTF Bold" panose="02000000000000000000" pitchFamily="2" charset="-127"/>
+              </a:rPr>
+              <a:t>SecurityContext</a:t>
+            </a:r>
+            <a:r>
+              <a:rPr lang="en-US" altLang="ko-KR" sz="1000" dirty="0">
+                <a:solidFill>
+                  <a:schemeClr val="tx1">
+                    <a:lumMod val="50000"/>
+                    <a:lumOff val="50000"/>
+                  </a:schemeClr>
+                </a:solidFill>
+                <a:latin typeface="G마켓 산스 TTF Bold" panose="02000000000000000000" pitchFamily="2" charset="-127"/>
+                <a:ea typeface="G마켓 산스 TTF Bold" panose="02000000000000000000" pitchFamily="2" charset="-127"/>
+              </a:rPr>
+              <a:t>)</a:t>
+            </a:r>
+            <a:r>
+              <a:rPr lang="ko-KR" altLang="en-US" sz="1000" dirty="0">
+                <a:solidFill>
+                  <a:schemeClr val="tx1">
+                    <a:lumMod val="50000"/>
+                    <a:lumOff val="50000"/>
+                  </a:schemeClr>
+                </a:solidFill>
+                <a:latin typeface="G마켓 산스 TTF Bold" panose="02000000000000000000" pitchFamily="2" charset="-127"/>
+                <a:ea typeface="G마켓 산스 TTF Bold" panose="02000000000000000000" pitchFamily="2" charset="-127"/>
+              </a:rPr>
+              <a:t>에 저장</a:t>
+            </a:r>
+            <a:r>
+              <a:rPr lang="en-US" altLang="ko-KR" sz="1000" dirty="0">
+                <a:solidFill>
+                  <a:schemeClr val="tx1">
+                    <a:lumMod val="65000"/>
+                    <a:lumOff val="35000"/>
+                  </a:schemeClr>
+                </a:solidFill>
+                <a:latin typeface="G마켓 산스 TTF Bold" panose="02000000000000000000" pitchFamily="2" charset="-127"/>
+                <a:ea typeface="G마켓 산스 TTF Bold" panose="02000000000000000000" pitchFamily="2" charset="-127"/>
+              </a:rPr>
+              <a:t>.</a:t>
+            </a:r>
+          </a:p>
+          <a:p>
+            <a:pPr>
+              <a:lnSpc>
+                <a:spcPct val="150000"/>
+              </a:lnSpc>
+            </a:pPr>
+            <a:r>
+              <a:rPr lang="ko-KR" altLang="en-US" sz="1400" dirty="0">
+                <a:solidFill>
+                  <a:schemeClr val="tx1">
+                    <a:lumMod val="65000"/>
+                    <a:lumOff val="35000"/>
+                  </a:schemeClr>
+                </a:solidFill>
+                <a:latin typeface="G마켓 산스 TTF Bold" panose="02000000000000000000" pitchFamily="2" charset="-127"/>
+                <a:ea typeface="G마켓 산스 TTF Bold" panose="02000000000000000000" pitchFamily="2" charset="-127"/>
+              </a:rPr>
+              <a:t>소셜 로그인 인가</a:t>
+            </a:r>
+            <a:r>
+              <a:rPr lang="en-US" altLang="ko-KR" sz="1400" dirty="0">
+                <a:solidFill>
+                  <a:schemeClr val="tx1">
+                    <a:lumMod val="65000"/>
+                    <a:lumOff val="35000"/>
+                  </a:schemeClr>
+                </a:solidFill>
+                <a:latin typeface="G마켓 산스 TTF Bold" panose="02000000000000000000" pitchFamily="2" charset="-127"/>
+                <a:ea typeface="G마켓 산스 TTF Bold" panose="02000000000000000000" pitchFamily="2" charset="-127"/>
+              </a:rPr>
+              <a:t>(Authorization)</a:t>
+            </a:r>
+          </a:p>
+          <a:p>
+            <a:pPr>
+              <a:lnSpc>
+                <a:spcPct val="150000"/>
+              </a:lnSpc>
+            </a:pPr>
+            <a:r>
+              <a:rPr lang="en-US" altLang="ko-KR" sz="1000" dirty="0" err="1">
+                <a:solidFill>
+                  <a:schemeClr val="tx1">
+                    <a:lumMod val="50000"/>
+                    <a:lumOff val="50000"/>
+                  </a:schemeClr>
+                </a:solidFill>
+                <a:latin typeface="G마켓 산스 TTF Bold" panose="02000000000000000000" pitchFamily="2" charset="-127"/>
+                <a:ea typeface="G마켓 산스 TTF Bold" panose="02000000000000000000" pitchFamily="2" charset="-127"/>
+              </a:rPr>
+              <a:t>user.getRoleTypeEnum</a:t>
+            </a:r>
+            <a:r>
+              <a:rPr lang="en-US" altLang="ko-KR" sz="1000" dirty="0">
+                <a:solidFill>
+                  <a:schemeClr val="tx1">
+                    <a:lumMod val="50000"/>
+                    <a:lumOff val="50000"/>
+                  </a:schemeClr>
+                </a:solidFill>
+                <a:latin typeface="G마켓 산스 TTF Bold" panose="02000000000000000000" pitchFamily="2" charset="-127"/>
+                <a:ea typeface="G마켓 산스 TTF Bold" panose="02000000000000000000" pitchFamily="2" charset="-127"/>
+              </a:rPr>
+              <a:t>()</a:t>
+            </a:r>
+            <a:r>
+              <a:rPr lang="ko-KR" altLang="en-US" sz="1000" dirty="0">
+                <a:solidFill>
+                  <a:schemeClr val="tx1">
+                    <a:lumMod val="50000"/>
+                    <a:lumOff val="50000"/>
+                  </a:schemeClr>
+                </a:solidFill>
+                <a:latin typeface="G마켓 산스 TTF Bold" panose="02000000000000000000" pitchFamily="2" charset="-127"/>
+                <a:ea typeface="G마켓 산스 TTF Bold" panose="02000000000000000000" pitchFamily="2" charset="-127"/>
+              </a:rPr>
+              <a:t>을 활용 </a:t>
+            </a:r>
+            <a:r>
+              <a:rPr lang="en-US" altLang="ko-KR" sz="1000" dirty="0">
+                <a:solidFill>
+                  <a:schemeClr val="tx1">
+                    <a:lumMod val="50000"/>
+                    <a:lumOff val="50000"/>
+                  </a:schemeClr>
+                </a:solidFill>
+                <a:latin typeface="G마켓 산스 TTF Bold" panose="02000000000000000000" pitchFamily="2" charset="-127"/>
+                <a:ea typeface="G마켓 산스 TTF Bold" panose="02000000000000000000" pitchFamily="2" charset="-127"/>
+              </a:rPr>
+              <a:t>(</a:t>
+            </a:r>
+            <a:r>
+              <a:rPr lang="ko-KR" altLang="en-US" sz="1000" dirty="0">
+                <a:solidFill>
+                  <a:schemeClr val="tx1">
+                    <a:lumMod val="50000"/>
+                    <a:lumOff val="50000"/>
+                  </a:schemeClr>
+                </a:solidFill>
+                <a:latin typeface="G마켓 산스 TTF Bold" panose="02000000000000000000" pitchFamily="2" charset="-127"/>
+                <a:ea typeface="G마켓 산스 TTF Bold" panose="02000000000000000000" pitchFamily="2" charset="-127"/>
+              </a:rPr>
+              <a:t>유저 </a:t>
+            </a:r>
+            <a:r>
+              <a:rPr lang="en-US" altLang="ko-KR" sz="1000" dirty="0">
+                <a:solidFill>
+                  <a:schemeClr val="tx1">
+                    <a:lumMod val="50000"/>
+                    <a:lumOff val="50000"/>
+                  </a:schemeClr>
+                </a:solidFill>
+                <a:latin typeface="G마켓 산스 TTF Bold" panose="02000000000000000000" pitchFamily="2" charset="-127"/>
+                <a:ea typeface="G마켓 산스 TTF Bold" panose="02000000000000000000" pitchFamily="2" charset="-127"/>
+              </a:rPr>
+              <a:t>/ </a:t>
+            </a:r>
+            <a:r>
+              <a:rPr lang="ko-KR" altLang="en-US" sz="1000" dirty="0">
+                <a:solidFill>
+                  <a:schemeClr val="tx1">
+                    <a:lumMod val="50000"/>
+                    <a:lumOff val="50000"/>
+                  </a:schemeClr>
+                </a:solidFill>
+                <a:latin typeface="G마켓 산스 TTF Bold" panose="02000000000000000000" pitchFamily="2" charset="-127"/>
+                <a:ea typeface="G마켓 산스 TTF Bold" panose="02000000000000000000" pitchFamily="2" charset="-127"/>
+              </a:rPr>
+              <a:t>직원 </a:t>
+            </a:r>
+            <a:r>
+              <a:rPr lang="en-US" altLang="ko-KR" sz="1000" dirty="0">
+                <a:solidFill>
+                  <a:schemeClr val="tx1">
+                    <a:lumMod val="50000"/>
+                    <a:lumOff val="50000"/>
+                  </a:schemeClr>
+                </a:solidFill>
+                <a:latin typeface="G마켓 산스 TTF Bold" panose="02000000000000000000" pitchFamily="2" charset="-127"/>
+                <a:ea typeface="G마켓 산스 TTF Bold" panose="02000000000000000000" pitchFamily="2" charset="-127"/>
+              </a:rPr>
+              <a:t>/ </a:t>
+            </a:r>
+            <a:r>
+              <a:rPr lang="ko-KR" altLang="en-US" sz="1000" dirty="0">
+                <a:solidFill>
+                  <a:schemeClr val="tx1">
+                    <a:lumMod val="50000"/>
+                    <a:lumOff val="50000"/>
+                  </a:schemeClr>
+                </a:solidFill>
+                <a:latin typeface="G마켓 산스 TTF Bold" panose="02000000000000000000" pitchFamily="2" charset="-127"/>
+                <a:ea typeface="G마켓 산스 TTF Bold" panose="02000000000000000000" pitchFamily="2" charset="-127"/>
+              </a:rPr>
+              <a:t>사장 </a:t>
+            </a:r>
+            <a:r>
+              <a:rPr lang="en-US" altLang="ko-KR" sz="1000" dirty="0">
+                <a:solidFill>
+                  <a:schemeClr val="tx1">
+                    <a:lumMod val="50000"/>
+                    <a:lumOff val="50000"/>
+                  </a:schemeClr>
+                </a:solidFill>
+                <a:latin typeface="G마켓 산스 TTF Bold" panose="02000000000000000000" pitchFamily="2" charset="-127"/>
+                <a:ea typeface="G마켓 산스 TTF Bold" panose="02000000000000000000" pitchFamily="2" charset="-127"/>
+              </a:rPr>
+              <a:t>) </a:t>
+            </a:r>
+            <a:r>
+              <a:rPr lang="ko-KR" altLang="en-US" sz="1000" dirty="0">
+                <a:solidFill>
+                  <a:schemeClr val="tx1">
+                    <a:lumMod val="50000"/>
+                    <a:lumOff val="50000"/>
+                  </a:schemeClr>
+                </a:solidFill>
+                <a:latin typeface="G마켓 산스 TTF Bold" panose="02000000000000000000" pitchFamily="2" charset="-127"/>
+                <a:ea typeface="G마켓 산스 TTF Bold" panose="02000000000000000000" pitchFamily="2" charset="-127"/>
+              </a:rPr>
+              <a:t>인가로직 구현</a:t>
+            </a:r>
+            <a:endParaRPr lang="en-US" altLang="ko-KR" sz="1000" dirty="0">
+              <a:solidFill>
+                <a:schemeClr val="tx1">
+                  <a:lumMod val="50000"/>
+                  <a:lumOff val="50000"/>
+                </a:schemeClr>
+              </a:solidFill>
+              <a:latin typeface="G마켓 산스 TTF Bold" panose="02000000000000000000" pitchFamily="2" charset="-127"/>
+              <a:ea typeface="G마켓 산스 TTF Bold" panose="02000000000000000000" pitchFamily="2" charset="-127"/>
+            </a:endParaRPr>
+          </a:p>
+        </p:txBody>
+      </p:sp>
+      <p:sp>
+        <p:nvSpPr>
+          <p:cNvPr id="2" name="TextBox 1">
+            <a:extLst>
+              <a:ext uri="{FF2B5EF4-FFF2-40B4-BE49-F238E27FC236}">
+                <a16:creationId xmlns:a16="http://schemas.microsoft.com/office/drawing/2014/main" id="{4532653E-000D-BEF7-E702-FCEDF06F439F}"/>
+              </a:ext>
+            </a:extLst>
+          </p:cNvPr>
+          <p:cNvSpPr txBox="1"/>
+          <p:nvPr/>
+        </p:nvSpPr>
+        <p:spPr>
+          <a:xfrm>
+            <a:off x="776145" y="971421"/>
+            <a:ext cx="4834975" cy="1181093"/>
+          </a:xfrm>
+          <a:prstGeom prst="rect">
+            <a:avLst/>
+          </a:prstGeom>
+          <a:noFill/>
+        </p:spPr>
+        <p:txBody>
+          <a:bodyPr wrap="square" rtlCol="0">
+            <a:spAutoFit/>
+          </a:bodyPr>
+          <a:lstStyle/>
+          <a:p>
+            <a:pPr>
+              <a:lnSpc>
+                <a:spcPct val="150000"/>
+              </a:lnSpc>
+            </a:pPr>
+            <a:r>
+              <a:rPr lang="ko-KR" altLang="en-US" sz="1400" dirty="0">
+                <a:solidFill>
+                  <a:schemeClr val="tx1">
+                    <a:lumMod val="65000"/>
+                    <a:lumOff val="35000"/>
+                  </a:schemeClr>
+                </a:solidFill>
+                <a:latin typeface="G마켓 산스 TTF Bold" panose="02000000000000000000" pitchFamily="2" charset="-127"/>
+                <a:ea typeface="G마켓 산스 TTF Bold" panose="02000000000000000000" pitchFamily="2" charset="-127"/>
+              </a:rPr>
+              <a:t>소셜</a:t>
+            </a:r>
+            <a:r>
+              <a:rPr lang="en-US" altLang="ko-KR" sz="1400" dirty="0">
+                <a:solidFill>
+                  <a:schemeClr val="tx1">
+                    <a:lumMod val="65000"/>
+                    <a:lumOff val="35000"/>
+                  </a:schemeClr>
+                </a:solidFill>
+                <a:latin typeface="G마켓 산스 TTF Bold" panose="02000000000000000000" pitchFamily="2" charset="-127"/>
+                <a:ea typeface="G마켓 산스 TTF Bold" panose="02000000000000000000" pitchFamily="2" charset="-127"/>
+              </a:rPr>
+              <a:t>RFID / NFC </a:t>
+            </a:r>
+            <a:r>
+              <a:rPr lang="ko-KR" altLang="en-US" sz="1400" dirty="0">
+                <a:solidFill>
+                  <a:schemeClr val="tx1">
+                    <a:lumMod val="65000"/>
+                    <a:lumOff val="35000"/>
+                  </a:schemeClr>
+                </a:solidFill>
+                <a:latin typeface="G마켓 산스 TTF Bold" panose="02000000000000000000" pitchFamily="2" charset="-127"/>
+                <a:ea typeface="G마켓 산스 TTF Bold" panose="02000000000000000000" pitchFamily="2" charset="-127"/>
+              </a:rPr>
+              <a:t>칩 인식 및 데이터 처리</a:t>
+            </a:r>
+            <a:endParaRPr lang="en-US" altLang="ko-KR" sz="1400" dirty="0">
+              <a:solidFill>
+                <a:schemeClr val="tx1">
+                  <a:lumMod val="65000"/>
+                  <a:lumOff val="35000"/>
+                </a:schemeClr>
+              </a:solidFill>
+              <a:latin typeface="G마켓 산스 TTF Bold" panose="02000000000000000000" pitchFamily="2" charset="-127"/>
+              <a:ea typeface="G마켓 산스 TTF Bold" panose="02000000000000000000" pitchFamily="2" charset="-127"/>
+            </a:endParaRPr>
+          </a:p>
+          <a:p>
+            <a:pPr>
+              <a:lnSpc>
+                <a:spcPct val="150000"/>
+              </a:lnSpc>
+            </a:pPr>
+            <a:r>
+              <a:rPr lang="ko-KR" altLang="en-US" sz="1400" dirty="0">
+                <a:solidFill>
+                  <a:schemeClr val="tx1">
+                    <a:lumMod val="65000"/>
+                    <a:lumOff val="35000"/>
+                  </a:schemeClr>
+                </a:solidFill>
+                <a:latin typeface="G마켓 산스 TTF Bold" panose="02000000000000000000" pitchFamily="2" charset="-127"/>
+                <a:ea typeface="G마켓 산스 TTF Bold" panose="02000000000000000000" pitchFamily="2" charset="-127"/>
+              </a:rPr>
+              <a:t> </a:t>
+            </a:r>
+            <a:r>
+              <a:rPr lang="en-US" altLang="ko-KR" sz="1000" dirty="0" err="1">
+                <a:solidFill>
+                  <a:schemeClr val="tx1">
+                    <a:lumMod val="50000"/>
+                    <a:lumOff val="50000"/>
+                  </a:schemeClr>
+                </a:solidFill>
+                <a:latin typeface="G마켓 산스 TTF Bold" panose="02000000000000000000" pitchFamily="2" charset="-127"/>
+                <a:ea typeface="G마켓 산스 TTF Bold" panose="02000000000000000000" pitchFamily="2" charset="-127"/>
+              </a:rPr>
+              <a:t>PCSClite</a:t>
+            </a:r>
+            <a:r>
+              <a:rPr lang="en-US" altLang="ko-KR" sz="1000" dirty="0">
+                <a:solidFill>
+                  <a:schemeClr val="tx1">
+                    <a:lumMod val="50000"/>
+                    <a:lumOff val="50000"/>
+                  </a:schemeClr>
+                </a:solidFill>
+                <a:latin typeface="G마켓 산스 TTF Bold" panose="02000000000000000000" pitchFamily="2" charset="-127"/>
+                <a:ea typeface="G마켓 산스 TTF Bold" panose="02000000000000000000" pitchFamily="2" charset="-127"/>
+              </a:rPr>
+              <a:t>: NFC </a:t>
+            </a:r>
+            <a:r>
+              <a:rPr lang="ko-KR" altLang="en-US" sz="1000" dirty="0">
+                <a:solidFill>
+                  <a:schemeClr val="tx1">
+                    <a:lumMod val="50000"/>
+                    <a:lumOff val="50000"/>
+                  </a:schemeClr>
+                </a:solidFill>
+                <a:latin typeface="G마켓 산스 TTF Bold" panose="02000000000000000000" pitchFamily="2" charset="-127"/>
+                <a:ea typeface="G마켓 산스 TTF Bold" panose="02000000000000000000" pitchFamily="2" charset="-127"/>
+              </a:rPr>
+              <a:t>리더기와 통신하는데 사용된 </a:t>
+            </a:r>
+            <a:r>
+              <a:rPr lang="en-US" altLang="ko-KR" sz="1000" dirty="0">
+                <a:solidFill>
+                  <a:schemeClr val="tx1">
+                    <a:lumMod val="50000"/>
+                    <a:lumOff val="50000"/>
+                  </a:schemeClr>
+                </a:solidFill>
+                <a:latin typeface="G마켓 산스 TTF Bold" panose="02000000000000000000" pitchFamily="2" charset="-127"/>
+                <a:ea typeface="G마켓 산스 TTF Bold" panose="02000000000000000000" pitchFamily="2" charset="-127"/>
+              </a:rPr>
+              <a:t>Node.js </a:t>
+            </a:r>
+            <a:r>
+              <a:rPr lang="ko-KR" altLang="en-US" sz="1000" dirty="0">
+                <a:solidFill>
+                  <a:schemeClr val="tx1">
+                    <a:lumMod val="50000"/>
+                    <a:lumOff val="50000"/>
+                  </a:schemeClr>
+                </a:solidFill>
+                <a:latin typeface="G마켓 산스 TTF Bold" panose="02000000000000000000" pitchFamily="2" charset="-127"/>
+                <a:ea typeface="G마켓 산스 TTF Bold" panose="02000000000000000000" pitchFamily="2" charset="-127"/>
+              </a:rPr>
+              <a:t>기반 라이브러리 사용</a:t>
+            </a:r>
+            <a:endParaRPr lang="en-US" altLang="ko-KR" sz="1000" dirty="0">
+              <a:solidFill>
+                <a:schemeClr val="tx1">
+                  <a:lumMod val="50000"/>
+                  <a:lumOff val="50000"/>
+                </a:schemeClr>
+              </a:solidFill>
+              <a:latin typeface="G마켓 산스 TTF Bold" panose="02000000000000000000" pitchFamily="2" charset="-127"/>
+              <a:ea typeface="G마켓 산스 TTF Bold" panose="02000000000000000000" pitchFamily="2" charset="-127"/>
+            </a:endParaRPr>
+          </a:p>
+          <a:p>
+            <a:pPr>
+              <a:lnSpc>
+                <a:spcPct val="150000"/>
+              </a:lnSpc>
+            </a:pPr>
+            <a:r>
+              <a:rPr lang="en-US" altLang="ko-KR" sz="1000" dirty="0">
+                <a:solidFill>
+                  <a:schemeClr val="tx1">
+                    <a:lumMod val="50000"/>
+                    <a:lumOff val="50000"/>
+                  </a:schemeClr>
+                </a:solidFill>
+                <a:latin typeface="G마켓 산스 TTF Bold" panose="02000000000000000000" pitchFamily="2" charset="-127"/>
+                <a:ea typeface="G마켓 산스 TTF Bold" panose="02000000000000000000" pitchFamily="2" charset="-127"/>
+              </a:rPr>
+              <a:t>NFC Tools </a:t>
+            </a:r>
+            <a:r>
+              <a:rPr lang="ko-KR" altLang="en-US" sz="1000" dirty="0">
+                <a:solidFill>
+                  <a:schemeClr val="tx1">
+                    <a:lumMod val="50000"/>
+                    <a:lumOff val="50000"/>
+                  </a:schemeClr>
+                </a:solidFill>
+                <a:latin typeface="G마켓 산스 TTF Bold" panose="02000000000000000000" pitchFamily="2" charset="-127"/>
+                <a:ea typeface="G마켓 산스 TTF Bold" panose="02000000000000000000" pitchFamily="2" charset="-127"/>
+              </a:rPr>
+              <a:t>어플리케이션 활용하여</a:t>
+            </a:r>
+            <a:r>
+              <a:rPr lang="en-US" altLang="ko-KR" sz="1000" dirty="0">
+                <a:solidFill>
+                  <a:schemeClr val="tx1">
+                    <a:lumMod val="50000"/>
+                    <a:lumOff val="50000"/>
+                  </a:schemeClr>
+                </a:solidFill>
+                <a:latin typeface="G마켓 산스 TTF Bold" panose="02000000000000000000" pitchFamily="2" charset="-127"/>
+                <a:ea typeface="G마켓 산스 TTF Bold" panose="02000000000000000000" pitchFamily="2" charset="-127"/>
+              </a:rPr>
+              <a:t> NFC </a:t>
+            </a:r>
+            <a:r>
+              <a:rPr lang="ko-KR" altLang="en-US" sz="1000" dirty="0">
+                <a:solidFill>
+                  <a:schemeClr val="tx1">
+                    <a:lumMod val="50000"/>
+                    <a:lumOff val="50000"/>
+                  </a:schemeClr>
+                </a:solidFill>
+                <a:latin typeface="G마켓 산스 TTF Bold" panose="02000000000000000000" pitchFamily="2" charset="-127"/>
+                <a:ea typeface="G마켓 산스 TTF Bold" panose="02000000000000000000" pitchFamily="2" charset="-127"/>
+              </a:rPr>
+              <a:t>칩에 상품 바코드 인코딩</a:t>
+            </a:r>
+            <a:endParaRPr lang="en-US" altLang="ko-KR" sz="1000" dirty="0">
+              <a:solidFill>
+                <a:schemeClr val="tx1">
+                  <a:lumMod val="50000"/>
+                  <a:lumOff val="50000"/>
+                </a:schemeClr>
+              </a:solidFill>
+              <a:latin typeface="G마켓 산스 TTF Bold" panose="02000000000000000000" pitchFamily="2" charset="-127"/>
+              <a:ea typeface="G마켓 산스 TTF Bold" panose="02000000000000000000" pitchFamily="2" charset="-127"/>
+            </a:endParaRPr>
+          </a:p>
+          <a:p>
+            <a:pPr>
+              <a:lnSpc>
+                <a:spcPct val="150000"/>
+              </a:lnSpc>
+            </a:pPr>
+            <a:r>
+              <a:rPr lang="ko-KR" altLang="en-US" sz="1000" dirty="0">
+                <a:solidFill>
+                  <a:schemeClr val="tx1">
+                    <a:lumMod val="50000"/>
+                    <a:lumOff val="50000"/>
+                  </a:schemeClr>
+                </a:solidFill>
+                <a:latin typeface="G마켓 산스 TTF Bold" panose="02000000000000000000" pitchFamily="2" charset="-127"/>
+                <a:ea typeface="G마켓 산스 TTF Bold" panose="02000000000000000000" pitchFamily="2" charset="-127"/>
+              </a:rPr>
+              <a:t>읽은 데이터를 </a:t>
+            </a:r>
+            <a:r>
+              <a:rPr lang="ko-KR" altLang="en-US" sz="1000" dirty="0" err="1">
+                <a:solidFill>
+                  <a:schemeClr val="tx1">
+                    <a:lumMod val="50000"/>
+                    <a:lumOff val="50000"/>
+                  </a:schemeClr>
+                </a:solidFill>
+                <a:latin typeface="G마켓 산스 TTF Bold" panose="02000000000000000000" pitchFamily="2" charset="-127"/>
+                <a:ea typeface="G마켓 산스 TTF Bold" panose="02000000000000000000" pitchFamily="2" charset="-127"/>
+              </a:rPr>
+              <a:t>정규화하여</a:t>
+            </a:r>
+            <a:r>
+              <a:rPr lang="ko-KR" altLang="en-US" sz="1000" dirty="0">
+                <a:solidFill>
+                  <a:schemeClr val="tx1">
+                    <a:lumMod val="50000"/>
+                    <a:lumOff val="50000"/>
+                  </a:schemeClr>
+                </a:solidFill>
+                <a:latin typeface="G마켓 산스 TTF Bold" panose="02000000000000000000" pitchFamily="2" charset="-127"/>
+                <a:ea typeface="G마켓 산스 TTF Bold" panose="02000000000000000000" pitchFamily="2" charset="-127"/>
+              </a:rPr>
+              <a:t> 바코드 추출</a:t>
+            </a:r>
+            <a:r>
+              <a:rPr lang="en-US" altLang="ko-KR" sz="1000" dirty="0">
+                <a:solidFill>
+                  <a:schemeClr val="tx1">
+                    <a:lumMod val="50000"/>
+                    <a:lumOff val="50000"/>
+                  </a:schemeClr>
+                </a:solidFill>
+                <a:latin typeface="G마켓 산스 TTF Bold" panose="02000000000000000000" pitchFamily="2" charset="-127"/>
+                <a:ea typeface="G마켓 산스 TTF Bold" panose="02000000000000000000" pitchFamily="2" charset="-127"/>
+              </a:rPr>
+              <a:t>, </a:t>
+            </a:r>
+            <a:r>
+              <a:rPr lang="ko-KR" altLang="en-US" sz="1000" dirty="0">
+                <a:solidFill>
+                  <a:schemeClr val="tx1">
+                    <a:lumMod val="50000"/>
+                    <a:lumOff val="50000"/>
+                  </a:schemeClr>
+                </a:solidFill>
+                <a:latin typeface="G마켓 산스 TTF Bold" panose="02000000000000000000" pitchFamily="2" charset="-127"/>
+                <a:ea typeface="G마켓 산스 TTF Bold" panose="02000000000000000000" pitchFamily="2" charset="-127"/>
+              </a:rPr>
+              <a:t>이를 </a:t>
+            </a:r>
+            <a:r>
+              <a:rPr lang="ko-KR" altLang="en-US" sz="1000" dirty="0" err="1">
+                <a:solidFill>
+                  <a:schemeClr val="tx1">
+                    <a:lumMod val="50000"/>
+                    <a:lumOff val="50000"/>
+                  </a:schemeClr>
+                </a:solidFill>
+                <a:latin typeface="G마켓 산스 TTF Bold" panose="02000000000000000000" pitchFamily="2" charset="-127"/>
+                <a:ea typeface="G마켓 산스 TTF Bold" panose="02000000000000000000" pitchFamily="2" charset="-127"/>
+              </a:rPr>
+              <a:t>프론트엔드</a:t>
+            </a:r>
+            <a:r>
+              <a:rPr lang="ko-KR" altLang="en-US" sz="1000" dirty="0">
+                <a:solidFill>
+                  <a:schemeClr val="tx1">
+                    <a:lumMod val="50000"/>
+                    <a:lumOff val="50000"/>
+                  </a:schemeClr>
+                </a:solidFill>
+                <a:latin typeface="G마켓 산스 TTF Bold" panose="02000000000000000000" pitchFamily="2" charset="-127"/>
+                <a:ea typeface="G마켓 산스 TTF Bold" panose="02000000000000000000" pitchFamily="2" charset="-127"/>
+              </a:rPr>
+              <a:t> 전달</a:t>
+            </a:r>
+            <a:endParaRPr lang="en-US" altLang="ko-KR" sz="1000" dirty="0">
+              <a:solidFill>
+                <a:schemeClr val="tx1">
+                  <a:lumMod val="50000"/>
+                  <a:lumOff val="50000"/>
+                </a:schemeClr>
+              </a:solidFill>
+              <a:latin typeface="G마켓 산스 TTF Bold" panose="02000000000000000000" pitchFamily="2" charset="-127"/>
+              <a:ea typeface="G마켓 산스 TTF Bold" panose="02000000000000000000" pitchFamily="2" charset="-127"/>
+            </a:endParaRPr>
+          </a:p>
+        </p:txBody>
+      </p:sp>
+      <p:sp>
+        <p:nvSpPr>
+          <p:cNvPr id="7" name="TextBox 6">
+            <a:extLst>
+              <a:ext uri="{FF2B5EF4-FFF2-40B4-BE49-F238E27FC236}">
+                <a16:creationId xmlns:a16="http://schemas.microsoft.com/office/drawing/2014/main" id="{0F55394C-1AFB-82B9-2BF0-061565488D16}"/>
+              </a:ext>
+            </a:extLst>
+          </p:cNvPr>
+          <p:cNvSpPr txBox="1"/>
+          <p:nvPr/>
+        </p:nvSpPr>
+        <p:spPr>
+          <a:xfrm>
+            <a:off x="776145" y="2289088"/>
+            <a:ext cx="4548209" cy="950260"/>
+          </a:xfrm>
+          <a:prstGeom prst="rect">
+            <a:avLst/>
+          </a:prstGeom>
+          <a:noFill/>
+        </p:spPr>
+        <p:txBody>
+          <a:bodyPr wrap="square" rtlCol="0">
+            <a:spAutoFit/>
+          </a:bodyPr>
+          <a:lstStyle/>
+          <a:p>
+            <a:pPr>
+              <a:lnSpc>
+                <a:spcPct val="150000"/>
+              </a:lnSpc>
+            </a:pPr>
+            <a:r>
+              <a:rPr lang="en-US" altLang="ko-KR" sz="1400" dirty="0">
+                <a:solidFill>
+                  <a:schemeClr val="tx1">
+                    <a:lumMod val="65000"/>
+                    <a:lumOff val="35000"/>
+                  </a:schemeClr>
+                </a:solidFill>
+                <a:latin typeface="G마켓 산스 TTF Bold" panose="02000000000000000000" pitchFamily="2" charset="-127"/>
+                <a:ea typeface="G마켓 산스 TTF Bold" panose="02000000000000000000" pitchFamily="2" charset="-127"/>
+              </a:rPr>
+              <a:t>Electron</a:t>
+            </a:r>
+            <a:r>
+              <a:rPr lang="ko-KR" altLang="en-US" sz="1400" dirty="0">
+                <a:solidFill>
+                  <a:schemeClr val="tx1">
+                    <a:lumMod val="65000"/>
+                    <a:lumOff val="35000"/>
+                  </a:schemeClr>
+                </a:solidFill>
+                <a:latin typeface="G마켓 산스 TTF Bold" panose="02000000000000000000" pitchFamily="2" charset="-127"/>
+                <a:ea typeface="G마켓 산스 TTF Bold" panose="02000000000000000000" pitchFamily="2" charset="-127"/>
+              </a:rPr>
+              <a:t>을 활용하여 </a:t>
+            </a:r>
+            <a:r>
+              <a:rPr lang="en-US" altLang="ko-KR" sz="1400" dirty="0">
+                <a:solidFill>
+                  <a:schemeClr val="tx1">
+                    <a:lumMod val="65000"/>
+                    <a:lumOff val="35000"/>
+                  </a:schemeClr>
+                </a:solidFill>
+                <a:latin typeface="G마켓 산스 TTF Bold" panose="02000000000000000000" pitchFamily="2" charset="-127"/>
+                <a:ea typeface="G마켓 산스 TTF Bold" panose="02000000000000000000" pitchFamily="2" charset="-127"/>
+              </a:rPr>
+              <a:t>.exe </a:t>
+            </a:r>
+            <a:r>
+              <a:rPr lang="ko-KR" altLang="en-US" sz="1400" dirty="0">
+                <a:solidFill>
+                  <a:schemeClr val="tx1">
+                    <a:lumMod val="65000"/>
+                    <a:lumOff val="35000"/>
+                  </a:schemeClr>
+                </a:solidFill>
+                <a:latin typeface="G마켓 산스 TTF Bold" panose="02000000000000000000" pitchFamily="2" charset="-127"/>
+                <a:ea typeface="G마켓 산스 TTF Bold" panose="02000000000000000000" pitchFamily="2" charset="-127"/>
+              </a:rPr>
+              <a:t>파일 배포</a:t>
+            </a:r>
+            <a:endParaRPr lang="en-US" altLang="ko-KR" sz="1400" dirty="0">
+              <a:solidFill>
+                <a:schemeClr val="tx1">
+                  <a:lumMod val="65000"/>
+                  <a:lumOff val="35000"/>
+                </a:schemeClr>
+              </a:solidFill>
+              <a:latin typeface="G마켓 산스 TTF Bold" panose="02000000000000000000" pitchFamily="2" charset="-127"/>
+              <a:ea typeface="G마켓 산스 TTF Bold" panose="02000000000000000000" pitchFamily="2" charset="-127"/>
+            </a:endParaRPr>
+          </a:p>
+          <a:p>
+            <a:pPr>
+              <a:lnSpc>
+                <a:spcPct val="150000"/>
+              </a:lnSpc>
+            </a:pPr>
+            <a:r>
+              <a:rPr lang="ko-KR" altLang="en-US" sz="1400" dirty="0">
+                <a:solidFill>
+                  <a:schemeClr val="tx1">
+                    <a:lumMod val="65000"/>
+                    <a:lumOff val="35000"/>
+                  </a:schemeClr>
+                </a:solidFill>
+                <a:latin typeface="G마켓 산스 TTF Bold" panose="02000000000000000000" pitchFamily="2" charset="-127"/>
+                <a:ea typeface="G마켓 산스 TTF Bold" panose="02000000000000000000" pitchFamily="2" charset="-127"/>
+              </a:rPr>
+              <a:t> </a:t>
+            </a:r>
+            <a:r>
+              <a:rPr lang="ko-KR" altLang="en-US" sz="1000" dirty="0">
+                <a:solidFill>
+                  <a:schemeClr val="tx1">
+                    <a:lumMod val="50000"/>
+                    <a:lumOff val="50000"/>
+                  </a:schemeClr>
+                </a:solidFill>
+                <a:latin typeface="G마켓 산스 TTF Bold" panose="02000000000000000000" pitchFamily="2" charset="-127"/>
+                <a:ea typeface="G마켓 산스 TTF Bold" panose="02000000000000000000" pitchFamily="2" charset="-127"/>
+              </a:rPr>
+              <a:t>배포 전략</a:t>
+            </a:r>
+            <a:r>
+              <a:rPr lang="en-US" altLang="ko-KR" sz="1000" dirty="0">
+                <a:solidFill>
+                  <a:schemeClr val="tx1">
+                    <a:lumMod val="50000"/>
+                    <a:lumOff val="50000"/>
+                  </a:schemeClr>
+                </a:solidFill>
+                <a:latin typeface="G마켓 산스 TTF Bold" panose="02000000000000000000" pitchFamily="2" charset="-127"/>
+                <a:ea typeface="G마켓 산스 TTF Bold" panose="02000000000000000000" pitchFamily="2" charset="-127"/>
+              </a:rPr>
+              <a:t>: </a:t>
+            </a:r>
+            <a:r>
+              <a:rPr lang="ko-KR" altLang="en-US" sz="1000" dirty="0">
+                <a:solidFill>
+                  <a:schemeClr val="tx1">
+                    <a:lumMod val="50000"/>
+                    <a:lumOff val="50000"/>
+                  </a:schemeClr>
+                </a:solidFill>
+                <a:latin typeface="G마켓 산스 TTF Bold" panose="02000000000000000000" pitchFamily="2" charset="-127"/>
+                <a:ea typeface="G마켓 산스 TTF Bold" panose="02000000000000000000" pitchFamily="2" charset="-127"/>
+              </a:rPr>
+              <a:t>로컬 배포</a:t>
+            </a:r>
+            <a:endParaRPr lang="en-US" altLang="ko-KR" sz="1000" dirty="0">
+              <a:solidFill>
+                <a:schemeClr val="tx1">
+                  <a:lumMod val="50000"/>
+                  <a:lumOff val="50000"/>
+                </a:schemeClr>
+              </a:solidFill>
+              <a:latin typeface="G마켓 산스 TTF Bold" panose="02000000000000000000" pitchFamily="2" charset="-127"/>
+              <a:ea typeface="G마켓 산스 TTF Bold" panose="02000000000000000000" pitchFamily="2" charset="-127"/>
+            </a:endParaRPr>
+          </a:p>
+          <a:p>
+            <a:pPr>
+              <a:lnSpc>
+                <a:spcPct val="150000"/>
+              </a:lnSpc>
+            </a:pPr>
+            <a:r>
+              <a:rPr lang="en-US" altLang="ko-KR" sz="1000" dirty="0">
+                <a:solidFill>
+                  <a:schemeClr val="tx1">
+                    <a:lumMod val="50000"/>
+                    <a:lumOff val="50000"/>
+                  </a:schemeClr>
+                </a:solidFill>
+                <a:latin typeface="G마켓 산스 TTF Bold" panose="02000000000000000000" pitchFamily="2" charset="-127"/>
+                <a:ea typeface="G마켓 산스 TTF Bold" panose="02000000000000000000" pitchFamily="2" charset="-127"/>
+              </a:rPr>
+              <a:t>.exe</a:t>
+            </a:r>
+            <a:r>
+              <a:rPr lang="ko-KR" altLang="en-US" sz="1000" dirty="0">
+                <a:solidFill>
+                  <a:schemeClr val="tx1">
+                    <a:lumMod val="50000"/>
+                    <a:lumOff val="50000"/>
+                  </a:schemeClr>
+                </a:solidFill>
+                <a:latin typeface="G마켓 산스 TTF Bold" panose="02000000000000000000" pitchFamily="2" charset="-127"/>
+                <a:ea typeface="G마켓 산스 TTF Bold" panose="02000000000000000000" pitchFamily="2" charset="-127"/>
+              </a:rPr>
+              <a:t> 파일과 필요한 리소스 </a:t>
+            </a:r>
+            <a:r>
+              <a:rPr lang="en-US" altLang="ko-KR" sz="1000" dirty="0">
+                <a:solidFill>
+                  <a:schemeClr val="tx1">
+                    <a:lumMod val="50000"/>
+                    <a:lumOff val="50000"/>
+                  </a:schemeClr>
+                </a:solidFill>
+                <a:latin typeface="G마켓 산스 TTF Bold" panose="02000000000000000000" pitchFamily="2" charset="-127"/>
+                <a:ea typeface="G마켓 산스 TTF Bold" panose="02000000000000000000" pitchFamily="2" charset="-127"/>
+              </a:rPr>
+              <a:t>build/</a:t>
+            </a:r>
+            <a:r>
+              <a:rPr lang="ko-KR" altLang="en-US" sz="1000" dirty="0">
+                <a:solidFill>
+                  <a:schemeClr val="tx1">
+                    <a:lumMod val="50000"/>
+                    <a:lumOff val="50000"/>
+                  </a:schemeClr>
+                </a:solidFill>
+                <a:latin typeface="G마켓 산스 TTF Bold" panose="02000000000000000000" pitchFamily="2" charset="-127"/>
+                <a:ea typeface="G마켓 산스 TTF Bold" panose="02000000000000000000" pitchFamily="2" charset="-127"/>
+              </a:rPr>
+              <a:t>를 로컬 환경에 복사해 배포</a:t>
+            </a:r>
+            <a:endParaRPr lang="en-US" altLang="ko-KR" sz="1000" dirty="0">
+              <a:solidFill>
+                <a:schemeClr val="tx1">
+                  <a:lumMod val="50000"/>
+                  <a:lumOff val="50000"/>
+                </a:schemeClr>
+              </a:solidFill>
+              <a:latin typeface="G마켓 산스 TTF Bold" panose="02000000000000000000" pitchFamily="2" charset="-127"/>
+              <a:ea typeface="G마켓 산스 TTF Bold" panose="02000000000000000000" pitchFamily="2" charset="-127"/>
+            </a:endParaRPr>
+          </a:p>
+        </p:txBody>
+      </p:sp>
+      <p:pic>
+        <p:nvPicPr>
+          <p:cNvPr id="31" name="그림 30">
+            <a:extLst>
+              <a:ext uri="{FF2B5EF4-FFF2-40B4-BE49-F238E27FC236}">
+                <a16:creationId xmlns:a16="http://schemas.microsoft.com/office/drawing/2014/main" id="{99B6968E-641D-522E-C491-72282E17B139}"/>
+              </a:ext>
+            </a:extLst>
+          </p:cNvPr>
+          <p:cNvPicPr>
+            <a:picLocks noChangeAspect="1"/>
+          </p:cNvPicPr>
+          <p:nvPr/>
+        </p:nvPicPr>
+        <p:blipFill>
+          <a:blip r:embed="rId2"/>
+          <a:stretch>
+            <a:fillRect/>
+          </a:stretch>
+        </p:blipFill>
+        <p:spPr>
+          <a:xfrm>
+            <a:off x="832966" y="3238383"/>
+            <a:ext cx="4778154" cy="2606266"/>
+          </a:xfrm>
+          <a:prstGeom prst="rect">
+            <a:avLst/>
+          </a:prstGeom>
+        </p:spPr>
+      </p:pic>
+      <p:cxnSp>
+        <p:nvCxnSpPr>
+          <p:cNvPr id="37" name="직선 연결선 36">
+            <a:extLst>
+              <a:ext uri="{FF2B5EF4-FFF2-40B4-BE49-F238E27FC236}">
+                <a16:creationId xmlns:a16="http://schemas.microsoft.com/office/drawing/2014/main" id="{1C60A4D0-8536-FC08-CBCF-A9B614753DA8}"/>
+              </a:ext>
+            </a:extLst>
+          </p:cNvPr>
+          <p:cNvCxnSpPr/>
+          <p:nvPr/>
+        </p:nvCxnSpPr>
+        <p:spPr>
+          <a:xfrm>
+            <a:off x="646246" y="6110661"/>
+            <a:ext cx="5492750" cy="0"/>
+          </a:xfrm>
+          <a:prstGeom prst="line">
+            <a:avLst/>
+          </a:prstGeom>
+          <a:ln w="25400">
+            <a:solidFill>
+              <a:schemeClr val="bg1">
+                <a:lumMod val="85000"/>
+              </a:schemeClr>
+            </a:solidFill>
+          </a:ln>
+        </p:spPr>
+        <p:style>
+          <a:lnRef idx="1">
+            <a:schemeClr val="accent1"/>
+          </a:lnRef>
+          <a:fillRef idx="0">
+            <a:schemeClr val="accent1"/>
+          </a:fillRef>
+          <a:effectRef idx="0">
+            <a:schemeClr val="accent1"/>
+          </a:effectRef>
+          <a:fontRef idx="minor">
+            <a:schemeClr val="tx1"/>
+          </a:fontRef>
+        </p:style>
+      </p:cxnSp>
+      <p:sp>
+        <p:nvSpPr>
+          <p:cNvPr id="38" name="TextBox 37">
+            <a:extLst>
+              <a:ext uri="{FF2B5EF4-FFF2-40B4-BE49-F238E27FC236}">
+                <a16:creationId xmlns:a16="http://schemas.microsoft.com/office/drawing/2014/main" id="{3C7531A4-4281-9A95-C43A-083029C51A6F}"/>
+              </a:ext>
+            </a:extLst>
+          </p:cNvPr>
+          <p:cNvSpPr txBox="1"/>
+          <p:nvPr/>
+        </p:nvSpPr>
+        <p:spPr>
+          <a:xfrm>
+            <a:off x="766973" y="6156960"/>
+            <a:ext cx="4548209" cy="388568"/>
+          </a:xfrm>
+          <a:prstGeom prst="rect">
+            <a:avLst/>
+          </a:prstGeom>
+          <a:noFill/>
+        </p:spPr>
+        <p:txBody>
+          <a:bodyPr wrap="square" rtlCol="0">
+            <a:spAutoFit/>
+          </a:bodyPr>
+          <a:lstStyle/>
+          <a:p>
+            <a:pPr>
+              <a:lnSpc>
+                <a:spcPct val="150000"/>
+              </a:lnSpc>
+            </a:pPr>
+            <a:r>
+              <a:rPr lang="en-US" altLang="ko-KR" sz="1400" dirty="0">
+                <a:solidFill>
+                  <a:schemeClr val="tx1">
+                    <a:lumMod val="65000"/>
+                    <a:lumOff val="35000"/>
+                  </a:schemeClr>
+                </a:solidFill>
+                <a:latin typeface="G마켓 산스 TTF Bold" panose="02000000000000000000" pitchFamily="2" charset="-127"/>
+                <a:ea typeface="G마켓 산스 TTF Bold" panose="02000000000000000000" pitchFamily="2" charset="-127"/>
+              </a:rPr>
+              <a:t>Toss </a:t>
+            </a:r>
+            <a:r>
+              <a:rPr lang="ko-KR" altLang="en-US" sz="1400" dirty="0">
+                <a:solidFill>
+                  <a:schemeClr val="tx1">
+                    <a:lumMod val="65000"/>
+                    <a:lumOff val="35000"/>
+                  </a:schemeClr>
+                </a:solidFill>
+                <a:latin typeface="G마켓 산스 TTF Bold" panose="02000000000000000000" pitchFamily="2" charset="-127"/>
+                <a:ea typeface="G마켓 산스 TTF Bold" panose="02000000000000000000" pitchFamily="2" charset="-127"/>
+              </a:rPr>
+              <a:t>결제 </a:t>
+            </a:r>
+            <a:r>
+              <a:rPr lang="en-US" altLang="ko-KR" sz="1400" dirty="0">
+                <a:solidFill>
+                  <a:schemeClr val="tx1">
+                    <a:lumMod val="65000"/>
+                    <a:lumOff val="35000"/>
+                  </a:schemeClr>
+                </a:solidFill>
+                <a:latin typeface="G마켓 산스 TTF Bold" panose="02000000000000000000" pitchFamily="2" charset="-127"/>
+                <a:ea typeface="G마켓 산스 TTF Bold" panose="02000000000000000000" pitchFamily="2" charset="-127"/>
+              </a:rPr>
+              <a:t>API </a:t>
+            </a:r>
+            <a:r>
+              <a:rPr lang="ko-KR" altLang="en-US" sz="1400" dirty="0">
+                <a:solidFill>
+                  <a:schemeClr val="tx1">
+                    <a:lumMod val="65000"/>
+                    <a:lumOff val="35000"/>
+                  </a:schemeClr>
+                </a:solidFill>
+                <a:latin typeface="G마켓 산스 TTF Bold" panose="02000000000000000000" pitchFamily="2" charset="-127"/>
+                <a:ea typeface="G마켓 산스 TTF Bold" panose="02000000000000000000" pitchFamily="2" charset="-127"/>
+              </a:rPr>
+              <a:t>구현</a:t>
+            </a:r>
+            <a:endParaRPr lang="en-US" altLang="ko-KR" sz="1400" dirty="0">
+              <a:solidFill>
+                <a:schemeClr val="tx1">
+                  <a:lumMod val="65000"/>
+                  <a:lumOff val="35000"/>
+                </a:schemeClr>
+              </a:solidFill>
+              <a:latin typeface="G마켓 산스 TTF Bold" panose="02000000000000000000" pitchFamily="2" charset="-127"/>
+              <a:ea typeface="G마켓 산스 TTF Bold" panose="02000000000000000000" pitchFamily="2" charset="-127"/>
+            </a:endParaRPr>
+          </a:p>
+        </p:txBody>
+      </p:sp>
+      <p:pic>
+        <p:nvPicPr>
+          <p:cNvPr id="40" name="그림 39">
+            <a:extLst>
+              <a:ext uri="{FF2B5EF4-FFF2-40B4-BE49-F238E27FC236}">
+                <a16:creationId xmlns:a16="http://schemas.microsoft.com/office/drawing/2014/main" id="{6EA263D5-4025-C4B5-0C2B-99024D1228BC}"/>
+              </a:ext>
+            </a:extLst>
+          </p:cNvPr>
+          <p:cNvPicPr>
+            <a:picLocks noChangeAspect="1"/>
+          </p:cNvPicPr>
+          <p:nvPr/>
+        </p:nvPicPr>
+        <p:blipFill>
+          <a:blip r:embed="rId3" cstate="print">
+            <a:extLst>
+              <a:ext uri="{28A0092B-C50C-407E-A947-70E740481C1C}">
+                <a14:useLocalDpi xmlns:a14="http://schemas.microsoft.com/office/drawing/2010/main" val="0"/>
+              </a:ext>
+            </a:extLst>
+          </a:blip>
+          <a:srcRect b="51927"/>
+          <a:stretch/>
+        </p:blipFill>
+        <p:spPr>
+          <a:xfrm>
+            <a:off x="832966" y="6647420"/>
+            <a:ext cx="3150158" cy="2350221"/>
+          </a:xfrm>
+          <a:prstGeom prst="rect">
+            <a:avLst/>
+          </a:prstGeom>
+          <a:ln w="25400">
+            <a:solidFill>
+              <a:schemeClr val="tx1"/>
+            </a:solidFill>
+          </a:ln>
+        </p:spPr>
+      </p:pic>
+    </p:spTree>
+    <p:extLst>
+      <p:ext uri="{BB962C8B-B14F-4D97-AF65-F5344CB8AC3E}">
+        <p14:creationId xmlns:p14="http://schemas.microsoft.com/office/powerpoint/2010/main" val="2208582154"/>
+      </p:ext>
+    </p:extLst>
+  </p:cSld>
+  <p:clrMapOvr>
+    <a:masterClrMapping/>
+  </p:clrMapOvr>
+</p:sld>
+</file>
+
+<file path=ppt/slides/slide12.xml><?xml version="1.0" encoding="utf-8"?>
+<p:sld xmlns:a="http://schemas.openxmlformats.org/drawingml/2006/main" xmlns:r="http://schemas.openxmlformats.org/officeDocument/2006/relationships" xmlns:p="http://schemas.openxmlformats.org/presentationml/2006/main">
+  <p:cSld>
+    <p:spTree>
+      <p:nvGrpSpPr>
+        <p:cNvPr id="1" name="">
+          <a:extLst>
+            <a:ext uri="{FF2B5EF4-FFF2-40B4-BE49-F238E27FC236}">
+              <a16:creationId xmlns:a16="http://schemas.microsoft.com/office/drawing/2014/main" id="{61485A9E-A6FB-EF99-6810-F681EEF59B4E}"/>
             </a:ext>
           </a:extLst>
         </p:cNvPr>
@@ -5883,7 +7557,7 @@
           <p:cNvPr id="13" name="직선 연결선 12">
             <a:extLst>
               <a:ext uri="{FF2B5EF4-FFF2-40B4-BE49-F238E27FC236}">
-                <a16:creationId xmlns:a16="http://schemas.microsoft.com/office/drawing/2014/main" id="{D82E7AC2-C5F7-51C7-3228-6DDF80163ADE}"/>
+                <a16:creationId xmlns:a16="http://schemas.microsoft.com/office/drawing/2014/main" id="{D6DFAF0C-5A4D-BCB2-A44B-D879987A8B65}"/>
               </a:ext>
             </a:extLst>
           </p:cNvPr>
@@ -5892,7 +7566,7 @@
         </p:nvCxnSpPr>
         <p:spPr>
           <a:xfrm>
-            <a:off x="532234" y="4967678"/>
+            <a:off x="532234" y="3004409"/>
             <a:ext cx="5492750" cy="0"/>
           </a:xfrm>
           <a:prstGeom prst="line">
@@ -5926,7 +7600,7 @@
           <p:cNvPr id="3" name="TextBox 2">
             <a:extLst>
               <a:ext uri="{FF2B5EF4-FFF2-40B4-BE49-F238E27FC236}">
-                <a16:creationId xmlns:a16="http://schemas.microsoft.com/office/drawing/2014/main" id="{32761800-C6AE-22B5-38CA-D8D013FFE521}"/>
+                <a16:creationId xmlns:a16="http://schemas.microsoft.com/office/drawing/2014/main" id="{B6F0D1C3-93B3-2AEE-C7D1-DE94D442FF3F}"/>
               </a:ext>
             </a:extLst>
           </p:cNvPr>
@@ -5935,7 +7609,7 @@
         </p:nvSpPr>
         <p:spPr>
           <a:xfrm>
-            <a:off x="609596" y="2299469"/>
+            <a:off x="609596" y="336200"/>
             <a:ext cx="5502912" cy="1156086"/>
           </a:xfrm>
           <a:prstGeom prst="rect">
@@ -6081,10 +7755,10 @@
       </p:sp>
       <p:cxnSp>
         <p:nvCxnSpPr>
-          <p:cNvPr id="10" name="직선 연결선 9">
+          <p:cNvPr id="15" name="직선 연결선 14">
             <a:extLst>
               <a:ext uri="{FF2B5EF4-FFF2-40B4-BE49-F238E27FC236}">
-                <a16:creationId xmlns:a16="http://schemas.microsoft.com/office/drawing/2014/main" id="{A82EE4E2-AA91-B5F4-1E4D-1682EAF3A005}"/>
+                <a16:creationId xmlns:a16="http://schemas.microsoft.com/office/drawing/2014/main" id="{9D4775A6-C563-8055-F17D-8681E38563AC}"/>
               </a:ext>
             </a:extLst>
           </p:cNvPr>
@@ -6093,50 +7767,7 @@
         </p:nvCxnSpPr>
         <p:spPr>
           <a:xfrm>
-            <a:off x="619758" y="2229029"/>
-            <a:ext cx="5492750" cy="0"/>
-          </a:xfrm>
-          <a:prstGeom prst="line">
-            <a:avLst/>
-          </a:prstGeom>
-          <a:ln w="25400">
-            <a:solidFill>
-              <a:schemeClr val="bg1">
-                <a:lumMod val="85000"/>
-              </a:schemeClr>
-            </a:solidFill>
-          </a:ln>
-        </p:spPr>
-        <p:style>
-          <a:lnRef idx="1">
-            <a:schemeClr val="accent1"/>
-          </a:lnRef>
-          <a:fillRef idx="0">
-            <a:schemeClr val="accent1"/>
-          </a:fillRef>
-          <a:effectRef idx="0">
-            <a:schemeClr val="accent1"/>
-          </a:effectRef>
-          <a:fontRef idx="minor">
-            <a:schemeClr val="tx1"/>
-          </a:fontRef>
-        </p:style>
-      </p:cxnSp>
-      <p:cxnSp>
-        <p:nvCxnSpPr>
-          <p:cNvPr id="15" name="직선 연결선 14">
-            <a:extLst>
-              <a:ext uri="{FF2B5EF4-FFF2-40B4-BE49-F238E27FC236}">
-                <a16:creationId xmlns:a16="http://schemas.microsoft.com/office/drawing/2014/main" id="{A3847F38-DA31-318C-B69A-6C69CA469095}"/>
-              </a:ext>
-            </a:extLst>
-          </p:cNvPr>
-          <p:cNvCxnSpPr/>
-          <p:nvPr/>
-        </p:nvCxnSpPr>
-        <p:spPr>
-          <a:xfrm>
-            <a:off x="532234" y="3578094"/>
+            <a:off x="532234" y="1614825"/>
             <a:ext cx="5492750" cy="0"/>
           </a:xfrm>
           <a:prstGeom prst="line">
@@ -6167,10 +7798,10 @@
       </p:cxnSp>
       <p:sp>
         <p:nvSpPr>
-          <p:cNvPr id="16" name="TextBox 15">
+          <p:cNvPr id="2" name="TextBox 1">
             <a:extLst>
               <a:ext uri="{FF2B5EF4-FFF2-40B4-BE49-F238E27FC236}">
-                <a16:creationId xmlns:a16="http://schemas.microsoft.com/office/drawing/2014/main" id="{F44BD72A-4381-50B3-67F3-4F25C5A1BA97}"/>
+                <a16:creationId xmlns:a16="http://schemas.microsoft.com/office/drawing/2014/main" id="{A8E26C87-5126-53BD-0393-3BA2690F8980}"/>
               </a:ext>
             </a:extLst>
           </p:cNvPr>
@@ -6179,54 +7810,7 @@
         </p:nvSpPr>
         <p:spPr>
           <a:xfrm>
-            <a:off x="609596" y="360357"/>
-            <a:ext cx="5049524" cy="388568"/>
-          </a:xfrm>
-          <a:prstGeom prst="rect">
-            <a:avLst/>
-          </a:prstGeom>
-          <a:noFill/>
-        </p:spPr>
-        <p:txBody>
-          <a:bodyPr wrap="square" rtlCol="0">
-            <a:spAutoFit/>
-          </a:bodyPr>
-          <a:lstStyle/>
-          <a:p>
-            <a:pPr>
-              <a:lnSpc>
-                <a:spcPct val="150000"/>
-              </a:lnSpc>
-            </a:pPr>
-            <a:r>
-              <a:rPr lang="ko-KR" altLang="en-US" sz="1400" dirty="0">
-                <a:latin typeface="G마켓 산스 TTF Bold" panose="02000000000000000000" pitchFamily="2" charset="-127"/>
-                <a:ea typeface="G마켓 산스 TTF Bold" panose="02000000000000000000" pitchFamily="2" charset="-127"/>
-              </a:rPr>
-              <a:t>🖥️ 담당 업무</a:t>
-            </a:r>
-            <a:endParaRPr lang="en-US" altLang="ko-KR" sz="1400" dirty="0">
-              <a:latin typeface="G마켓 산스 TTF Bold" panose="02000000000000000000" pitchFamily="2" charset="-127"/>
-              <a:ea typeface="G마켓 산스 TTF Bold" panose="02000000000000000000" pitchFamily="2" charset="-127"/>
-            </a:endParaRPr>
-          </a:p>
-        </p:txBody>
-      </p:sp>
-      <p:sp>
-        <p:nvSpPr>
-          <p:cNvPr id="2" name="TextBox 1">
-            <a:extLst>
-              <a:ext uri="{FF2B5EF4-FFF2-40B4-BE49-F238E27FC236}">
-                <a16:creationId xmlns:a16="http://schemas.microsoft.com/office/drawing/2014/main" id="{7681B700-34EA-5F2A-BBCE-323F812C95B7}"/>
-              </a:ext>
-            </a:extLst>
-          </p:cNvPr>
-          <p:cNvSpPr txBox="1"/>
-          <p:nvPr/>
-        </p:nvSpPr>
-        <p:spPr>
-          <a:xfrm>
-            <a:off x="609596" y="3628894"/>
+            <a:off x="609596" y="1665625"/>
             <a:ext cx="4826004" cy="1156086"/>
           </a:xfrm>
           <a:prstGeom prst="rect">
@@ -6540,7 +8124,7 @@
           <p:cNvPr id="4" name="TextBox 3">
             <a:extLst>
               <a:ext uri="{FF2B5EF4-FFF2-40B4-BE49-F238E27FC236}">
-                <a16:creationId xmlns:a16="http://schemas.microsoft.com/office/drawing/2014/main" id="{504B54B0-9C03-B916-2867-0A1427EDA63A}"/>
+                <a16:creationId xmlns:a16="http://schemas.microsoft.com/office/drawing/2014/main" id="{2434D23E-6115-754A-04CF-C5C1BBF31964}"/>
               </a:ext>
             </a:extLst>
           </p:cNvPr>
@@ -6549,7 +8133,7 @@
         </p:nvSpPr>
         <p:spPr>
           <a:xfrm>
-            <a:off x="595101" y="5061604"/>
+            <a:off x="595101" y="3098335"/>
             <a:ext cx="5667797" cy="3927998"/>
           </a:xfrm>
           <a:prstGeom prst="rect">
@@ -7071,329 +8655,12 @@
           </a:p>
         </p:txBody>
       </p:sp>
-      <p:cxnSp>
-        <p:nvCxnSpPr>
-          <p:cNvPr id="5" name="직선 연결선 4">
-            <a:extLst>
-              <a:ext uri="{FF2B5EF4-FFF2-40B4-BE49-F238E27FC236}">
-                <a16:creationId xmlns:a16="http://schemas.microsoft.com/office/drawing/2014/main" id="{656BC509-706F-31CC-2F7C-1F7E05BAF1A6}"/>
-              </a:ext>
-            </a:extLst>
-          </p:cNvPr>
-          <p:cNvCxnSpPr>
-            <a:cxnSpLocks/>
-          </p:cNvCxnSpPr>
-          <p:nvPr/>
-        </p:nvCxnSpPr>
-        <p:spPr>
-          <a:xfrm>
-            <a:off x="782318" y="928549"/>
-            <a:ext cx="0" cy="504011"/>
-          </a:xfrm>
-          <a:prstGeom prst="line">
-            <a:avLst/>
-          </a:prstGeom>
-          <a:ln w="25400">
-            <a:solidFill>
-              <a:srgbClr val="00B050"/>
-            </a:solidFill>
-          </a:ln>
-        </p:spPr>
-        <p:style>
-          <a:lnRef idx="1">
-            <a:schemeClr val="accent1"/>
-          </a:lnRef>
-          <a:fillRef idx="0">
-            <a:schemeClr val="accent1"/>
-          </a:fillRef>
-          <a:effectRef idx="0">
-            <a:schemeClr val="accent1"/>
-          </a:effectRef>
-          <a:fontRef idx="minor">
-            <a:schemeClr val="tx1"/>
-          </a:fontRef>
-        </p:style>
-      </p:cxnSp>
-      <p:sp>
-        <p:nvSpPr>
-          <p:cNvPr id="9" name="TextBox 8">
-            <a:extLst>
-              <a:ext uri="{FF2B5EF4-FFF2-40B4-BE49-F238E27FC236}">
-                <a16:creationId xmlns:a16="http://schemas.microsoft.com/office/drawing/2014/main" id="{35118519-7B1A-2420-57D4-A849A7FEA329}"/>
-              </a:ext>
-            </a:extLst>
-          </p:cNvPr>
-          <p:cNvSpPr txBox="1"/>
-          <p:nvPr/>
-        </p:nvSpPr>
-        <p:spPr>
-          <a:xfrm>
-            <a:off x="841370" y="828496"/>
-            <a:ext cx="3395351" cy="1340752"/>
-          </a:xfrm>
-          <a:prstGeom prst="rect">
-            <a:avLst/>
-          </a:prstGeom>
-          <a:noFill/>
-        </p:spPr>
-        <p:txBody>
-          <a:bodyPr wrap="square" rtlCol="0">
-            <a:spAutoFit/>
-          </a:bodyPr>
-          <a:lstStyle/>
-          <a:p>
-            <a:pPr>
-              <a:lnSpc>
-                <a:spcPct val="150000"/>
-              </a:lnSpc>
-            </a:pPr>
-            <a:r>
-              <a:rPr lang="en-US" altLang="ko-KR" sz="1100" dirty="0">
-                <a:solidFill>
-                  <a:schemeClr val="bg1">
-                    <a:lumMod val="50000"/>
-                  </a:schemeClr>
-                </a:solidFill>
-                <a:latin typeface="G마켓 산스 TTF Bold" panose="02000000000000000000" pitchFamily="2" charset="-127"/>
-                <a:ea typeface="G마켓 산스 TTF Bold" panose="02000000000000000000" pitchFamily="2" charset="-127"/>
-              </a:rPr>
-              <a:t>RFID / NFC </a:t>
-            </a:r>
-            <a:r>
-              <a:rPr lang="ko-KR" altLang="en-US" sz="1100" dirty="0">
-                <a:solidFill>
-                  <a:schemeClr val="bg1">
-                    <a:lumMod val="50000"/>
-                  </a:schemeClr>
-                </a:solidFill>
-                <a:latin typeface="G마켓 산스 TTF Bold" panose="02000000000000000000" pitchFamily="2" charset="-127"/>
-                <a:ea typeface="G마켓 산스 TTF Bold" panose="02000000000000000000" pitchFamily="2" charset="-127"/>
-              </a:rPr>
-              <a:t>칩 자동 인식</a:t>
-            </a:r>
-            <a:r>
-              <a:rPr lang="en-US" altLang="ko-KR" sz="1100" dirty="0">
-                <a:solidFill>
-                  <a:schemeClr val="bg1">
-                    <a:lumMod val="50000"/>
-                  </a:schemeClr>
-                </a:solidFill>
-                <a:latin typeface="G마켓 산스 TTF Bold" panose="02000000000000000000" pitchFamily="2" charset="-127"/>
-                <a:ea typeface="G마켓 산스 TTF Bold" panose="02000000000000000000" pitchFamily="2" charset="-127"/>
-              </a:rPr>
-              <a:t>(PC/SC </a:t>
-            </a:r>
-            <a:r>
-              <a:rPr lang="ko-KR" altLang="en-US" sz="1100" dirty="0">
-                <a:solidFill>
-                  <a:schemeClr val="bg1">
-                    <a:lumMod val="50000"/>
-                  </a:schemeClr>
-                </a:solidFill>
-                <a:latin typeface="G마켓 산스 TTF Bold" panose="02000000000000000000" pitchFamily="2" charset="-127"/>
-                <a:ea typeface="G마켓 산스 TTF Bold" panose="02000000000000000000" pitchFamily="2" charset="-127"/>
-              </a:rPr>
-              <a:t>라이브러리</a:t>
-            </a:r>
-            <a:r>
-              <a:rPr lang="en-US" altLang="ko-KR" sz="1100" dirty="0">
-                <a:solidFill>
-                  <a:schemeClr val="bg1">
-                    <a:lumMod val="50000"/>
-                  </a:schemeClr>
-                </a:solidFill>
-                <a:latin typeface="G마켓 산스 TTF Bold" panose="02000000000000000000" pitchFamily="2" charset="-127"/>
-                <a:ea typeface="G마켓 산스 TTF Bold" panose="02000000000000000000" pitchFamily="2" charset="-127"/>
-              </a:rPr>
-              <a:t>)</a:t>
-            </a:r>
-          </a:p>
-          <a:p>
-            <a:pPr>
-              <a:lnSpc>
-                <a:spcPct val="150000"/>
-              </a:lnSpc>
-            </a:pPr>
-            <a:r>
-              <a:rPr lang="ko-KR" altLang="en-US" sz="1100" dirty="0">
-                <a:solidFill>
-                  <a:schemeClr val="bg1">
-                    <a:lumMod val="50000"/>
-                  </a:schemeClr>
-                </a:solidFill>
-                <a:latin typeface="G마켓 산스 TTF Bold" panose="02000000000000000000" pitchFamily="2" charset="-127"/>
-                <a:ea typeface="G마켓 산스 TTF Bold" panose="02000000000000000000" pitchFamily="2" charset="-127"/>
-              </a:rPr>
-              <a:t>키오스크 </a:t>
-            </a:r>
-            <a:r>
-              <a:rPr lang="en-US" altLang="ko-KR" sz="1100" dirty="0">
-                <a:solidFill>
-                  <a:schemeClr val="bg1">
-                    <a:lumMod val="50000"/>
-                  </a:schemeClr>
-                </a:solidFill>
-                <a:latin typeface="G마켓 산스 TTF Bold" panose="02000000000000000000" pitchFamily="2" charset="-127"/>
-                <a:ea typeface="G마켓 산스 TTF Bold" panose="02000000000000000000" pitchFamily="2" charset="-127"/>
-              </a:rPr>
-              <a:t>CPU </a:t>
-            </a:r>
-            <a:r>
-              <a:rPr lang="ko-KR" altLang="en-US" sz="1100" dirty="0">
-                <a:solidFill>
-                  <a:schemeClr val="bg1">
-                    <a:lumMod val="50000"/>
-                  </a:schemeClr>
-                </a:solidFill>
-                <a:latin typeface="G마켓 산스 TTF Bold" panose="02000000000000000000" pitchFamily="2" charset="-127"/>
-                <a:ea typeface="G마켓 산스 TTF Bold" panose="02000000000000000000" pitchFamily="2" charset="-127"/>
-              </a:rPr>
-              <a:t>환경 배포</a:t>
-            </a:r>
-            <a:endParaRPr lang="en-US" altLang="ko-KR" sz="1100" dirty="0">
-              <a:solidFill>
-                <a:schemeClr val="bg1">
-                  <a:lumMod val="50000"/>
-                </a:schemeClr>
-              </a:solidFill>
-              <a:latin typeface="G마켓 산스 TTF Bold" panose="02000000000000000000" pitchFamily="2" charset="-127"/>
-              <a:ea typeface="G마켓 산스 TTF Bold" panose="02000000000000000000" pitchFamily="2" charset="-127"/>
-            </a:endParaRPr>
-          </a:p>
-          <a:p>
-            <a:pPr>
-              <a:lnSpc>
-                <a:spcPct val="150000"/>
-              </a:lnSpc>
-            </a:pPr>
-            <a:r>
-              <a:rPr lang="ko-KR" altLang="en-US" sz="1100" dirty="0">
-                <a:solidFill>
-                  <a:schemeClr val="bg1">
-                    <a:lumMod val="50000"/>
-                  </a:schemeClr>
-                </a:solidFill>
-                <a:latin typeface="G마켓 산스 TTF Bold" panose="02000000000000000000" pitchFamily="2" charset="-127"/>
-                <a:ea typeface="G마켓 산스 TTF Bold" panose="02000000000000000000" pitchFamily="2" charset="-127"/>
-              </a:rPr>
-              <a:t>키오스크 화면 구성</a:t>
-            </a:r>
-            <a:r>
-              <a:rPr lang="en-US" altLang="ko-KR" sz="1100" dirty="0">
-                <a:solidFill>
-                  <a:schemeClr val="bg1">
-                    <a:lumMod val="50000"/>
-                  </a:schemeClr>
-                </a:solidFill>
-                <a:latin typeface="G마켓 산스 TTF Bold" panose="02000000000000000000" pitchFamily="2" charset="-127"/>
-                <a:ea typeface="G마켓 산스 TTF Bold" panose="02000000000000000000" pitchFamily="2" charset="-127"/>
-              </a:rPr>
-              <a:t>(Next.js)</a:t>
-            </a:r>
-          </a:p>
-          <a:p>
-            <a:pPr>
-              <a:lnSpc>
-                <a:spcPct val="150000"/>
-              </a:lnSpc>
-            </a:pPr>
-            <a:r>
-              <a:rPr lang="en-US" altLang="ko-KR" sz="1100" dirty="0">
-                <a:solidFill>
-                  <a:schemeClr val="bg1">
-                    <a:lumMod val="50000"/>
-                  </a:schemeClr>
-                </a:solidFill>
-                <a:latin typeface="G마켓 산스 TTF Bold" panose="02000000000000000000" pitchFamily="2" charset="-127"/>
-                <a:ea typeface="G마켓 산스 TTF Bold" panose="02000000000000000000" pitchFamily="2" charset="-127"/>
-              </a:rPr>
-              <a:t>TOSS </a:t>
-            </a:r>
-            <a:r>
-              <a:rPr lang="ko-KR" altLang="en-US" sz="1100" dirty="0">
-                <a:solidFill>
-                  <a:schemeClr val="bg1">
-                    <a:lumMod val="50000"/>
-                  </a:schemeClr>
-                </a:solidFill>
-                <a:latin typeface="G마켓 산스 TTF Bold" panose="02000000000000000000" pitchFamily="2" charset="-127"/>
-                <a:ea typeface="G마켓 산스 TTF Bold" panose="02000000000000000000" pitchFamily="2" charset="-127"/>
-              </a:rPr>
-              <a:t>결제 </a:t>
-            </a:r>
-            <a:r>
-              <a:rPr lang="en-US" altLang="ko-KR" sz="1100" dirty="0">
-                <a:solidFill>
-                  <a:schemeClr val="bg1">
-                    <a:lumMod val="50000"/>
-                  </a:schemeClr>
-                </a:solidFill>
-                <a:latin typeface="G마켓 산스 TTF Bold" panose="02000000000000000000" pitchFamily="2" charset="-127"/>
-                <a:ea typeface="G마켓 산스 TTF Bold" panose="02000000000000000000" pitchFamily="2" charset="-127"/>
-              </a:rPr>
-              <a:t>API</a:t>
-            </a:r>
-          </a:p>
-          <a:p>
-            <a:pPr>
-              <a:lnSpc>
-                <a:spcPct val="150000"/>
-              </a:lnSpc>
-            </a:pPr>
-            <a:r>
-              <a:rPr lang="ko-KR" altLang="en-US" sz="1100" dirty="0">
-                <a:solidFill>
-                  <a:schemeClr val="bg1">
-                    <a:lumMod val="50000"/>
-                  </a:schemeClr>
-                </a:solidFill>
-                <a:latin typeface="G마켓 산스 TTF Bold" panose="02000000000000000000" pitchFamily="2" charset="-127"/>
-                <a:ea typeface="G마켓 산스 TTF Bold" panose="02000000000000000000" pitchFamily="2" charset="-127"/>
-              </a:rPr>
-              <a:t>키오스크 관리 </a:t>
-            </a:r>
-            <a:r>
-              <a:rPr lang="en-US" altLang="ko-KR" sz="1100" dirty="0">
-                <a:solidFill>
-                  <a:schemeClr val="bg1">
-                    <a:lumMod val="50000"/>
-                  </a:schemeClr>
-                </a:solidFill>
-                <a:latin typeface="G마켓 산스 TTF Bold" panose="02000000000000000000" pitchFamily="2" charset="-127"/>
-                <a:ea typeface="G마켓 산스 TTF Bold" panose="02000000000000000000" pitchFamily="2" charset="-127"/>
-              </a:rPr>
-              <a:t>OTP </a:t>
-            </a:r>
-            <a:r>
-              <a:rPr lang="ko-KR" altLang="en-US" sz="1100" dirty="0">
-                <a:solidFill>
-                  <a:schemeClr val="bg1">
-                    <a:lumMod val="50000"/>
-                  </a:schemeClr>
-                </a:solidFill>
-                <a:latin typeface="G마켓 산스 TTF Bold" panose="02000000000000000000" pitchFamily="2" charset="-127"/>
-                <a:ea typeface="G마켓 산스 TTF Bold" panose="02000000000000000000" pitchFamily="2" charset="-127"/>
-              </a:rPr>
-              <a:t>생성 </a:t>
-            </a:r>
-            <a:endParaRPr lang="en-US" altLang="ko-KR" sz="1100" dirty="0">
-              <a:solidFill>
-                <a:schemeClr val="bg1">
-                  <a:lumMod val="50000"/>
-                </a:schemeClr>
-              </a:solidFill>
-              <a:latin typeface="G마켓 산스 TTF Bold" panose="02000000000000000000" pitchFamily="2" charset="-127"/>
-              <a:ea typeface="G마켓 산스 TTF Bold" panose="02000000000000000000" pitchFamily="2" charset="-127"/>
-            </a:endParaRPr>
-          </a:p>
-        </p:txBody>
-      </p:sp>
       <p:grpSp>
         <p:nvGrpSpPr>
           <p:cNvPr id="8" name="그룹 7">
             <a:extLst>
               <a:ext uri="{FF2B5EF4-FFF2-40B4-BE49-F238E27FC236}">
-                <a16:creationId xmlns:a16="http://schemas.microsoft.com/office/drawing/2014/main" id="{DC57BE30-D22B-B453-54D3-6633B2AD7839}"/>
+                <a16:creationId xmlns:a16="http://schemas.microsoft.com/office/drawing/2014/main" id="{50D3FC49-D972-6883-D676-66E10AFDF56C}"/>
               </a:ext>
             </a:extLst>
           </p:cNvPr>
@@ -7402,7 +8669,7 @@
         </p:nvGrpSpPr>
         <p:grpSpPr>
           <a:xfrm>
-            <a:off x="3776492" y="4835727"/>
+            <a:off x="3776492" y="2872458"/>
             <a:ext cx="3718794" cy="2664576"/>
             <a:chOff x="1767606" y="4580492"/>
             <a:chExt cx="6675483" cy="5118868"/>
@@ -7413,7 +8680,7 @@
             <p:cNvPr id="6" name="Picture 6" descr="키오스크ㅣLH24KMCCBGCXKRㅣSamsung Business 대한민국">
               <a:extLst>
                 <a:ext uri="{FF2B5EF4-FFF2-40B4-BE49-F238E27FC236}">
-                  <a16:creationId xmlns:a16="http://schemas.microsoft.com/office/drawing/2014/main" id="{0F66D710-CED9-0382-2E9D-148C1B77613F}"/>
+                  <a16:creationId xmlns:a16="http://schemas.microsoft.com/office/drawing/2014/main" id="{5CE030BA-CB3D-B140-45DB-D2ECAB1670FE}"/>
                 </a:ext>
               </a:extLst>
             </p:cNvPr>
@@ -7460,7 +8727,7 @@
             <p:cNvPr id="7" name="그림 6">
               <a:extLst>
                 <a:ext uri="{FF2B5EF4-FFF2-40B4-BE49-F238E27FC236}">
-                  <a16:creationId xmlns:a16="http://schemas.microsoft.com/office/drawing/2014/main" id="{F98D2689-2CB2-C32F-7E11-9FCD3292A432}"/>
+                  <a16:creationId xmlns:a16="http://schemas.microsoft.com/office/drawing/2014/main" id="{2C8DAB96-B0BC-2122-88C4-D8C3FF04EE5E}"/>
                 </a:ext>
               </a:extLst>
             </p:cNvPr>
@@ -7497,7 +8764,7 @@
           <p:cNvPr id="11" name="그림 10">
             <a:extLst>
               <a:ext uri="{FF2B5EF4-FFF2-40B4-BE49-F238E27FC236}">
-                <a16:creationId xmlns:a16="http://schemas.microsoft.com/office/drawing/2014/main" id="{B8F6E24F-BBE0-4FE3-45B9-726883EDFB48}"/>
+                <a16:creationId xmlns:a16="http://schemas.microsoft.com/office/drawing/2014/main" id="{9E330521-EBDB-2597-6BD0-B99CF299ADB8}"/>
               </a:ext>
             </a:extLst>
           </p:cNvPr>
@@ -7513,7 +8780,7 @@
         </p:blipFill>
         <p:spPr>
           <a:xfrm>
-            <a:off x="4164786" y="5702877"/>
+            <a:off x="4164786" y="3739608"/>
             <a:ext cx="774031" cy="881011"/>
           </a:xfrm>
           <a:prstGeom prst="rect">
@@ -7526,7 +8793,7 @@
           <p:cNvPr id="19" name="그림 18">
             <a:extLst>
               <a:ext uri="{FF2B5EF4-FFF2-40B4-BE49-F238E27FC236}">
-                <a16:creationId xmlns:a16="http://schemas.microsoft.com/office/drawing/2014/main" id="{DB4359DF-A7AA-BB0A-E01F-629489CEB03A}"/>
+                <a16:creationId xmlns:a16="http://schemas.microsoft.com/office/drawing/2014/main" id="{643B1F1C-BE95-B4F9-79CE-0F3AE88205F2}"/>
               </a:ext>
             </a:extLst>
           </p:cNvPr>
@@ -7543,7 +8810,7 @@
         </p:blipFill>
         <p:spPr>
           <a:xfrm>
-            <a:off x="703133" y="7331870"/>
+            <a:off x="703133" y="5368601"/>
             <a:ext cx="4732467" cy="464860"/>
           </a:xfrm>
           <a:prstGeom prst="rect">
@@ -7556,7 +8823,7 @@
           <p:cNvPr id="22" name="그림 21">
             <a:extLst>
               <a:ext uri="{FF2B5EF4-FFF2-40B4-BE49-F238E27FC236}">
-                <a16:creationId xmlns:a16="http://schemas.microsoft.com/office/drawing/2014/main" id="{59FAE1E6-5433-D43F-A527-16D2E91A20E2}"/>
+                <a16:creationId xmlns:a16="http://schemas.microsoft.com/office/drawing/2014/main" id="{8E48BA30-7F9D-402C-4491-E3FE47A8DA6E}"/>
               </a:ext>
             </a:extLst>
           </p:cNvPr>
@@ -7573,7 +8840,7 @@
         </p:blipFill>
         <p:spPr>
           <a:xfrm>
-            <a:off x="703133" y="7770335"/>
+            <a:off x="703133" y="5807066"/>
             <a:ext cx="4732467" cy="617273"/>
           </a:xfrm>
           <a:prstGeom prst="rect">
@@ -7586,7 +8853,7 @@
           <p:cNvPr id="27" name="그림 26">
             <a:extLst>
               <a:ext uri="{FF2B5EF4-FFF2-40B4-BE49-F238E27FC236}">
-                <a16:creationId xmlns:a16="http://schemas.microsoft.com/office/drawing/2014/main" id="{D6E167BC-47F1-CBE5-6657-B7E67B1E48FB}"/>
+                <a16:creationId xmlns:a16="http://schemas.microsoft.com/office/drawing/2014/main" id="{3086E3B2-BCDD-429B-D041-47A1E259FEE9}"/>
               </a:ext>
             </a:extLst>
           </p:cNvPr>
@@ -7603,7 +8870,7 @@
         </p:blipFill>
         <p:spPr>
           <a:xfrm>
-            <a:off x="703133" y="8770839"/>
+            <a:off x="703133" y="6807570"/>
             <a:ext cx="2606266" cy="228620"/>
           </a:xfrm>
           <a:prstGeom prst="rect">
@@ -7616,7 +8883,7 @@
           <p:cNvPr id="29" name="그림 28">
             <a:extLst>
               <a:ext uri="{FF2B5EF4-FFF2-40B4-BE49-F238E27FC236}">
-                <a16:creationId xmlns:a16="http://schemas.microsoft.com/office/drawing/2014/main" id="{6DFC9FC7-55CF-795F-A52C-64D7879A374D}"/>
+                <a16:creationId xmlns:a16="http://schemas.microsoft.com/office/drawing/2014/main" id="{FD76DE9C-B264-9196-04FF-F665181E6E27}"/>
               </a:ext>
             </a:extLst>
           </p:cNvPr>
@@ -7633,7 +8900,7 @@
         </p:blipFill>
         <p:spPr>
           <a:xfrm>
-            <a:off x="703133" y="8997561"/>
+            <a:off x="703133" y="7034292"/>
             <a:ext cx="4877223" cy="213378"/>
           </a:xfrm>
           <a:prstGeom prst="rect">
@@ -7646,7 +8913,7 @@
           <p:cNvPr id="33" name="TextBox 32">
             <a:extLst>
               <a:ext uri="{FF2B5EF4-FFF2-40B4-BE49-F238E27FC236}">
-                <a16:creationId xmlns:a16="http://schemas.microsoft.com/office/drawing/2014/main" id="{1E6D883E-518E-0476-F0DD-5B2EE2C80336}"/>
+                <a16:creationId xmlns:a16="http://schemas.microsoft.com/office/drawing/2014/main" id="{F36B7034-30B5-A3BC-3093-942C05F2909E}"/>
               </a:ext>
             </a:extLst>
           </p:cNvPr>
@@ -7655,8 +8922,8 @@
         </p:nvSpPr>
         <p:spPr>
           <a:xfrm>
-            <a:off x="4045361" y="360357"/>
-            <a:ext cx="2578957" cy="388568"/>
+            <a:off x="670152" y="7796591"/>
+            <a:ext cx="3388189" cy="388568"/>
           </a:xfrm>
           <a:prstGeom prst="rect">
             <a:avLst/>
@@ -7693,7 +8960,7 @@
           <p:cNvPr id="34" name="직선 연결선 33">
             <a:extLst>
               <a:ext uri="{FF2B5EF4-FFF2-40B4-BE49-F238E27FC236}">
-                <a16:creationId xmlns:a16="http://schemas.microsoft.com/office/drawing/2014/main" id="{F87A41B1-9482-C9D6-DF7A-75057773F460}"/>
+                <a16:creationId xmlns:a16="http://schemas.microsoft.com/office/drawing/2014/main" id="{5429EEB1-14C6-02A5-AC51-B61F91B71166}"/>
               </a:ext>
             </a:extLst>
           </p:cNvPr>
@@ -7704,7 +8971,7 @@
         </p:nvCxnSpPr>
         <p:spPr>
           <a:xfrm>
-            <a:off x="4077522" y="881836"/>
+            <a:off x="699582" y="8358401"/>
             <a:ext cx="0" cy="504011"/>
           </a:xfrm>
           <a:prstGeom prst="line">
@@ -7736,7 +9003,7 @@
           <p:cNvPr id="35" name="TextBox 34">
             <a:extLst>
               <a:ext uri="{FF2B5EF4-FFF2-40B4-BE49-F238E27FC236}">
-                <a16:creationId xmlns:a16="http://schemas.microsoft.com/office/drawing/2014/main" id="{D6FCEA2F-E562-133E-A939-DD2E5BF72634}"/>
+                <a16:creationId xmlns:a16="http://schemas.microsoft.com/office/drawing/2014/main" id="{66524A42-46E2-14DA-2C6F-C681DC4D716C}"/>
               </a:ext>
             </a:extLst>
           </p:cNvPr>
@@ -7745,8 +9012,8 @@
         </p:nvSpPr>
         <p:spPr>
           <a:xfrm>
-            <a:off x="4074792" y="822302"/>
-            <a:ext cx="2794002" cy="1340752"/>
+            <a:off x="699582" y="8258536"/>
+            <a:ext cx="4736018" cy="1086836"/>
           </a:xfrm>
           <a:prstGeom prst="rect">
             <a:avLst/>
@@ -7789,73 +9056,11 @@
             </a:endParaRPr>
           </a:p>
           <a:p>
-            <a:pPr marL="171450" indent="-171450">
-              <a:lnSpc>
-                <a:spcPct val="150000"/>
-              </a:lnSpc>
-              <a:buFont typeface="Arial" panose="020B0604020202020204" pitchFamily="34" charset="0"/>
-              <a:buChar char="•"/>
-            </a:pPr>
-            <a:r>
-              <a:rPr lang="ko-KR" altLang="en-US" sz="1100" dirty="0">
-                <a:solidFill>
-                  <a:schemeClr val="bg1">
-                    <a:lumMod val="50000"/>
-                  </a:schemeClr>
-                </a:solidFill>
-                <a:latin typeface="G마켓 산스 TTF Bold" panose="02000000000000000000" pitchFamily="2" charset="-127"/>
-                <a:ea typeface="G마켓 산스 TTF Bold" panose="02000000000000000000" pitchFamily="2" charset="-127"/>
-              </a:rPr>
-              <a:t>현장 배포 방법으로 이번 프로젝트에서는 </a:t>
-            </a:r>
-            <a:r>
-              <a:rPr lang="en-US" altLang="ko-KR" sz="1100" dirty="0">
-                <a:solidFill>
-                  <a:schemeClr val="bg1">
-                    <a:lumMod val="50000"/>
-                  </a:schemeClr>
-                </a:solidFill>
-                <a:latin typeface="G마켓 산스 TTF Bold" panose="02000000000000000000" pitchFamily="2" charset="-127"/>
-                <a:ea typeface="G마켓 산스 TTF Bold" panose="02000000000000000000" pitchFamily="2" charset="-127"/>
-              </a:rPr>
-              <a:t>electron</a:t>
-            </a:r>
-            <a:r>
-              <a:rPr lang="ko-KR" altLang="en-US" sz="1100" dirty="0">
-                <a:solidFill>
-                  <a:schemeClr val="bg1">
-                    <a:lumMod val="50000"/>
-                  </a:schemeClr>
-                </a:solidFill>
-                <a:latin typeface="G마켓 산스 TTF Bold" panose="02000000000000000000" pitchFamily="2" charset="-127"/>
-                <a:ea typeface="G마켓 산스 TTF Bold" panose="02000000000000000000" pitchFamily="2" charset="-127"/>
-              </a:rPr>
-              <a:t>을 선택하였지만 </a:t>
-            </a:r>
-            <a:r>
-              <a:rPr lang="en-US" altLang="ko-KR" sz="1100" dirty="0">
-                <a:solidFill>
-                  <a:schemeClr val="bg1">
-                    <a:lumMod val="50000"/>
-                  </a:schemeClr>
-                </a:solidFill>
-                <a:latin typeface="G마켓 산스 TTF Bold" panose="02000000000000000000" pitchFamily="2" charset="-127"/>
-                <a:ea typeface="G마켓 산스 TTF Bold" panose="02000000000000000000" pitchFamily="2" charset="-127"/>
-              </a:rPr>
-              <a:t>web</a:t>
-            </a:r>
-            <a:r>
-              <a:rPr lang="ko-KR" altLang="en-US" sz="1100" dirty="0">
-                <a:solidFill>
-                  <a:schemeClr val="bg1">
-                    <a:lumMod val="50000"/>
-                  </a:schemeClr>
-                </a:solidFill>
-                <a:latin typeface="G마켓 산스 TTF Bold" panose="02000000000000000000" pitchFamily="2" charset="-127"/>
-                <a:ea typeface="G마켓 산스 TTF Bold" panose="02000000000000000000" pitchFamily="2" charset="-127"/>
-              </a:rPr>
-              <a:t>이 유지보수의 강점이 큼</a:t>
-            </a:r>
+            <a:pPr>
+              <a:lnSpc>
+                <a:spcPct val="150000"/>
+              </a:lnSpc>
+            </a:pPr>
             <a:endParaRPr lang="en-US" altLang="ko-KR" sz="1100" dirty="0">
               <a:solidFill>
                 <a:schemeClr val="bg1">
@@ -7866,12 +9071,133 @@
               <a:ea typeface="G마켓 산스 TTF Bold" panose="02000000000000000000" pitchFamily="2" charset="-127"/>
             </a:endParaRPr>
           </a:p>
+          <a:p>
+            <a:pPr marL="171450" indent="-171450">
+              <a:lnSpc>
+                <a:spcPct val="150000"/>
+              </a:lnSpc>
+              <a:buFont typeface="Arial" panose="020B0604020202020204" pitchFamily="34" charset="0"/>
+              <a:buChar char="•"/>
+            </a:pPr>
+            <a:r>
+              <a:rPr lang="ko-KR" altLang="en-US" sz="1100" dirty="0">
+                <a:solidFill>
+                  <a:schemeClr val="bg1">
+                    <a:lumMod val="50000"/>
+                  </a:schemeClr>
+                </a:solidFill>
+                <a:latin typeface="G마켓 산스 TTF Bold" panose="02000000000000000000" pitchFamily="2" charset="-127"/>
+                <a:ea typeface="G마켓 산스 TTF Bold" panose="02000000000000000000" pitchFamily="2" charset="-127"/>
+              </a:rPr>
+              <a:t>현장 배포 방법으로 이번 프로젝트에서는 </a:t>
+            </a:r>
+            <a:r>
+              <a:rPr lang="en-US" altLang="ko-KR" sz="1100" dirty="0">
+                <a:solidFill>
+                  <a:schemeClr val="bg1">
+                    <a:lumMod val="50000"/>
+                  </a:schemeClr>
+                </a:solidFill>
+                <a:latin typeface="G마켓 산스 TTF Bold" panose="02000000000000000000" pitchFamily="2" charset="-127"/>
+                <a:ea typeface="G마켓 산스 TTF Bold" panose="02000000000000000000" pitchFamily="2" charset="-127"/>
+              </a:rPr>
+              <a:t>electron</a:t>
+            </a:r>
+            <a:r>
+              <a:rPr lang="ko-KR" altLang="en-US" sz="1100" dirty="0">
+                <a:solidFill>
+                  <a:schemeClr val="bg1">
+                    <a:lumMod val="50000"/>
+                  </a:schemeClr>
+                </a:solidFill>
+                <a:latin typeface="G마켓 산스 TTF Bold" panose="02000000000000000000" pitchFamily="2" charset="-127"/>
+                <a:ea typeface="G마켓 산스 TTF Bold" panose="02000000000000000000" pitchFamily="2" charset="-127"/>
+              </a:rPr>
+              <a:t>을 선택하였지만 </a:t>
+            </a:r>
+            <a:r>
+              <a:rPr lang="en-US" altLang="ko-KR" sz="1100" dirty="0">
+                <a:solidFill>
+                  <a:schemeClr val="bg1">
+                    <a:lumMod val="50000"/>
+                  </a:schemeClr>
+                </a:solidFill>
+                <a:latin typeface="G마켓 산스 TTF Bold" panose="02000000000000000000" pitchFamily="2" charset="-127"/>
+                <a:ea typeface="G마켓 산스 TTF Bold" panose="02000000000000000000" pitchFamily="2" charset="-127"/>
+              </a:rPr>
+              <a:t>web</a:t>
+            </a:r>
+            <a:r>
+              <a:rPr lang="ko-KR" altLang="en-US" sz="1100" dirty="0">
+                <a:solidFill>
+                  <a:schemeClr val="bg1">
+                    <a:lumMod val="50000"/>
+                  </a:schemeClr>
+                </a:solidFill>
+                <a:latin typeface="G마켓 산스 TTF Bold" panose="02000000000000000000" pitchFamily="2" charset="-127"/>
+                <a:ea typeface="G마켓 산스 TTF Bold" panose="02000000000000000000" pitchFamily="2" charset="-127"/>
+              </a:rPr>
+              <a:t>이 유지보수의 강점이 큼</a:t>
+            </a:r>
+            <a:endParaRPr lang="en-US" altLang="ko-KR" sz="1100" dirty="0">
+              <a:solidFill>
+                <a:schemeClr val="bg1">
+                  <a:lumMod val="50000"/>
+                </a:schemeClr>
+              </a:solidFill>
+              <a:latin typeface="G마켓 산스 TTF Bold" panose="02000000000000000000" pitchFamily="2" charset="-127"/>
+              <a:ea typeface="G마켓 산스 TTF Bold" panose="02000000000000000000" pitchFamily="2" charset="-127"/>
+            </a:endParaRPr>
+          </a:p>
         </p:txBody>
       </p:sp>
+      <p:cxnSp>
+        <p:nvCxnSpPr>
+          <p:cNvPr id="12" name="직선 연결선 11">
+            <a:extLst>
+              <a:ext uri="{FF2B5EF4-FFF2-40B4-BE49-F238E27FC236}">
+                <a16:creationId xmlns:a16="http://schemas.microsoft.com/office/drawing/2014/main" id="{FE1ECDD9-3B1D-05BB-3B18-3641FCECFA43}"/>
+              </a:ext>
+            </a:extLst>
+          </p:cNvPr>
+          <p:cNvCxnSpPr/>
+          <p:nvPr/>
+        </p:nvCxnSpPr>
+        <p:spPr>
+          <a:xfrm>
+            <a:off x="563611" y="7621232"/>
+            <a:ext cx="5492750" cy="0"/>
+          </a:xfrm>
+          <a:prstGeom prst="line">
+            <a:avLst/>
+          </a:prstGeom>
+          <a:ln w="25400">
+            <a:solidFill>
+              <a:schemeClr val="bg1">
+                <a:lumMod val="85000"/>
+              </a:schemeClr>
+            </a:solidFill>
+          </a:ln>
+        </p:spPr>
+        <p:style>
+          <a:lnRef idx="1">
+            <a:schemeClr val="accent1"/>
+          </a:lnRef>
+          <a:fillRef idx="0">
+            <a:schemeClr val="accent1"/>
+          </a:fillRef>
+          <a:effectRef idx="0">
+            <a:schemeClr val="accent1"/>
+          </a:effectRef>
+          <a:fontRef idx="minor">
+            <a:schemeClr val="tx1"/>
+          </a:fontRef>
+        </p:style>
+      </p:cxnSp>
     </p:spTree>
     <p:extLst>
       <p:ext uri="{BB962C8B-B14F-4D97-AF65-F5344CB8AC3E}">
-        <p14:creationId xmlns:p14="http://schemas.microsoft.com/office/powerpoint/2010/main" val="874309869"/>
+        <p14:creationId xmlns:p14="http://schemas.microsoft.com/office/powerpoint/2010/main" val="406955029"/>
       </p:ext>
     </p:extLst>
   </p:cSld>
@@ -7881,7 +9207,7 @@
 </p:sld>
 </file>
 
-<file path=ppt/slides/slide12.xml><?xml version="1.0" encoding="utf-8"?>
+<file path=ppt/slides/slide13.xml><?xml version="1.0" encoding="utf-8"?>
 <p:sld xmlns:a="http://schemas.openxmlformats.org/drawingml/2006/main" xmlns:r="http://schemas.openxmlformats.org/officeDocument/2006/relationships" xmlns:p="http://schemas.openxmlformats.org/presentationml/2006/main">
   <p:cSld>
     <p:bg>
@@ -8324,7 +9650,7 @@
 </p:sld>
 </file>
 
-<file path=ppt/slides/slide13.xml><?xml version="1.0" encoding="utf-8"?>
+<file path=ppt/slides/slide14.xml><?xml version="1.0" encoding="utf-8"?>
 <p:sld xmlns:a="http://schemas.openxmlformats.org/drawingml/2006/main" xmlns:r="http://schemas.openxmlformats.org/officeDocument/2006/relationships" xmlns:p="http://schemas.openxmlformats.org/presentationml/2006/main">
   <p:cSld>
     <p:spTree>
@@ -10150,7 +11476,7 @@
 </p:sld>
 </file>
 
-<file path=ppt/slides/slide14.xml><?xml version="1.0" encoding="utf-8"?>
+<file path=ppt/slides/slide15.xml><?xml version="1.0" encoding="utf-8"?>
 <p:sld xmlns:a="http://schemas.openxmlformats.org/drawingml/2006/main" xmlns:r="http://schemas.openxmlformats.org/officeDocument/2006/relationships" xmlns:p="http://schemas.openxmlformats.org/presentationml/2006/main">
   <p:cSld>
     <p:spTree>
@@ -10173,12 +11499,2100 @@
           <a:chExt cx="0" cy="0"/>
         </a:xfrm>
       </p:grpSpPr>
+      <p:sp>
+        <p:nvSpPr>
+          <p:cNvPr id="16" name="TextBox 15">
+            <a:extLst>
+              <a:ext uri="{FF2B5EF4-FFF2-40B4-BE49-F238E27FC236}">
+                <a16:creationId xmlns:a16="http://schemas.microsoft.com/office/drawing/2014/main" id="{72AAA263-EE90-E0D6-0AEB-FAAB696856BF}"/>
+              </a:ext>
+            </a:extLst>
+          </p:cNvPr>
+          <p:cNvSpPr txBox="1"/>
+          <p:nvPr/>
+        </p:nvSpPr>
+        <p:spPr>
+          <a:xfrm>
+            <a:off x="609596" y="360357"/>
+            <a:ext cx="3661461" cy="388568"/>
+          </a:xfrm>
+          <a:prstGeom prst="rect">
+            <a:avLst/>
+          </a:prstGeom>
+          <a:noFill/>
+        </p:spPr>
+        <p:txBody>
+          <a:bodyPr wrap="square" rtlCol="0">
+            <a:spAutoFit/>
+          </a:bodyPr>
+          <a:lstStyle/>
+          <a:p>
+            <a:pPr>
+              <a:lnSpc>
+                <a:spcPct val="150000"/>
+              </a:lnSpc>
+            </a:pPr>
+            <a:r>
+              <a:rPr lang="ko-KR" altLang="en-US" sz="1400" dirty="0">
+                <a:latin typeface="G마켓 산스 TTF Bold" panose="02000000000000000000" pitchFamily="2" charset="-127"/>
+                <a:ea typeface="G마켓 산스 TTF Bold" panose="02000000000000000000" pitchFamily="2" charset="-127"/>
+              </a:rPr>
+              <a:t>🖥️ 담당 업무</a:t>
+            </a:r>
+            <a:r>
+              <a:rPr lang="en-US" altLang="ko-KR" sz="1400" dirty="0">
+                <a:latin typeface="G마켓 산스 TTF Bold" panose="02000000000000000000" pitchFamily="2" charset="-127"/>
+                <a:ea typeface="G마켓 산스 TTF Bold" panose="02000000000000000000" pitchFamily="2" charset="-127"/>
+              </a:rPr>
+              <a:t> (Back-End)</a:t>
+            </a:r>
+          </a:p>
+        </p:txBody>
+      </p:sp>
+      <p:sp>
+        <p:nvSpPr>
+          <p:cNvPr id="9" name="TextBox 8">
+            <a:extLst>
+              <a:ext uri="{FF2B5EF4-FFF2-40B4-BE49-F238E27FC236}">
+                <a16:creationId xmlns:a16="http://schemas.microsoft.com/office/drawing/2014/main" id="{AD2C9A91-4E00-4CD8-6EFF-6D9ADE7E836E}"/>
+              </a:ext>
+            </a:extLst>
+          </p:cNvPr>
+          <p:cNvSpPr txBox="1"/>
+          <p:nvPr/>
+        </p:nvSpPr>
+        <p:spPr>
+          <a:xfrm>
+            <a:off x="-3395096" y="2109628"/>
+            <a:ext cx="3923669" cy="1340752"/>
+          </a:xfrm>
+          <a:prstGeom prst="rect">
+            <a:avLst/>
+          </a:prstGeom>
+          <a:noFill/>
+        </p:spPr>
+        <p:txBody>
+          <a:bodyPr wrap="square" rtlCol="0">
+            <a:spAutoFit/>
+          </a:bodyPr>
+          <a:lstStyle/>
+          <a:p>
+            <a:pPr>
+              <a:lnSpc>
+                <a:spcPct val="150000"/>
+              </a:lnSpc>
+            </a:pPr>
+            <a:r>
+              <a:rPr lang="en-US" altLang="ko-KR" sz="1100" dirty="0">
+                <a:solidFill>
+                  <a:schemeClr val="bg1">
+                    <a:lumMod val="50000"/>
+                  </a:schemeClr>
+                </a:solidFill>
+                <a:latin typeface="G마켓 산스 TTF Bold" panose="02000000000000000000" pitchFamily="2" charset="-127"/>
+                <a:ea typeface="G마켓 산스 TTF Bold" panose="02000000000000000000" pitchFamily="2" charset="-127"/>
+              </a:rPr>
+              <a:t>Chat GPT API </a:t>
+            </a:r>
+            <a:r>
+              <a:rPr lang="ko-KR" altLang="en-US" sz="1100" dirty="0">
+                <a:solidFill>
+                  <a:schemeClr val="bg1">
+                    <a:lumMod val="50000"/>
+                  </a:schemeClr>
+                </a:solidFill>
+                <a:latin typeface="G마켓 산스 TTF Bold" panose="02000000000000000000" pitchFamily="2" charset="-127"/>
+                <a:ea typeface="G마켓 산스 TTF Bold" panose="02000000000000000000" pitchFamily="2" charset="-127"/>
+              </a:rPr>
+              <a:t>전송</a:t>
+            </a:r>
+            <a:endParaRPr lang="en-US" altLang="ko-KR" sz="1100" dirty="0">
+              <a:solidFill>
+                <a:schemeClr val="bg1">
+                  <a:lumMod val="50000"/>
+                </a:schemeClr>
+              </a:solidFill>
+              <a:latin typeface="G마켓 산스 TTF Bold" panose="02000000000000000000" pitchFamily="2" charset="-127"/>
+              <a:ea typeface="G마켓 산스 TTF Bold" panose="02000000000000000000" pitchFamily="2" charset="-127"/>
+            </a:endParaRPr>
+          </a:p>
+          <a:p>
+            <a:pPr>
+              <a:lnSpc>
+                <a:spcPct val="150000"/>
+              </a:lnSpc>
+            </a:pPr>
+            <a:r>
+              <a:rPr lang="ko-KR" altLang="en-US" sz="1100" dirty="0">
+                <a:solidFill>
+                  <a:schemeClr val="bg1">
+                    <a:lumMod val="50000"/>
+                  </a:schemeClr>
+                </a:solidFill>
+                <a:latin typeface="G마켓 산스 TTF Bold" panose="02000000000000000000" pitchFamily="2" charset="-127"/>
+                <a:ea typeface="G마켓 산스 TTF Bold" panose="02000000000000000000" pitchFamily="2" charset="-127"/>
+              </a:rPr>
+              <a:t>요구사항 분석 및 </a:t>
+            </a:r>
+            <a:r>
+              <a:rPr lang="en-US" altLang="ko-KR" sz="1100" dirty="0">
+                <a:solidFill>
+                  <a:schemeClr val="bg1">
+                    <a:lumMod val="50000"/>
+                  </a:schemeClr>
+                </a:solidFill>
+                <a:latin typeface="G마켓 산스 TTF Bold" panose="02000000000000000000" pitchFamily="2" charset="-127"/>
+                <a:ea typeface="G마켓 산스 TTF Bold" panose="02000000000000000000" pitchFamily="2" charset="-127"/>
+              </a:rPr>
+              <a:t>NoSQL </a:t>
+            </a:r>
+            <a:r>
+              <a:rPr lang="ko-KR" altLang="en-US" sz="1100" dirty="0">
+                <a:solidFill>
+                  <a:schemeClr val="bg1">
+                    <a:lumMod val="50000"/>
+                  </a:schemeClr>
+                </a:solidFill>
+                <a:latin typeface="G마켓 산스 TTF Bold" panose="02000000000000000000" pitchFamily="2" charset="-127"/>
+                <a:ea typeface="G마켓 산스 TTF Bold" panose="02000000000000000000" pitchFamily="2" charset="-127"/>
+              </a:rPr>
+              <a:t>설계</a:t>
+            </a:r>
+            <a:endParaRPr lang="en-US" altLang="ko-KR" sz="1100" dirty="0">
+              <a:solidFill>
+                <a:schemeClr val="bg1">
+                  <a:lumMod val="50000"/>
+                </a:schemeClr>
+              </a:solidFill>
+              <a:latin typeface="G마켓 산스 TTF Bold" panose="02000000000000000000" pitchFamily="2" charset="-127"/>
+              <a:ea typeface="G마켓 산스 TTF Bold" panose="02000000000000000000" pitchFamily="2" charset="-127"/>
+            </a:endParaRPr>
+          </a:p>
+          <a:p>
+            <a:pPr>
+              <a:lnSpc>
+                <a:spcPct val="150000"/>
+              </a:lnSpc>
+            </a:pPr>
+            <a:r>
+              <a:rPr lang="ko-KR" altLang="en-US" sz="1100" dirty="0">
+                <a:solidFill>
+                  <a:schemeClr val="bg1">
+                    <a:lumMod val="50000"/>
+                  </a:schemeClr>
+                </a:solidFill>
+                <a:latin typeface="G마켓 산스 TTF Bold" panose="02000000000000000000" pitchFamily="2" charset="-127"/>
+                <a:ea typeface="G마켓 산스 TTF Bold" panose="02000000000000000000" pitchFamily="2" charset="-127"/>
+              </a:rPr>
+              <a:t>비정형 데이터 분류 및</a:t>
+            </a:r>
+            <a:r>
+              <a:rPr lang="en-US" altLang="ko-KR" sz="1100" dirty="0">
+                <a:solidFill>
+                  <a:schemeClr val="bg1">
+                    <a:lumMod val="50000"/>
+                  </a:schemeClr>
+                </a:solidFill>
+                <a:latin typeface="G마켓 산스 TTF Bold" panose="02000000000000000000" pitchFamily="2" charset="-127"/>
+                <a:ea typeface="G마켓 산스 TTF Bold" panose="02000000000000000000" pitchFamily="2" charset="-127"/>
+              </a:rPr>
+              <a:t> </a:t>
+            </a:r>
+            <a:r>
+              <a:rPr lang="ko-KR" altLang="en-US" sz="1100" dirty="0">
+                <a:solidFill>
+                  <a:schemeClr val="bg1">
+                    <a:lumMod val="50000"/>
+                  </a:schemeClr>
+                </a:solidFill>
+                <a:latin typeface="G마켓 산스 TTF Bold" panose="02000000000000000000" pitchFamily="2" charset="-127"/>
+                <a:ea typeface="G마켓 산스 TTF Bold" panose="02000000000000000000" pitchFamily="2" charset="-127"/>
+              </a:rPr>
+              <a:t>적재</a:t>
+            </a:r>
+            <a:r>
+              <a:rPr lang="en-US" altLang="ko-KR" sz="1100" dirty="0">
+                <a:solidFill>
+                  <a:schemeClr val="bg1">
+                    <a:lumMod val="50000"/>
+                  </a:schemeClr>
+                </a:solidFill>
+                <a:latin typeface="G마켓 산스 TTF Bold" panose="02000000000000000000" pitchFamily="2" charset="-127"/>
+                <a:ea typeface="G마켓 산스 TTF Bold" panose="02000000000000000000" pitchFamily="2" charset="-127"/>
+              </a:rPr>
+              <a:t>(MongoDB)</a:t>
+            </a:r>
+          </a:p>
+          <a:p>
+            <a:pPr>
+              <a:lnSpc>
+                <a:spcPct val="150000"/>
+              </a:lnSpc>
+            </a:pPr>
+            <a:r>
+              <a:rPr lang="en-US" altLang="ko-KR" sz="1100" dirty="0">
+                <a:solidFill>
+                  <a:schemeClr val="bg1">
+                    <a:lumMod val="50000"/>
+                  </a:schemeClr>
+                </a:solidFill>
+                <a:latin typeface="G마켓 산스 TTF Bold" panose="02000000000000000000" pitchFamily="2" charset="-127"/>
+                <a:ea typeface="G마켓 산스 TTF Bold" panose="02000000000000000000" pitchFamily="2" charset="-127"/>
+              </a:rPr>
+              <a:t>Fast API </a:t>
+            </a:r>
+            <a:r>
+              <a:rPr lang="ko-KR" altLang="en-US" sz="1100" dirty="0">
+                <a:solidFill>
+                  <a:schemeClr val="bg1">
+                    <a:lumMod val="50000"/>
+                  </a:schemeClr>
+                </a:solidFill>
+                <a:latin typeface="G마켓 산스 TTF Bold" panose="02000000000000000000" pitchFamily="2" charset="-127"/>
+                <a:ea typeface="G마켓 산스 TTF Bold" panose="02000000000000000000" pitchFamily="2" charset="-127"/>
+              </a:rPr>
+              <a:t>서버 요구사항 전송</a:t>
+            </a:r>
+            <a:endParaRPr lang="en-US" altLang="ko-KR" sz="1100" dirty="0">
+              <a:solidFill>
+                <a:schemeClr val="bg1">
+                  <a:lumMod val="50000"/>
+                </a:schemeClr>
+              </a:solidFill>
+              <a:latin typeface="G마켓 산스 TTF Bold" panose="02000000000000000000" pitchFamily="2" charset="-127"/>
+              <a:ea typeface="G마켓 산스 TTF Bold" panose="02000000000000000000" pitchFamily="2" charset="-127"/>
+            </a:endParaRPr>
+          </a:p>
+          <a:p>
+            <a:pPr>
+              <a:lnSpc>
+                <a:spcPct val="150000"/>
+              </a:lnSpc>
+            </a:pPr>
+            <a:r>
+              <a:rPr lang="en-US" altLang="ko-KR" sz="1100" dirty="0">
+                <a:solidFill>
+                  <a:schemeClr val="bg1">
+                    <a:lumMod val="50000"/>
+                  </a:schemeClr>
+                </a:solidFill>
+                <a:latin typeface="G마켓 산스 TTF Bold" panose="02000000000000000000" pitchFamily="2" charset="-127"/>
+                <a:ea typeface="G마켓 산스 TTF Bold" panose="02000000000000000000" pitchFamily="2" charset="-127"/>
+              </a:rPr>
+              <a:t>S3 </a:t>
+            </a:r>
+            <a:r>
+              <a:rPr lang="ko-KR" altLang="en-US" sz="1100" dirty="0">
+                <a:solidFill>
+                  <a:schemeClr val="bg1">
+                    <a:lumMod val="50000"/>
+                  </a:schemeClr>
+                </a:solidFill>
+                <a:latin typeface="G마켓 산스 TTF Bold" panose="02000000000000000000" pitchFamily="2" charset="-127"/>
+                <a:ea typeface="G마켓 산스 TTF Bold" panose="02000000000000000000" pitchFamily="2" charset="-127"/>
+              </a:rPr>
+              <a:t>서버 </a:t>
+            </a:r>
+            <a:r>
+              <a:rPr lang="en-US" altLang="ko-KR" sz="1100" dirty="0">
+                <a:solidFill>
+                  <a:schemeClr val="bg1">
+                    <a:lumMod val="50000"/>
+                  </a:schemeClr>
+                </a:solidFill>
+                <a:latin typeface="G마켓 산스 TTF Bold" panose="02000000000000000000" pitchFamily="2" charset="-127"/>
+                <a:ea typeface="G마켓 산스 TTF Bold" panose="02000000000000000000" pitchFamily="2" charset="-127"/>
+              </a:rPr>
+              <a:t>CSV </a:t>
+            </a:r>
+            <a:r>
+              <a:rPr lang="ko-KR" altLang="en-US" sz="1100" dirty="0">
+                <a:solidFill>
+                  <a:schemeClr val="bg1">
+                    <a:lumMod val="50000"/>
+                  </a:schemeClr>
+                </a:solidFill>
+                <a:latin typeface="G마켓 산스 TTF Bold" panose="02000000000000000000" pitchFamily="2" charset="-127"/>
+                <a:ea typeface="G마켓 산스 TTF Bold" panose="02000000000000000000" pitchFamily="2" charset="-127"/>
+              </a:rPr>
+              <a:t>파일 저장</a:t>
+            </a:r>
+          </a:p>
+        </p:txBody>
+      </p:sp>
+      <p:sp>
+        <p:nvSpPr>
+          <p:cNvPr id="7" name="TextBox 6">
+            <a:extLst>
+              <a:ext uri="{FF2B5EF4-FFF2-40B4-BE49-F238E27FC236}">
+                <a16:creationId xmlns:a16="http://schemas.microsoft.com/office/drawing/2014/main" id="{6A0AEA32-A9A4-79A1-27BE-707366667B86}"/>
+              </a:ext>
+            </a:extLst>
+          </p:cNvPr>
+          <p:cNvSpPr txBox="1"/>
+          <p:nvPr/>
+        </p:nvSpPr>
+        <p:spPr>
+          <a:xfrm>
+            <a:off x="776139" y="2865568"/>
+            <a:ext cx="4834975" cy="388568"/>
+          </a:xfrm>
+          <a:prstGeom prst="rect">
+            <a:avLst/>
+          </a:prstGeom>
+          <a:noFill/>
+        </p:spPr>
+        <p:txBody>
+          <a:bodyPr wrap="square" rtlCol="0">
+            <a:spAutoFit/>
+          </a:bodyPr>
+          <a:lstStyle/>
+          <a:p>
+            <a:pPr>
+              <a:lnSpc>
+                <a:spcPct val="150000"/>
+              </a:lnSpc>
+            </a:pPr>
+            <a:r>
+              <a:rPr lang="en-US" altLang="ko-KR" sz="1400" dirty="0">
+                <a:solidFill>
+                  <a:schemeClr val="tx1">
+                    <a:lumMod val="65000"/>
+                    <a:lumOff val="35000"/>
+                  </a:schemeClr>
+                </a:solidFill>
+                <a:latin typeface="G마켓 산스 TTF Bold" panose="02000000000000000000" pitchFamily="2" charset="-127"/>
+                <a:ea typeface="G마켓 산스 TTF Bold" panose="02000000000000000000" pitchFamily="2" charset="-127"/>
+              </a:rPr>
+              <a:t>3. .CSV </a:t>
+            </a:r>
+            <a:r>
+              <a:rPr lang="ko-KR" altLang="en-US" sz="1400" dirty="0">
+                <a:solidFill>
+                  <a:schemeClr val="tx1">
+                    <a:lumMod val="65000"/>
+                    <a:lumOff val="35000"/>
+                  </a:schemeClr>
+                </a:solidFill>
+                <a:latin typeface="G마켓 산스 TTF Bold" panose="02000000000000000000" pitchFamily="2" charset="-127"/>
+                <a:ea typeface="G마켓 산스 TTF Bold" panose="02000000000000000000" pitchFamily="2" charset="-127"/>
+              </a:rPr>
+              <a:t>파일 </a:t>
+            </a:r>
+            <a:r>
+              <a:rPr lang="en-US" altLang="ko-KR" sz="1400" dirty="0">
+                <a:solidFill>
+                  <a:schemeClr val="tx1">
+                    <a:lumMod val="65000"/>
+                    <a:lumOff val="35000"/>
+                  </a:schemeClr>
+                </a:solidFill>
+                <a:latin typeface="G마켓 산스 TTF Bold" panose="02000000000000000000" pitchFamily="2" charset="-127"/>
+                <a:ea typeface="G마켓 산스 TTF Bold" panose="02000000000000000000" pitchFamily="2" charset="-127"/>
+              </a:rPr>
+              <a:t>S3</a:t>
+            </a:r>
+            <a:r>
+              <a:rPr lang="ko-KR" altLang="en-US" sz="1400" dirty="0">
+                <a:solidFill>
+                  <a:schemeClr val="tx1">
+                    <a:lumMod val="65000"/>
+                    <a:lumOff val="35000"/>
+                  </a:schemeClr>
+                </a:solidFill>
+                <a:latin typeface="G마켓 산스 TTF Bold" panose="02000000000000000000" pitchFamily="2" charset="-127"/>
+                <a:ea typeface="G마켓 산스 TTF Bold" panose="02000000000000000000" pitchFamily="2" charset="-127"/>
+              </a:rPr>
+              <a:t>에 저장 및 유저 요청 사항 </a:t>
+            </a:r>
+            <a:r>
+              <a:rPr lang="en-US" altLang="ko-KR" sz="1400" dirty="0">
+                <a:solidFill>
+                  <a:schemeClr val="tx1">
+                    <a:lumMod val="65000"/>
+                    <a:lumOff val="35000"/>
+                  </a:schemeClr>
+                </a:solidFill>
+                <a:latin typeface="G마켓 산스 TTF Bold" panose="02000000000000000000" pitchFamily="2" charset="-127"/>
+                <a:ea typeface="G마켓 산스 TTF Bold" panose="02000000000000000000" pitchFamily="2" charset="-127"/>
+              </a:rPr>
+              <a:t>LLM </a:t>
+            </a:r>
+            <a:r>
+              <a:rPr lang="ko-KR" altLang="en-US" sz="1400" dirty="0">
+                <a:solidFill>
+                  <a:schemeClr val="tx1">
+                    <a:lumMod val="65000"/>
+                    <a:lumOff val="35000"/>
+                  </a:schemeClr>
+                </a:solidFill>
+                <a:latin typeface="G마켓 산스 TTF Bold" panose="02000000000000000000" pitchFamily="2" charset="-127"/>
+                <a:ea typeface="G마켓 산스 TTF Bold" panose="02000000000000000000" pitchFamily="2" charset="-127"/>
+              </a:rPr>
+              <a:t>분석</a:t>
+            </a:r>
+            <a:endParaRPr lang="en-US" altLang="ko-KR" sz="1400" dirty="0">
+              <a:solidFill>
+                <a:schemeClr val="tx1">
+                  <a:lumMod val="65000"/>
+                  <a:lumOff val="35000"/>
+                </a:schemeClr>
+              </a:solidFill>
+              <a:latin typeface="G마켓 산스 TTF Bold" panose="02000000000000000000" pitchFamily="2" charset="-127"/>
+              <a:ea typeface="G마켓 산스 TTF Bold" panose="02000000000000000000" pitchFamily="2" charset="-127"/>
+            </a:endParaRPr>
+          </a:p>
+        </p:txBody>
+      </p:sp>
+      <p:sp>
+        <p:nvSpPr>
+          <p:cNvPr id="17" name="TextBox 16">
+            <a:extLst>
+              <a:ext uri="{FF2B5EF4-FFF2-40B4-BE49-F238E27FC236}">
+                <a16:creationId xmlns:a16="http://schemas.microsoft.com/office/drawing/2014/main" id="{BA8B602A-1C11-3154-C568-AE14710E8960}"/>
+              </a:ext>
+            </a:extLst>
+          </p:cNvPr>
+          <p:cNvSpPr txBox="1"/>
+          <p:nvPr/>
+        </p:nvSpPr>
+        <p:spPr>
+          <a:xfrm>
+            <a:off x="776144" y="3441919"/>
+            <a:ext cx="4834975" cy="902170"/>
+          </a:xfrm>
+          <a:prstGeom prst="rect">
+            <a:avLst/>
+          </a:prstGeom>
+          <a:noFill/>
+        </p:spPr>
+        <p:txBody>
+          <a:bodyPr wrap="square" rtlCol="0">
+            <a:spAutoFit/>
+          </a:bodyPr>
+          <a:lstStyle/>
+          <a:p>
+            <a:pPr>
+              <a:lnSpc>
+                <a:spcPct val="150000"/>
+              </a:lnSpc>
+            </a:pPr>
+            <a:r>
+              <a:rPr lang="en-US" altLang="ko-KR" sz="1400" dirty="0">
+                <a:solidFill>
+                  <a:schemeClr val="tx1">
+                    <a:lumMod val="65000"/>
+                    <a:lumOff val="35000"/>
+                  </a:schemeClr>
+                </a:solidFill>
+                <a:latin typeface="G마켓 산스 TTF Bold" panose="02000000000000000000" pitchFamily="2" charset="-127"/>
+                <a:ea typeface="G마켓 산스 TTF Bold" panose="02000000000000000000" pitchFamily="2" charset="-127"/>
+              </a:rPr>
+              <a:t>4. LLM </a:t>
+            </a:r>
+            <a:r>
+              <a:rPr lang="ko-KR" altLang="en-US" sz="1400" dirty="0">
+                <a:solidFill>
+                  <a:schemeClr val="tx1">
+                    <a:lumMod val="65000"/>
+                    <a:lumOff val="35000"/>
+                  </a:schemeClr>
+                </a:solidFill>
+                <a:latin typeface="G마켓 산스 TTF Bold" panose="02000000000000000000" pitchFamily="2" charset="-127"/>
+                <a:ea typeface="G마켓 산스 TTF Bold" panose="02000000000000000000" pitchFamily="2" charset="-127"/>
+              </a:rPr>
+              <a:t>메타 데이터 필터링</a:t>
+            </a:r>
+            <a:endParaRPr lang="en-US" altLang="ko-KR" sz="1400" dirty="0">
+              <a:solidFill>
+                <a:schemeClr val="tx1">
+                  <a:lumMod val="65000"/>
+                  <a:lumOff val="35000"/>
+                </a:schemeClr>
+              </a:solidFill>
+              <a:latin typeface="G마켓 산스 TTF Bold" panose="02000000000000000000" pitchFamily="2" charset="-127"/>
+              <a:ea typeface="G마켓 산스 TTF Bold" panose="02000000000000000000" pitchFamily="2" charset="-127"/>
+            </a:endParaRPr>
+          </a:p>
+          <a:p>
+            <a:pPr>
+              <a:lnSpc>
+                <a:spcPct val="150000"/>
+              </a:lnSpc>
+            </a:pPr>
+            <a:r>
+              <a:rPr lang="en-US" altLang="ko-KR" sz="1050" dirty="0">
+                <a:solidFill>
+                  <a:schemeClr val="tx1">
+                    <a:lumMod val="50000"/>
+                    <a:lumOff val="50000"/>
+                  </a:schemeClr>
+                </a:solidFill>
+                <a:latin typeface="G마켓 산스 TTF Bold" panose="02000000000000000000" pitchFamily="2" charset="-127"/>
+                <a:ea typeface="G마켓 산스 TTF Bold" panose="02000000000000000000" pitchFamily="2" charset="-127"/>
+              </a:rPr>
+              <a:t>     1) LLM</a:t>
+            </a:r>
+            <a:r>
+              <a:rPr lang="ko-KR" altLang="en-US" sz="1050" dirty="0">
+                <a:solidFill>
+                  <a:schemeClr val="tx1">
+                    <a:lumMod val="50000"/>
+                    <a:lumOff val="50000"/>
+                  </a:schemeClr>
+                </a:solidFill>
+                <a:latin typeface="G마켓 산스 TTF Bold" panose="02000000000000000000" pitchFamily="2" charset="-127"/>
+                <a:ea typeface="G마켓 산스 TTF Bold" panose="02000000000000000000" pitchFamily="2" charset="-127"/>
+              </a:rPr>
+              <a:t> 추천 모델</a:t>
+            </a:r>
+            <a:r>
+              <a:rPr lang="en-US" altLang="ko-KR" sz="1050" dirty="0">
+                <a:solidFill>
+                  <a:schemeClr val="tx1">
+                    <a:lumMod val="50000"/>
+                    <a:lumOff val="50000"/>
+                  </a:schemeClr>
+                </a:solidFill>
+                <a:latin typeface="G마켓 산스 TTF Bold" panose="02000000000000000000" pitchFamily="2" charset="-127"/>
+                <a:ea typeface="G마켓 산스 TTF Bold" panose="02000000000000000000" pitchFamily="2" charset="-127"/>
+              </a:rPr>
+              <a:t>(JSON)</a:t>
+            </a:r>
+            <a:r>
+              <a:rPr lang="ko-KR" altLang="en-US" sz="1050" dirty="0">
+                <a:solidFill>
+                  <a:schemeClr val="tx1">
+                    <a:lumMod val="50000"/>
+                    <a:lumOff val="50000"/>
+                  </a:schemeClr>
+                </a:solidFill>
+                <a:latin typeface="G마켓 산스 TTF Bold" panose="02000000000000000000" pitchFamily="2" charset="-127"/>
+                <a:ea typeface="G마켓 산스 TTF Bold" panose="02000000000000000000" pitchFamily="2" charset="-127"/>
+              </a:rPr>
+              <a:t> </a:t>
+            </a:r>
+            <a:r>
+              <a:rPr lang="en-US" altLang="ko-KR" sz="1050" dirty="0" err="1">
+                <a:solidFill>
+                  <a:schemeClr val="tx1">
+                    <a:lumMod val="50000"/>
+                    <a:lumOff val="50000"/>
+                  </a:schemeClr>
+                </a:solidFill>
+                <a:latin typeface="G마켓 산스 TTF Bold" panose="02000000000000000000" pitchFamily="2" charset="-127"/>
+                <a:ea typeface="G마켓 산스 TTF Bold" panose="02000000000000000000" pitchFamily="2" charset="-127"/>
+              </a:rPr>
+              <a:t>isSelected</a:t>
+            </a:r>
+            <a:r>
+              <a:rPr lang="ko-KR" altLang="en-US" sz="1050" dirty="0">
+                <a:solidFill>
+                  <a:schemeClr val="tx1">
+                    <a:lumMod val="50000"/>
+                    <a:lumOff val="50000"/>
+                  </a:schemeClr>
+                </a:solidFill>
+                <a:latin typeface="G마켓 산스 TTF Bold" panose="02000000000000000000" pitchFamily="2" charset="-127"/>
+                <a:ea typeface="G마켓 산스 TTF Bold" panose="02000000000000000000" pitchFamily="2" charset="-127"/>
+              </a:rPr>
+              <a:t> 변수 삽입</a:t>
+            </a:r>
+            <a:endParaRPr lang="en-US" altLang="ko-KR" sz="1050" dirty="0">
+              <a:solidFill>
+                <a:schemeClr val="tx1">
+                  <a:lumMod val="50000"/>
+                  <a:lumOff val="50000"/>
+                </a:schemeClr>
+              </a:solidFill>
+              <a:latin typeface="G마켓 산스 TTF Bold" panose="02000000000000000000" pitchFamily="2" charset="-127"/>
+              <a:ea typeface="G마켓 산스 TTF Bold" panose="02000000000000000000" pitchFamily="2" charset="-127"/>
+            </a:endParaRPr>
+          </a:p>
+          <a:p>
+            <a:pPr>
+              <a:lnSpc>
+                <a:spcPct val="150000"/>
+              </a:lnSpc>
+            </a:pPr>
+            <a:r>
+              <a:rPr lang="en-US" altLang="ko-KR" sz="1050" dirty="0">
+                <a:solidFill>
+                  <a:schemeClr val="tx1">
+                    <a:lumMod val="50000"/>
+                    <a:lumOff val="50000"/>
+                  </a:schemeClr>
+                </a:solidFill>
+                <a:latin typeface="G마켓 산스 TTF Bold" panose="02000000000000000000" pitchFamily="2" charset="-127"/>
+                <a:ea typeface="G마켓 산스 TTF Bold" panose="02000000000000000000" pitchFamily="2" charset="-127"/>
+              </a:rPr>
+              <a:t>     2) LLM </a:t>
+            </a:r>
+            <a:r>
+              <a:rPr lang="ko-KR" altLang="en-US" sz="1050" dirty="0">
+                <a:solidFill>
+                  <a:schemeClr val="tx1">
+                    <a:lumMod val="50000"/>
+                    <a:lumOff val="50000"/>
+                  </a:schemeClr>
+                </a:solidFill>
+                <a:latin typeface="G마켓 산스 TTF Bold" panose="02000000000000000000" pitchFamily="2" charset="-127"/>
+                <a:ea typeface="G마켓 산스 TTF Bold" panose="02000000000000000000" pitchFamily="2" charset="-127"/>
+              </a:rPr>
+              <a:t>추천 모델 </a:t>
+            </a:r>
+            <a:r>
+              <a:rPr lang="en-US" altLang="ko-KR" sz="1050" dirty="0">
+                <a:solidFill>
+                  <a:schemeClr val="tx1">
+                    <a:lumMod val="50000"/>
+                    <a:lumOff val="50000"/>
+                  </a:schemeClr>
+                </a:solidFill>
+                <a:latin typeface="G마켓 산스 TTF Bold" panose="02000000000000000000" pitchFamily="2" charset="-127"/>
+                <a:ea typeface="G마켓 산스 TTF Bold" panose="02000000000000000000" pitchFamily="2" charset="-127"/>
+              </a:rPr>
+              <a:t>(JSON) MongoDB collection </a:t>
+            </a:r>
+            <a:r>
+              <a:rPr lang="ko-KR" altLang="en-US" sz="1050" dirty="0">
+                <a:solidFill>
+                  <a:schemeClr val="tx1">
+                    <a:lumMod val="50000"/>
+                    <a:lumOff val="50000"/>
+                  </a:schemeClr>
+                </a:solidFill>
+                <a:latin typeface="G마켓 산스 TTF Bold" panose="02000000000000000000" pitchFamily="2" charset="-127"/>
+                <a:ea typeface="G마켓 산스 TTF Bold" panose="02000000000000000000" pitchFamily="2" charset="-127"/>
+              </a:rPr>
+              <a:t>저장</a:t>
+            </a:r>
+            <a:endParaRPr lang="en-US" altLang="ko-KR" sz="1400" dirty="0">
+              <a:solidFill>
+                <a:schemeClr val="tx1">
+                  <a:lumMod val="50000"/>
+                  <a:lumOff val="50000"/>
+                </a:schemeClr>
+              </a:solidFill>
+              <a:latin typeface="G마켓 산스 TTF Bold" panose="02000000000000000000" pitchFamily="2" charset="-127"/>
+              <a:ea typeface="G마켓 산스 TTF Bold" panose="02000000000000000000" pitchFamily="2" charset="-127"/>
+            </a:endParaRPr>
+          </a:p>
+        </p:txBody>
+      </p:sp>
+      <p:sp>
+        <p:nvSpPr>
+          <p:cNvPr id="19" name="TextBox 18">
+            <a:extLst>
+              <a:ext uri="{FF2B5EF4-FFF2-40B4-BE49-F238E27FC236}">
+                <a16:creationId xmlns:a16="http://schemas.microsoft.com/office/drawing/2014/main" id="{56B4DBBC-383F-5613-6610-98C8124E11A3}"/>
+              </a:ext>
+            </a:extLst>
+          </p:cNvPr>
+          <p:cNvSpPr txBox="1"/>
+          <p:nvPr/>
+        </p:nvSpPr>
+        <p:spPr>
+          <a:xfrm>
+            <a:off x="776143" y="4454744"/>
+            <a:ext cx="4834975" cy="880049"/>
+          </a:xfrm>
+          <a:prstGeom prst="rect">
+            <a:avLst/>
+          </a:prstGeom>
+          <a:noFill/>
+        </p:spPr>
+        <p:txBody>
+          <a:bodyPr wrap="square" rtlCol="0">
+            <a:spAutoFit/>
+          </a:bodyPr>
+          <a:lstStyle/>
+          <a:p>
+            <a:pPr>
+              <a:lnSpc>
+                <a:spcPct val="150000"/>
+              </a:lnSpc>
+            </a:pPr>
+            <a:r>
+              <a:rPr lang="en-US" altLang="ko-KR" sz="1400" dirty="0">
+                <a:solidFill>
+                  <a:schemeClr val="tx1">
+                    <a:lumMod val="65000"/>
+                    <a:lumOff val="35000"/>
+                  </a:schemeClr>
+                </a:solidFill>
+                <a:latin typeface="G마켓 산스 TTF Bold" panose="02000000000000000000" pitchFamily="2" charset="-127"/>
+                <a:ea typeface="G마켓 산스 TTF Bold" panose="02000000000000000000" pitchFamily="2" charset="-127"/>
+              </a:rPr>
+              <a:t>5.</a:t>
+            </a:r>
+            <a:r>
+              <a:rPr lang="ko-KR" altLang="en-US" sz="1400" dirty="0">
+                <a:solidFill>
+                  <a:schemeClr val="tx1">
+                    <a:lumMod val="65000"/>
+                    <a:lumOff val="35000"/>
+                  </a:schemeClr>
+                </a:solidFill>
+                <a:latin typeface="G마켓 산스 TTF Bold" panose="02000000000000000000" pitchFamily="2" charset="-127"/>
+                <a:ea typeface="G마켓 산스 TTF Bold" panose="02000000000000000000" pitchFamily="2" charset="-127"/>
+              </a:rPr>
+              <a:t> 유저가 선택한 값 </a:t>
+            </a:r>
+            <a:r>
+              <a:rPr lang="en-US" altLang="ko-KR" sz="1400" dirty="0">
+                <a:solidFill>
+                  <a:schemeClr val="tx1">
+                    <a:lumMod val="65000"/>
+                    <a:lumOff val="35000"/>
+                  </a:schemeClr>
+                </a:solidFill>
+                <a:latin typeface="G마켓 산스 TTF Bold" panose="02000000000000000000" pitchFamily="2" charset="-127"/>
+                <a:ea typeface="G마켓 산스 TTF Bold" panose="02000000000000000000" pitchFamily="2" charset="-127"/>
+              </a:rPr>
+              <a:t>ML </a:t>
+            </a:r>
+            <a:r>
+              <a:rPr lang="ko-KR" altLang="en-US" sz="1400" dirty="0">
+                <a:solidFill>
+                  <a:schemeClr val="tx1">
+                    <a:lumMod val="65000"/>
+                    <a:lumOff val="35000"/>
+                  </a:schemeClr>
+                </a:solidFill>
+                <a:latin typeface="G마켓 산스 TTF Bold" panose="02000000000000000000" pitchFamily="2" charset="-127"/>
+                <a:ea typeface="G마켓 산스 TTF Bold" panose="02000000000000000000" pitchFamily="2" charset="-127"/>
+              </a:rPr>
+              <a:t>서버 전송</a:t>
+            </a:r>
+            <a:r>
+              <a:rPr lang="en-US" altLang="ko-KR" sz="1400" dirty="0">
+                <a:solidFill>
+                  <a:schemeClr val="tx1">
+                    <a:lumMod val="65000"/>
+                    <a:lumOff val="35000"/>
+                  </a:schemeClr>
+                </a:solidFill>
+                <a:latin typeface="G마켓 산스 TTF Bold" panose="02000000000000000000" pitchFamily="2" charset="-127"/>
+                <a:ea typeface="G마켓 산스 TTF Bold" panose="02000000000000000000" pitchFamily="2" charset="-127"/>
+              </a:rPr>
+              <a:t>(</a:t>
+            </a:r>
+            <a:r>
+              <a:rPr lang="en-US" altLang="ko-KR" sz="1400" dirty="0" err="1">
+                <a:solidFill>
+                  <a:schemeClr val="tx1">
+                    <a:lumMod val="65000"/>
+                    <a:lumOff val="35000"/>
+                  </a:schemeClr>
+                </a:solidFill>
+                <a:latin typeface="G마켓 산스 TTF Bold" panose="02000000000000000000" pitchFamily="2" charset="-127"/>
+                <a:ea typeface="G마켓 산스 TTF Bold" panose="02000000000000000000" pitchFamily="2" charset="-127"/>
+              </a:rPr>
+              <a:t>PastAPI</a:t>
+            </a:r>
+            <a:r>
+              <a:rPr lang="en-US" altLang="ko-KR" sz="1400" dirty="0">
+                <a:solidFill>
+                  <a:schemeClr val="tx1">
+                    <a:lumMod val="65000"/>
+                    <a:lumOff val="35000"/>
+                  </a:schemeClr>
+                </a:solidFill>
+                <a:latin typeface="G마켓 산스 TTF Bold" panose="02000000000000000000" pitchFamily="2" charset="-127"/>
+                <a:ea typeface="G마켓 산스 TTF Bold" panose="02000000000000000000" pitchFamily="2" charset="-127"/>
+              </a:rPr>
+              <a:t>) </a:t>
+            </a:r>
+          </a:p>
+          <a:p>
+            <a:pPr>
+              <a:lnSpc>
+                <a:spcPct val="150000"/>
+              </a:lnSpc>
+            </a:pPr>
+            <a:r>
+              <a:rPr lang="en-US" altLang="ko-KR" sz="1050" dirty="0">
+                <a:solidFill>
+                  <a:schemeClr val="tx1">
+                    <a:lumMod val="50000"/>
+                    <a:lumOff val="50000"/>
+                  </a:schemeClr>
+                </a:solidFill>
+                <a:latin typeface="G마켓 산스 TTF Bold" panose="02000000000000000000" pitchFamily="2" charset="-127"/>
+                <a:ea typeface="G마켓 산스 TTF Bold" panose="02000000000000000000" pitchFamily="2" charset="-127"/>
+              </a:rPr>
+              <a:t>     1) </a:t>
+            </a:r>
+            <a:r>
+              <a:rPr lang="ko-KR" altLang="en-US" sz="1050" dirty="0">
+                <a:solidFill>
+                  <a:schemeClr val="tx1">
+                    <a:lumMod val="50000"/>
+                    <a:lumOff val="50000"/>
+                  </a:schemeClr>
+                </a:solidFill>
+                <a:latin typeface="G마켓 산스 TTF Bold" panose="02000000000000000000" pitchFamily="2" charset="-127"/>
+                <a:ea typeface="G마켓 산스 TTF Bold" panose="02000000000000000000" pitchFamily="2" charset="-127"/>
+              </a:rPr>
+              <a:t>유저가 선택한 모델</a:t>
+            </a:r>
+            <a:r>
+              <a:rPr lang="en-US" altLang="ko-KR" sz="1050" dirty="0">
+                <a:solidFill>
+                  <a:schemeClr val="tx1">
+                    <a:lumMod val="50000"/>
+                    <a:lumOff val="50000"/>
+                  </a:schemeClr>
+                </a:solidFill>
+                <a:latin typeface="G마켓 산스 TTF Bold" panose="02000000000000000000" pitchFamily="2" charset="-127"/>
+                <a:ea typeface="G마켓 산스 TTF Bold" panose="02000000000000000000" pitchFamily="2" charset="-127"/>
+              </a:rPr>
+              <a:t>(JSON) </a:t>
+            </a:r>
+            <a:r>
+              <a:rPr lang="en-US" altLang="ko-KR" sz="1050" dirty="0" err="1">
+                <a:solidFill>
+                  <a:schemeClr val="tx1">
+                    <a:lumMod val="50000"/>
+                    <a:lumOff val="50000"/>
+                  </a:schemeClr>
+                </a:solidFill>
+                <a:latin typeface="G마켓 산스 TTF Bold" panose="02000000000000000000" pitchFamily="2" charset="-127"/>
+                <a:ea typeface="G마켓 산스 TTF Bold" panose="02000000000000000000" pitchFamily="2" charset="-127"/>
+              </a:rPr>
+              <a:t>IsSelected</a:t>
+            </a:r>
+            <a:r>
+              <a:rPr lang="en-US" altLang="ko-KR" sz="1050" dirty="0">
+                <a:solidFill>
+                  <a:schemeClr val="tx1">
+                    <a:lumMod val="50000"/>
+                    <a:lumOff val="50000"/>
+                  </a:schemeClr>
+                </a:solidFill>
+                <a:latin typeface="G마켓 산스 TTF Bold" panose="02000000000000000000" pitchFamily="2" charset="-127"/>
+                <a:ea typeface="G마켓 산스 TTF Bold" panose="02000000000000000000" pitchFamily="2" charset="-127"/>
+              </a:rPr>
+              <a:t> True</a:t>
+            </a:r>
+            <a:r>
+              <a:rPr lang="ko-KR" altLang="en-US" sz="1050" dirty="0">
+                <a:solidFill>
+                  <a:schemeClr val="tx1">
+                    <a:lumMod val="50000"/>
+                    <a:lumOff val="50000"/>
+                  </a:schemeClr>
+                </a:solidFill>
+                <a:latin typeface="G마켓 산스 TTF Bold" panose="02000000000000000000" pitchFamily="2" charset="-127"/>
+                <a:ea typeface="G마켓 산스 TTF Bold" panose="02000000000000000000" pitchFamily="2" charset="-127"/>
+              </a:rPr>
+              <a:t>로 변경</a:t>
+            </a:r>
+            <a:endParaRPr lang="en-US" altLang="ko-KR" sz="1050" dirty="0">
+              <a:solidFill>
+                <a:schemeClr val="tx1">
+                  <a:lumMod val="50000"/>
+                  <a:lumOff val="50000"/>
+                </a:schemeClr>
+              </a:solidFill>
+              <a:latin typeface="G마켓 산스 TTF Bold" panose="02000000000000000000" pitchFamily="2" charset="-127"/>
+              <a:ea typeface="G마켓 산스 TTF Bold" panose="02000000000000000000" pitchFamily="2" charset="-127"/>
+            </a:endParaRPr>
+          </a:p>
+          <a:p>
+            <a:pPr>
+              <a:lnSpc>
+                <a:spcPct val="150000"/>
+              </a:lnSpc>
+            </a:pPr>
+            <a:r>
+              <a:rPr lang="en-US" altLang="ko-KR" sz="1050" dirty="0">
+                <a:solidFill>
+                  <a:schemeClr val="tx1">
+                    <a:lumMod val="50000"/>
+                    <a:lumOff val="50000"/>
+                  </a:schemeClr>
+                </a:solidFill>
+                <a:latin typeface="G마켓 산스 TTF Bold" panose="02000000000000000000" pitchFamily="2" charset="-127"/>
+                <a:ea typeface="G마켓 산스 TTF Bold" panose="02000000000000000000" pitchFamily="2" charset="-127"/>
+              </a:rPr>
+              <a:t>     2)</a:t>
+            </a:r>
+            <a:r>
+              <a:rPr lang="ko-KR" altLang="en-US" sz="1050" dirty="0">
+                <a:solidFill>
+                  <a:schemeClr val="tx1">
+                    <a:lumMod val="50000"/>
+                    <a:lumOff val="50000"/>
+                  </a:schemeClr>
+                </a:solidFill>
+                <a:latin typeface="G마켓 산스 TTF Bold" panose="02000000000000000000" pitchFamily="2" charset="-127"/>
+                <a:ea typeface="G마켓 산스 TTF Bold" panose="02000000000000000000" pitchFamily="2" charset="-127"/>
+              </a:rPr>
+              <a:t>유저가 선택한 모델</a:t>
+            </a:r>
+            <a:r>
+              <a:rPr lang="en-US" altLang="ko-KR" sz="1050" dirty="0">
+                <a:solidFill>
+                  <a:schemeClr val="tx1">
+                    <a:lumMod val="50000"/>
+                    <a:lumOff val="50000"/>
+                  </a:schemeClr>
+                </a:solidFill>
+                <a:latin typeface="G마켓 산스 TTF Bold" panose="02000000000000000000" pitchFamily="2" charset="-127"/>
+                <a:ea typeface="G마켓 산스 TTF Bold" panose="02000000000000000000" pitchFamily="2" charset="-127"/>
+              </a:rPr>
+              <a:t>(JSON) MongoDB collection </a:t>
+            </a:r>
+            <a:r>
+              <a:rPr lang="ko-KR" altLang="en-US" sz="1050" dirty="0">
+                <a:solidFill>
+                  <a:schemeClr val="tx1">
+                    <a:lumMod val="50000"/>
+                    <a:lumOff val="50000"/>
+                  </a:schemeClr>
+                </a:solidFill>
+                <a:latin typeface="G마켓 산스 TTF Bold" panose="02000000000000000000" pitchFamily="2" charset="-127"/>
+                <a:ea typeface="G마켓 산스 TTF Bold" panose="02000000000000000000" pitchFamily="2" charset="-127"/>
+              </a:rPr>
+              <a:t>저장</a:t>
+            </a:r>
+            <a:endParaRPr lang="en-US" altLang="ko-KR" sz="1400" dirty="0">
+              <a:solidFill>
+                <a:schemeClr val="tx1">
+                  <a:lumMod val="50000"/>
+                  <a:lumOff val="50000"/>
+                </a:schemeClr>
+              </a:solidFill>
+              <a:latin typeface="G마켓 산스 TTF Bold" panose="02000000000000000000" pitchFamily="2" charset="-127"/>
+              <a:ea typeface="G마켓 산스 TTF Bold" panose="02000000000000000000" pitchFamily="2" charset="-127"/>
+            </a:endParaRPr>
+          </a:p>
+        </p:txBody>
+      </p:sp>
+      <p:sp>
+        <p:nvSpPr>
+          <p:cNvPr id="22" name="TextBox 21">
+            <a:extLst>
+              <a:ext uri="{FF2B5EF4-FFF2-40B4-BE49-F238E27FC236}">
+                <a16:creationId xmlns:a16="http://schemas.microsoft.com/office/drawing/2014/main" id="{E7E2C051-2949-CB82-01CF-C869254AE47B}"/>
+              </a:ext>
+            </a:extLst>
+          </p:cNvPr>
+          <p:cNvSpPr txBox="1"/>
+          <p:nvPr/>
+        </p:nvSpPr>
+        <p:spPr>
+          <a:xfrm>
+            <a:off x="776142" y="5550742"/>
+            <a:ext cx="4834975" cy="637675"/>
+          </a:xfrm>
+          <a:prstGeom prst="rect">
+            <a:avLst/>
+          </a:prstGeom>
+          <a:noFill/>
+        </p:spPr>
+        <p:txBody>
+          <a:bodyPr wrap="square" rtlCol="0">
+            <a:spAutoFit/>
+          </a:bodyPr>
+          <a:lstStyle/>
+          <a:p>
+            <a:pPr>
+              <a:lnSpc>
+                <a:spcPct val="150000"/>
+              </a:lnSpc>
+            </a:pPr>
+            <a:r>
+              <a:rPr lang="en-US" altLang="ko-KR" sz="1400" dirty="0">
+                <a:solidFill>
+                  <a:schemeClr val="tx1">
+                    <a:lumMod val="65000"/>
+                    <a:lumOff val="35000"/>
+                  </a:schemeClr>
+                </a:solidFill>
+                <a:latin typeface="G마켓 산스 TTF Bold" panose="02000000000000000000" pitchFamily="2" charset="-127"/>
+                <a:ea typeface="G마켓 산스 TTF Bold" panose="02000000000000000000" pitchFamily="2" charset="-127"/>
+              </a:rPr>
+              <a:t>6.</a:t>
+            </a:r>
+            <a:r>
+              <a:rPr lang="ko-KR" altLang="en-US" sz="1400" dirty="0">
+                <a:solidFill>
+                  <a:schemeClr val="tx1">
+                    <a:lumMod val="65000"/>
+                    <a:lumOff val="35000"/>
+                  </a:schemeClr>
+                </a:solidFill>
+                <a:latin typeface="G마켓 산스 TTF Bold" panose="02000000000000000000" pitchFamily="2" charset="-127"/>
+                <a:ea typeface="G마켓 산스 TTF Bold" panose="02000000000000000000" pitchFamily="2" charset="-127"/>
+              </a:rPr>
+              <a:t> </a:t>
+            </a:r>
+            <a:r>
+              <a:rPr lang="en-US" altLang="ko-KR" sz="1400" dirty="0">
+                <a:solidFill>
+                  <a:schemeClr val="tx1">
+                    <a:lumMod val="65000"/>
+                    <a:lumOff val="35000"/>
+                  </a:schemeClr>
+                </a:solidFill>
+                <a:latin typeface="G마켓 산스 TTF Bold" panose="02000000000000000000" pitchFamily="2" charset="-127"/>
+                <a:ea typeface="G마켓 산스 TTF Bold" panose="02000000000000000000" pitchFamily="2" charset="-127"/>
+              </a:rPr>
+              <a:t>ML </a:t>
+            </a:r>
+            <a:r>
+              <a:rPr lang="ko-KR" altLang="en-US" sz="1400" dirty="0">
+                <a:solidFill>
+                  <a:schemeClr val="tx1">
+                    <a:lumMod val="65000"/>
+                    <a:lumOff val="35000"/>
+                  </a:schemeClr>
+                </a:solidFill>
+                <a:latin typeface="G마켓 산스 TTF Bold" panose="02000000000000000000" pitchFamily="2" charset="-127"/>
+                <a:ea typeface="G마켓 산스 TTF Bold" panose="02000000000000000000" pitchFamily="2" charset="-127"/>
+              </a:rPr>
+              <a:t>서버</a:t>
+            </a:r>
+            <a:r>
+              <a:rPr lang="en-US" altLang="ko-KR" sz="1400" dirty="0">
+                <a:solidFill>
+                  <a:schemeClr val="tx1">
+                    <a:lumMod val="65000"/>
+                    <a:lumOff val="35000"/>
+                  </a:schemeClr>
+                </a:solidFill>
+                <a:latin typeface="G마켓 산스 TTF Bold" panose="02000000000000000000" pitchFamily="2" charset="-127"/>
+                <a:ea typeface="G마켓 산스 TTF Bold" panose="02000000000000000000" pitchFamily="2" charset="-127"/>
+              </a:rPr>
+              <a:t> </a:t>
+            </a:r>
+            <a:r>
+              <a:rPr lang="ko-KR" altLang="en-US" sz="1400" dirty="0">
+                <a:solidFill>
+                  <a:schemeClr val="tx1">
+                    <a:lumMod val="65000"/>
+                    <a:lumOff val="35000"/>
+                  </a:schemeClr>
+                </a:solidFill>
+                <a:latin typeface="G마켓 산스 TTF Bold" panose="02000000000000000000" pitchFamily="2" charset="-127"/>
+                <a:ea typeface="G마켓 산스 TTF Bold" panose="02000000000000000000" pitchFamily="2" charset="-127"/>
+              </a:rPr>
+              <a:t>결과 값을 </a:t>
+            </a:r>
+            <a:r>
+              <a:rPr lang="en-US" altLang="ko-KR" sz="1400" dirty="0">
+                <a:solidFill>
+                  <a:schemeClr val="tx1">
+                    <a:lumMod val="65000"/>
+                    <a:lumOff val="35000"/>
+                  </a:schemeClr>
+                </a:solidFill>
+                <a:latin typeface="G마켓 산스 TTF Bold" panose="02000000000000000000" pitchFamily="2" charset="-127"/>
+                <a:ea typeface="G마켓 산스 TTF Bold" panose="02000000000000000000" pitchFamily="2" charset="-127"/>
+              </a:rPr>
+              <a:t>LLM</a:t>
+            </a:r>
+            <a:r>
+              <a:rPr lang="ko-KR" altLang="en-US" sz="1400" dirty="0">
+                <a:solidFill>
+                  <a:schemeClr val="tx1">
+                    <a:lumMod val="65000"/>
+                    <a:lumOff val="35000"/>
+                  </a:schemeClr>
+                </a:solidFill>
+                <a:latin typeface="G마켓 산스 TTF Bold" panose="02000000000000000000" pitchFamily="2" charset="-127"/>
+                <a:ea typeface="G마켓 산스 TTF Bold" panose="02000000000000000000" pitchFamily="2" charset="-127"/>
+              </a:rPr>
+              <a:t> 설명 요청</a:t>
+            </a:r>
+            <a:endParaRPr lang="en-US" altLang="ko-KR" sz="1400" dirty="0">
+              <a:solidFill>
+                <a:schemeClr val="tx1">
+                  <a:lumMod val="65000"/>
+                  <a:lumOff val="35000"/>
+                </a:schemeClr>
+              </a:solidFill>
+              <a:latin typeface="G마켓 산스 TTF Bold" panose="02000000000000000000" pitchFamily="2" charset="-127"/>
+              <a:ea typeface="G마켓 산스 TTF Bold" panose="02000000000000000000" pitchFamily="2" charset="-127"/>
+            </a:endParaRPr>
+          </a:p>
+          <a:p>
+            <a:pPr>
+              <a:lnSpc>
+                <a:spcPct val="150000"/>
+              </a:lnSpc>
+            </a:pPr>
+            <a:r>
+              <a:rPr lang="en-US" altLang="ko-KR" sz="1050" dirty="0">
+                <a:solidFill>
+                  <a:schemeClr val="tx1">
+                    <a:lumMod val="50000"/>
+                    <a:lumOff val="50000"/>
+                  </a:schemeClr>
+                </a:solidFill>
+                <a:latin typeface="G마켓 산스 TTF Bold" panose="02000000000000000000" pitchFamily="2" charset="-127"/>
+                <a:ea typeface="G마켓 산스 TTF Bold" panose="02000000000000000000" pitchFamily="2" charset="-127"/>
+              </a:rPr>
+              <a:t>     1) </a:t>
+            </a:r>
+            <a:r>
+              <a:rPr lang="ko-KR" altLang="en-US" sz="1050" dirty="0">
+                <a:solidFill>
+                  <a:schemeClr val="tx1">
+                    <a:lumMod val="50000"/>
+                    <a:lumOff val="50000"/>
+                  </a:schemeClr>
+                </a:solidFill>
+                <a:latin typeface="G마켓 산스 TTF Bold" panose="02000000000000000000" pitchFamily="2" charset="-127"/>
+                <a:ea typeface="G마켓 산스 TTF Bold" panose="02000000000000000000" pitchFamily="2" charset="-127"/>
+              </a:rPr>
+              <a:t>모델 분석 결과</a:t>
+            </a:r>
+            <a:r>
+              <a:rPr lang="en-US" altLang="ko-KR" sz="1050" dirty="0">
+                <a:solidFill>
+                  <a:schemeClr val="tx1">
+                    <a:lumMod val="50000"/>
+                    <a:lumOff val="50000"/>
+                  </a:schemeClr>
+                </a:solidFill>
+                <a:latin typeface="G마켓 산스 TTF Bold" panose="02000000000000000000" pitchFamily="2" charset="-127"/>
+                <a:ea typeface="G마켓 산스 TTF Bold" panose="02000000000000000000" pitchFamily="2" charset="-127"/>
+              </a:rPr>
+              <a:t>(</a:t>
+            </a:r>
+            <a:r>
+              <a:rPr lang="en-US" altLang="ko-KR" sz="1050" dirty="0" err="1">
+                <a:solidFill>
+                  <a:schemeClr val="tx1">
+                    <a:lumMod val="50000"/>
+                    <a:lumOff val="50000"/>
+                  </a:schemeClr>
+                </a:solidFill>
+                <a:latin typeface="G마켓 산스 TTF Bold" panose="02000000000000000000" pitchFamily="2" charset="-127"/>
+                <a:ea typeface="G마켓 산스 TTF Bold" panose="02000000000000000000" pitchFamily="2" charset="-127"/>
+              </a:rPr>
+              <a:t>PastAPI</a:t>
+            </a:r>
+            <a:r>
+              <a:rPr lang="en-US" altLang="ko-KR" sz="1050" dirty="0">
+                <a:solidFill>
+                  <a:schemeClr val="tx1">
+                    <a:lumMod val="50000"/>
+                    <a:lumOff val="50000"/>
+                  </a:schemeClr>
+                </a:solidFill>
+                <a:latin typeface="G마켓 산스 TTF Bold" panose="02000000000000000000" pitchFamily="2" charset="-127"/>
+                <a:ea typeface="G마켓 산스 TTF Bold" panose="02000000000000000000" pitchFamily="2" charset="-127"/>
+              </a:rPr>
+              <a:t>) </a:t>
+            </a:r>
+            <a:r>
+              <a:rPr lang="ko-KR" altLang="en-US" sz="1050" dirty="0">
+                <a:solidFill>
+                  <a:schemeClr val="tx1">
+                    <a:lumMod val="50000"/>
+                    <a:lumOff val="50000"/>
+                  </a:schemeClr>
+                </a:solidFill>
+                <a:latin typeface="G마켓 산스 TTF Bold" panose="02000000000000000000" pitchFamily="2" charset="-127"/>
+                <a:ea typeface="G마켓 산스 TTF Bold" panose="02000000000000000000" pitchFamily="2" charset="-127"/>
+              </a:rPr>
+              <a:t>결과 값 </a:t>
+            </a:r>
+            <a:r>
+              <a:rPr lang="en-US" altLang="ko-KR" sz="1050" dirty="0">
+                <a:solidFill>
+                  <a:schemeClr val="tx1">
+                    <a:lumMod val="50000"/>
+                    <a:lumOff val="50000"/>
+                  </a:schemeClr>
+                </a:solidFill>
+                <a:latin typeface="G마켓 산스 TTF Bold" panose="02000000000000000000" pitchFamily="2" charset="-127"/>
+                <a:ea typeface="G마켓 산스 TTF Bold" panose="02000000000000000000" pitchFamily="2" charset="-127"/>
+              </a:rPr>
+              <a:t>MongoDB collection </a:t>
+            </a:r>
+            <a:r>
+              <a:rPr lang="ko-KR" altLang="en-US" sz="1050" dirty="0">
+                <a:solidFill>
+                  <a:schemeClr val="tx1">
+                    <a:lumMod val="50000"/>
+                    <a:lumOff val="50000"/>
+                  </a:schemeClr>
+                </a:solidFill>
+                <a:latin typeface="G마켓 산스 TTF Bold" panose="02000000000000000000" pitchFamily="2" charset="-127"/>
+                <a:ea typeface="G마켓 산스 TTF Bold" panose="02000000000000000000" pitchFamily="2" charset="-127"/>
+              </a:rPr>
+              <a:t>저장</a:t>
+            </a:r>
+            <a:endParaRPr lang="en-US" altLang="ko-KR" sz="1400" dirty="0">
+              <a:solidFill>
+                <a:schemeClr val="tx1">
+                  <a:lumMod val="50000"/>
+                  <a:lumOff val="50000"/>
+                </a:schemeClr>
+              </a:solidFill>
+              <a:latin typeface="G마켓 산스 TTF Bold" panose="02000000000000000000" pitchFamily="2" charset="-127"/>
+              <a:ea typeface="G마켓 산스 TTF Bold" panose="02000000000000000000" pitchFamily="2" charset="-127"/>
+            </a:endParaRPr>
+          </a:p>
+        </p:txBody>
+      </p:sp>
+      <p:sp>
+        <p:nvSpPr>
+          <p:cNvPr id="25" name="TextBox 24">
+            <a:extLst>
+              <a:ext uri="{FF2B5EF4-FFF2-40B4-BE49-F238E27FC236}">
+                <a16:creationId xmlns:a16="http://schemas.microsoft.com/office/drawing/2014/main" id="{40EC3018-733C-6224-2B1D-CD5CCE59C0DE}"/>
+              </a:ext>
+            </a:extLst>
+          </p:cNvPr>
+          <p:cNvSpPr txBox="1"/>
+          <p:nvPr/>
+        </p:nvSpPr>
+        <p:spPr>
+          <a:xfrm>
+            <a:off x="776141" y="6436106"/>
+            <a:ext cx="4834975" cy="637675"/>
+          </a:xfrm>
+          <a:prstGeom prst="rect">
+            <a:avLst/>
+          </a:prstGeom>
+          <a:noFill/>
+        </p:spPr>
+        <p:txBody>
+          <a:bodyPr wrap="square" rtlCol="0">
+            <a:spAutoFit/>
+          </a:bodyPr>
+          <a:lstStyle/>
+          <a:p>
+            <a:pPr>
+              <a:lnSpc>
+                <a:spcPct val="150000"/>
+              </a:lnSpc>
+            </a:pPr>
+            <a:r>
+              <a:rPr lang="en-US" altLang="ko-KR" sz="1400" dirty="0">
+                <a:solidFill>
+                  <a:schemeClr val="tx1">
+                    <a:lumMod val="65000"/>
+                    <a:lumOff val="35000"/>
+                  </a:schemeClr>
+                </a:solidFill>
+                <a:latin typeface="G마켓 산스 TTF Bold" panose="02000000000000000000" pitchFamily="2" charset="-127"/>
+                <a:ea typeface="G마켓 산스 TTF Bold" panose="02000000000000000000" pitchFamily="2" charset="-127"/>
+              </a:rPr>
+              <a:t>7.</a:t>
+            </a:r>
+            <a:r>
+              <a:rPr lang="ko-KR" altLang="en-US" sz="1400" dirty="0">
+                <a:solidFill>
+                  <a:schemeClr val="tx1">
+                    <a:lumMod val="65000"/>
+                    <a:lumOff val="35000"/>
+                  </a:schemeClr>
+                </a:solidFill>
+                <a:latin typeface="G마켓 산스 TTF Bold" panose="02000000000000000000" pitchFamily="2" charset="-127"/>
+                <a:ea typeface="G마켓 산스 TTF Bold" panose="02000000000000000000" pitchFamily="2" charset="-127"/>
+              </a:rPr>
+              <a:t> </a:t>
+            </a:r>
+            <a:r>
+              <a:rPr lang="en-US" altLang="ko-KR" sz="1400" dirty="0">
+                <a:solidFill>
+                  <a:schemeClr val="tx1">
+                    <a:lumMod val="65000"/>
+                    <a:lumOff val="35000"/>
+                  </a:schemeClr>
+                </a:solidFill>
+                <a:latin typeface="G마켓 산스 TTF Bold" panose="02000000000000000000" pitchFamily="2" charset="-127"/>
+                <a:ea typeface="G마켓 산스 TTF Bold" panose="02000000000000000000" pitchFamily="2" charset="-127"/>
+              </a:rPr>
+              <a:t>LLM </a:t>
+            </a:r>
+            <a:r>
+              <a:rPr lang="ko-KR" altLang="en-US" sz="1400" dirty="0">
+                <a:solidFill>
+                  <a:schemeClr val="tx1">
+                    <a:lumMod val="65000"/>
+                    <a:lumOff val="35000"/>
+                  </a:schemeClr>
+                </a:solidFill>
+                <a:latin typeface="G마켓 산스 TTF Bold" panose="02000000000000000000" pitchFamily="2" charset="-127"/>
+                <a:ea typeface="G마켓 산스 TTF Bold" panose="02000000000000000000" pitchFamily="2" charset="-127"/>
+              </a:rPr>
+              <a:t>설명 결과 저장 및 </a:t>
+            </a:r>
+            <a:r>
+              <a:rPr lang="en-US" altLang="ko-KR" sz="1400" dirty="0">
+                <a:solidFill>
+                  <a:schemeClr val="tx1">
+                    <a:lumMod val="65000"/>
+                    <a:lumOff val="35000"/>
+                  </a:schemeClr>
+                </a:solidFill>
+                <a:latin typeface="G마켓 산스 TTF Bold" panose="02000000000000000000" pitchFamily="2" charset="-127"/>
+                <a:ea typeface="G마켓 산스 TTF Bold" panose="02000000000000000000" pitchFamily="2" charset="-127"/>
+              </a:rPr>
+              <a:t>Front-End(Next.js) </a:t>
+            </a:r>
+            <a:r>
+              <a:rPr lang="ko-KR" altLang="en-US" sz="1400" dirty="0">
+                <a:solidFill>
+                  <a:schemeClr val="tx1">
+                    <a:lumMod val="65000"/>
+                    <a:lumOff val="35000"/>
+                  </a:schemeClr>
+                </a:solidFill>
+                <a:latin typeface="G마켓 산스 TTF Bold" panose="02000000000000000000" pitchFamily="2" charset="-127"/>
+                <a:ea typeface="G마켓 산스 TTF Bold" panose="02000000000000000000" pitchFamily="2" charset="-127"/>
+              </a:rPr>
+              <a:t>반환</a:t>
+            </a:r>
+            <a:endParaRPr lang="en-US" altLang="ko-KR" sz="1400" dirty="0">
+              <a:solidFill>
+                <a:schemeClr val="tx1">
+                  <a:lumMod val="65000"/>
+                  <a:lumOff val="35000"/>
+                </a:schemeClr>
+              </a:solidFill>
+              <a:latin typeface="G마켓 산스 TTF Bold" panose="02000000000000000000" pitchFamily="2" charset="-127"/>
+              <a:ea typeface="G마켓 산스 TTF Bold" panose="02000000000000000000" pitchFamily="2" charset="-127"/>
+            </a:endParaRPr>
+          </a:p>
+          <a:p>
+            <a:pPr>
+              <a:lnSpc>
+                <a:spcPct val="150000"/>
+              </a:lnSpc>
+            </a:pPr>
+            <a:r>
+              <a:rPr lang="en-US" altLang="ko-KR" sz="1050" dirty="0">
+                <a:solidFill>
+                  <a:schemeClr val="tx1">
+                    <a:lumMod val="50000"/>
+                    <a:lumOff val="50000"/>
+                  </a:schemeClr>
+                </a:solidFill>
+                <a:latin typeface="G마켓 산스 TTF Bold" panose="02000000000000000000" pitchFamily="2" charset="-127"/>
+                <a:ea typeface="G마켓 산스 TTF Bold" panose="02000000000000000000" pitchFamily="2" charset="-127"/>
+              </a:rPr>
+              <a:t>     1) </a:t>
+            </a:r>
+            <a:r>
+              <a:rPr lang="ko-KR" altLang="en-US" sz="1050" dirty="0">
+                <a:solidFill>
+                  <a:schemeClr val="tx1">
+                    <a:lumMod val="50000"/>
+                    <a:lumOff val="50000"/>
+                  </a:schemeClr>
+                </a:solidFill>
+                <a:latin typeface="G마켓 산스 TTF Bold" panose="02000000000000000000" pitchFamily="2" charset="-127"/>
+                <a:ea typeface="G마켓 산스 TTF Bold" panose="02000000000000000000" pitchFamily="2" charset="-127"/>
+              </a:rPr>
+              <a:t>모델 분석 결과</a:t>
+            </a:r>
+            <a:r>
+              <a:rPr lang="en-US" altLang="ko-KR" sz="1050" dirty="0">
+                <a:solidFill>
+                  <a:schemeClr val="tx1">
+                    <a:lumMod val="50000"/>
+                    <a:lumOff val="50000"/>
+                  </a:schemeClr>
+                </a:solidFill>
+                <a:latin typeface="G마켓 산스 TTF Bold" panose="02000000000000000000" pitchFamily="2" charset="-127"/>
+                <a:ea typeface="G마켓 산스 TTF Bold" panose="02000000000000000000" pitchFamily="2" charset="-127"/>
+              </a:rPr>
+              <a:t>(</a:t>
+            </a:r>
+            <a:r>
+              <a:rPr lang="en-US" altLang="ko-KR" sz="1050" dirty="0" err="1">
+                <a:solidFill>
+                  <a:schemeClr val="tx1">
+                    <a:lumMod val="50000"/>
+                    <a:lumOff val="50000"/>
+                  </a:schemeClr>
+                </a:solidFill>
+                <a:latin typeface="G마켓 산스 TTF Bold" panose="02000000000000000000" pitchFamily="2" charset="-127"/>
+                <a:ea typeface="G마켓 산스 TTF Bold" panose="02000000000000000000" pitchFamily="2" charset="-127"/>
+              </a:rPr>
+              <a:t>PastAPI</a:t>
+            </a:r>
+            <a:r>
+              <a:rPr lang="en-US" altLang="ko-KR" sz="1050" dirty="0">
+                <a:solidFill>
+                  <a:schemeClr val="tx1">
+                    <a:lumMod val="50000"/>
+                    <a:lumOff val="50000"/>
+                  </a:schemeClr>
+                </a:solidFill>
+                <a:latin typeface="G마켓 산스 TTF Bold" panose="02000000000000000000" pitchFamily="2" charset="-127"/>
+                <a:ea typeface="G마켓 산스 TTF Bold" panose="02000000000000000000" pitchFamily="2" charset="-127"/>
+              </a:rPr>
+              <a:t>) </a:t>
+            </a:r>
+            <a:r>
+              <a:rPr lang="ko-KR" altLang="en-US" sz="1050" dirty="0">
+                <a:solidFill>
+                  <a:schemeClr val="tx1">
+                    <a:lumMod val="50000"/>
+                    <a:lumOff val="50000"/>
+                  </a:schemeClr>
+                </a:solidFill>
+                <a:latin typeface="G마켓 산스 TTF Bold" panose="02000000000000000000" pitchFamily="2" charset="-127"/>
+                <a:ea typeface="G마켓 산스 TTF Bold" panose="02000000000000000000" pitchFamily="2" charset="-127"/>
+              </a:rPr>
+              <a:t>결과 값 </a:t>
+            </a:r>
+            <a:r>
+              <a:rPr lang="en-US" altLang="ko-KR" sz="1050" dirty="0">
+                <a:solidFill>
+                  <a:schemeClr val="tx1">
+                    <a:lumMod val="50000"/>
+                    <a:lumOff val="50000"/>
+                  </a:schemeClr>
+                </a:solidFill>
+                <a:latin typeface="G마켓 산스 TTF Bold" panose="02000000000000000000" pitchFamily="2" charset="-127"/>
+                <a:ea typeface="G마켓 산스 TTF Bold" panose="02000000000000000000" pitchFamily="2" charset="-127"/>
+              </a:rPr>
+              <a:t>MongoDB collection </a:t>
+            </a:r>
+            <a:r>
+              <a:rPr lang="ko-KR" altLang="en-US" sz="1050" dirty="0">
+                <a:solidFill>
+                  <a:schemeClr val="tx1">
+                    <a:lumMod val="50000"/>
+                    <a:lumOff val="50000"/>
+                  </a:schemeClr>
+                </a:solidFill>
+                <a:latin typeface="G마켓 산스 TTF Bold" panose="02000000000000000000" pitchFamily="2" charset="-127"/>
+                <a:ea typeface="G마켓 산스 TTF Bold" panose="02000000000000000000" pitchFamily="2" charset="-127"/>
+              </a:rPr>
+              <a:t>저장</a:t>
+            </a:r>
+            <a:endParaRPr lang="en-US" altLang="ko-KR" sz="1400" dirty="0">
+              <a:solidFill>
+                <a:schemeClr val="tx1">
+                  <a:lumMod val="50000"/>
+                  <a:lumOff val="50000"/>
+                </a:schemeClr>
+              </a:solidFill>
+              <a:latin typeface="G마켓 산스 TTF Bold" panose="02000000000000000000" pitchFamily="2" charset="-127"/>
+              <a:ea typeface="G마켓 산스 TTF Bold" panose="02000000000000000000" pitchFamily="2" charset="-127"/>
+            </a:endParaRPr>
+          </a:p>
+        </p:txBody>
+      </p:sp>
+      <p:sp>
+        <p:nvSpPr>
+          <p:cNvPr id="26" name="TextBox 25">
+            <a:extLst>
+              <a:ext uri="{FF2B5EF4-FFF2-40B4-BE49-F238E27FC236}">
+                <a16:creationId xmlns:a16="http://schemas.microsoft.com/office/drawing/2014/main" id="{5ABD81A5-FDE6-C5AF-6AE2-41073C59C0C9}"/>
+              </a:ext>
+            </a:extLst>
+          </p:cNvPr>
+          <p:cNvSpPr txBox="1"/>
+          <p:nvPr/>
+        </p:nvSpPr>
+        <p:spPr>
+          <a:xfrm>
+            <a:off x="776140" y="7329086"/>
+            <a:ext cx="4834975" cy="637675"/>
+          </a:xfrm>
+          <a:prstGeom prst="rect">
+            <a:avLst/>
+          </a:prstGeom>
+          <a:noFill/>
+        </p:spPr>
+        <p:txBody>
+          <a:bodyPr wrap="square" rtlCol="0">
+            <a:spAutoFit/>
+          </a:bodyPr>
+          <a:lstStyle/>
+          <a:p>
+            <a:pPr>
+              <a:lnSpc>
+                <a:spcPct val="150000"/>
+              </a:lnSpc>
+            </a:pPr>
+            <a:r>
+              <a:rPr lang="en-US" altLang="ko-KR" sz="1400" dirty="0">
+                <a:solidFill>
+                  <a:schemeClr val="tx1">
+                    <a:lumMod val="65000"/>
+                    <a:lumOff val="35000"/>
+                  </a:schemeClr>
+                </a:solidFill>
+                <a:latin typeface="G마켓 산스 TTF Bold" panose="02000000000000000000" pitchFamily="2" charset="-127"/>
+                <a:ea typeface="G마켓 산스 TTF Bold" panose="02000000000000000000" pitchFamily="2" charset="-127"/>
+              </a:rPr>
+              <a:t>8.</a:t>
+            </a:r>
+            <a:r>
+              <a:rPr lang="ko-KR" altLang="en-US" sz="1400" dirty="0">
+                <a:solidFill>
+                  <a:schemeClr val="tx1">
+                    <a:lumMod val="65000"/>
+                    <a:lumOff val="35000"/>
+                  </a:schemeClr>
+                </a:solidFill>
+                <a:latin typeface="G마켓 산스 TTF Bold" panose="02000000000000000000" pitchFamily="2" charset="-127"/>
+                <a:ea typeface="G마켓 산스 TTF Bold" panose="02000000000000000000" pitchFamily="2" charset="-127"/>
+              </a:rPr>
+              <a:t> 선택되지 않은 모델</a:t>
+            </a:r>
+            <a:r>
+              <a:rPr lang="en-US" altLang="ko-KR" sz="1400" dirty="0">
+                <a:solidFill>
+                  <a:schemeClr val="tx1">
+                    <a:lumMod val="65000"/>
+                    <a:lumOff val="35000"/>
+                  </a:schemeClr>
+                </a:solidFill>
+                <a:latin typeface="G마켓 산스 TTF Bold" panose="02000000000000000000" pitchFamily="2" charset="-127"/>
+                <a:ea typeface="G마켓 산스 TTF Bold" panose="02000000000000000000" pitchFamily="2" charset="-127"/>
+              </a:rPr>
+              <a:t>(False)</a:t>
+            </a:r>
+            <a:r>
+              <a:rPr lang="ko-KR" altLang="en-US" sz="1400" dirty="0">
+                <a:solidFill>
+                  <a:schemeClr val="tx1">
+                    <a:lumMod val="65000"/>
+                    <a:lumOff val="35000"/>
+                  </a:schemeClr>
+                </a:solidFill>
+                <a:latin typeface="G마켓 산스 TTF Bold" panose="02000000000000000000" pitchFamily="2" charset="-127"/>
+                <a:ea typeface="G마켓 산스 TTF Bold" panose="02000000000000000000" pitchFamily="2" charset="-127"/>
+              </a:rPr>
+              <a:t>값 </a:t>
+            </a:r>
+            <a:r>
+              <a:rPr lang="en-US" altLang="ko-KR" sz="1400" dirty="0">
+                <a:solidFill>
+                  <a:schemeClr val="tx1">
+                    <a:lumMod val="65000"/>
+                    <a:lumOff val="35000"/>
+                  </a:schemeClr>
+                </a:solidFill>
+                <a:latin typeface="G마켓 산스 TTF Bold" panose="02000000000000000000" pitchFamily="2" charset="-127"/>
+                <a:ea typeface="G마켓 산스 TTF Bold" panose="02000000000000000000" pitchFamily="2" charset="-127"/>
+              </a:rPr>
+              <a:t>Front-End </a:t>
+            </a:r>
+            <a:r>
+              <a:rPr lang="ko-KR" altLang="en-US" sz="1400" dirty="0">
+                <a:solidFill>
+                  <a:schemeClr val="tx1">
+                    <a:lumMod val="65000"/>
+                    <a:lumOff val="35000"/>
+                  </a:schemeClr>
+                </a:solidFill>
+                <a:latin typeface="G마켓 산스 TTF Bold" panose="02000000000000000000" pitchFamily="2" charset="-127"/>
+                <a:ea typeface="G마켓 산스 TTF Bold" panose="02000000000000000000" pitchFamily="2" charset="-127"/>
+              </a:rPr>
+              <a:t>반환</a:t>
+            </a:r>
+            <a:endParaRPr lang="en-US" altLang="ko-KR" sz="1400" dirty="0">
+              <a:solidFill>
+                <a:schemeClr val="tx1">
+                  <a:lumMod val="65000"/>
+                  <a:lumOff val="35000"/>
+                </a:schemeClr>
+              </a:solidFill>
+              <a:latin typeface="G마켓 산스 TTF Bold" panose="02000000000000000000" pitchFamily="2" charset="-127"/>
+              <a:ea typeface="G마켓 산스 TTF Bold" panose="02000000000000000000" pitchFamily="2" charset="-127"/>
+            </a:endParaRPr>
+          </a:p>
+          <a:p>
+            <a:pPr>
+              <a:lnSpc>
+                <a:spcPct val="150000"/>
+              </a:lnSpc>
+            </a:pPr>
+            <a:r>
+              <a:rPr lang="en-US" altLang="ko-KR" sz="1050" dirty="0">
+                <a:solidFill>
+                  <a:schemeClr val="tx1">
+                    <a:lumMod val="50000"/>
+                    <a:lumOff val="50000"/>
+                  </a:schemeClr>
+                </a:solidFill>
+                <a:latin typeface="G마켓 산스 TTF Bold" panose="02000000000000000000" pitchFamily="2" charset="-127"/>
+                <a:ea typeface="G마켓 산스 TTF Bold" panose="02000000000000000000" pitchFamily="2" charset="-127"/>
+              </a:rPr>
+              <a:t>     1) </a:t>
+            </a:r>
+            <a:r>
+              <a:rPr lang="ko-KR" altLang="en-US" sz="1050" dirty="0">
+                <a:solidFill>
+                  <a:schemeClr val="tx1">
+                    <a:lumMod val="50000"/>
+                    <a:lumOff val="50000"/>
+                  </a:schemeClr>
+                </a:solidFill>
+                <a:latin typeface="G마켓 산스 TTF Bold" panose="02000000000000000000" pitchFamily="2" charset="-127"/>
+                <a:ea typeface="G마켓 산스 TTF Bold" panose="02000000000000000000" pitchFamily="2" charset="-127"/>
+              </a:rPr>
+              <a:t>모델 분석 결과</a:t>
+            </a:r>
+            <a:r>
+              <a:rPr lang="en-US" altLang="ko-KR" sz="1050" dirty="0">
+                <a:solidFill>
+                  <a:schemeClr val="tx1">
+                    <a:lumMod val="50000"/>
+                    <a:lumOff val="50000"/>
+                  </a:schemeClr>
+                </a:solidFill>
+                <a:latin typeface="G마켓 산스 TTF Bold" panose="02000000000000000000" pitchFamily="2" charset="-127"/>
+                <a:ea typeface="G마켓 산스 TTF Bold" panose="02000000000000000000" pitchFamily="2" charset="-127"/>
+              </a:rPr>
+              <a:t>(</a:t>
+            </a:r>
+            <a:r>
+              <a:rPr lang="en-US" altLang="ko-KR" sz="1050" dirty="0" err="1">
+                <a:solidFill>
+                  <a:schemeClr val="tx1">
+                    <a:lumMod val="50000"/>
+                    <a:lumOff val="50000"/>
+                  </a:schemeClr>
+                </a:solidFill>
+                <a:latin typeface="G마켓 산스 TTF Bold" panose="02000000000000000000" pitchFamily="2" charset="-127"/>
+                <a:ea typeface="G마켓 산스 TTF Bold" panose="02000000000000000000" pitchFamily="2" charset="-127"/>
+              </a:rPr>
+              <a:t>PastAPI</a:t>
+            </a:r>
+            <a:r>
+              <a:rPr lang="en-US" altLang="ko-KR" sz="1050" dirty="0">
+                <a:solidFill>
+                  <a:schemeClr val="tx1">
+                    <a:lumMod val="50000"/>
+                    <a:lumOff val="50000"/>
+                  </a:schemeClr>
+                </a:solidFill>
+                <a:latin typeface="G마켓 산스 TTF Bold" panose="02000000000000000000" pitchFamily="2" charset="-127"/>
+                <a:ea typeface="G마켓 산스 TTF Bold" panose="02000000000000000000" pitchFamily="2" charset="-127"/>
+              </a:rPr>
+              <a:t>) </a:t>
+            </a:r>
+            <a:r>
+              <a:rPr lang="ko-KR" altLang="en-US" sz="1050" dirty="0">
+                <a:solidFill>
+                  <a:schemeClr val="tx1">
+                    <a:lumMod val="50000"/>
+                    <a:lumOff val="50000"/>
+                  </a:schemeClr>
+                </a:solidFill>
+                <a:latin typeface="G마켓 산스 TTF Bold" panose="02000000000000000000" pitchFamily="2" charset="-127"/>
+                <a:ea typeface="G마켓 산스 TTF Bold" panose="02000000000000000000" pitchFamily="2" charset="-127"/>
+              </a:rPr>
+              <a:t>결과 값 </a:t>
+            </a:r>
+            <a:r>
+              <a:rPr lang="en-US" altLang="ko-KR" sz="1050" dirty="0">
+                <a:solidFill>
+                  <a:schemeClr val="tx1">
+                    <a:lumMod val="50000"/>
+                    <a:lumOff val="50000"/>
+                  </a:schemeClr>
+                </a:solidFill>
+                <a:latin typeface="G마켓 산스 TTF Bold" panose="02000000000000000000" pitchFamily="2" charset="-127"/>
+                <a:ea typeface="G마켓 산스 TTF Bold" panose="02000000000000000000" pitchFamily="2" charset="-127"/>
+              </a:rPr>
+              <a:t>MongoDB collection </a:t>
+            </a:r>
+            <a:r>
+              <a:rPr lang="ko-KR" altLang="en-US" sz="1050" dirty="0">
+                <a:solidFill>
+                  <a:schemeClr val="tx1">
+                    <a:lumMod val="50000"/>
+                    <a:lumOff val="50000"/>
+                  </a:schemeClr>
+                </a:solidFill>
+                <a:latin typeface="G마켓 산스 TTF Bold" panose="02000000000000000000" pitchFamily="2" charset="-127"/>
+                <a:ea typeface="G마켓 산스 TTF Bold" panose="02000000000000000000" pitchFamily="2" charset="-127"/>
+              </a:rPr>
+              <a:t>저장</a:t>
+            </a:r>
+            <a:endParaRPr lang="en-US" altLang="ko-KR" sz="1400" dirty="0">
+              <a:solidFill>
+                <a:schemeClr val="tx1">
+                  <a:lumMod val="50000"/>
+                  <a:lumOff val="50000"/>
+                </a:schemeClr>
+              </a:solidFill>
+              <a:latin typeface="G마켓 산스 TTF Bold" panose="02000000000000000000" pitchFamily="2" charset="-127"/>
+              <a:ea typeface="G마켓 산스 TTF Bold" panose="02000000000000000000" pitchFamily="2" charset="-127"/>
+            </a:endParaRPr>
+          </a:p>
+        </p:txBody>
+      </p:sp>
+      <p:sp>
+        <p:nvSpPr>
+          <p:cNvPr id="27" name="TextBox 26">
+            <a:extLst>
+              <a:ext uri="{FF2B5EF4-FFF2-40B4-BE49-F238E27FC236}">
+                <a16:creationId xmlns:a16="http://schemas.microsoft.com/office/drawing/2014/main" id="{3D2EB4DB-0880-0C76-1532-93CF538FA703}"/>
+              </a:ext>
+            </a:extLst>
+          </p:cNvPr>
+          <p:cNvSpPr txBox="1"/>
+          <p:nvPr/>
+        </p:nvSpPr>
+        <p:spPr>
+          <a:xfrm>
+            <a:off x="776139" y="2320651"/>
+            <a:ext cx="4834975" cy="388568"/>
+          </a:xfrm>
+          <a:prstGeom prst="rect">
+            <a:avLst/>
+          </a:prstGeom>
+          <a:noFill/>
+        </p:spPr>
+        <p:txBody>
+          <a:bodyPr wrap="square" rtlCol="0">
+            <a:spAutoFit/>
+          </a:bodyPr>
+          <a:lstStyle/>
+          <a:p>
+            <a:pPr>
+              <a:lnSpc>
+                <a:spcPct val="150000"/>
+              </a:lnSpc>
+            </a:pPr>
+            <a:r>
+              <a:rPr lang="en-US" altLang="ko-KR" sz="1400" dirty="0">
+                <a:solidFill>
+                  <a:schemeClr val="tx1">
+                    <a:lumMod val="65000"/>
+                    <a:lumOff val="35000"/>
+                  </a:schemeClr>
+                </a:solidFill>
+                <a:latin typeface="G마켓 산스 TTF Bold" panose="02000000000000000000" pitchFamily="2" charset="-127"/>
+                <a:ea typeface="G마켓 산스 TTF Bold" panose="02000000000000000000" pitchFamily="2" charset="-127"/>
+              </a:rPr>
+              <a:t>2. .CSV </a:t>
+            </a:r>
+            <a:r>
+              <a:rPr lang="ko-KR" altLang="en-US" sz="1400" dirty="0">
+                <a:solidFill>
+                  <a:schemeClr val="tx1">
+                    <a:lumMod val="65000"/>
+                    <a:lumOff val="35000"/>
+                  </a:schemeClr>
+                </a:solidFill>
+                <a:latin typeface="G마켓 산스 TTF Bold" panose="02000000000000000000" pitchFamily="2" charset="-127"/>
+                <a:ea typeface="G마켓 산스 TTF Bold" panose="02000000000000000000" pitchFamily="2" charset="-127"/>
+              </a:rPr>
+              <a:t>파일 파싱 및 유효성 검사</a:t>
+            </a:r>
+            <a:endParaRPr lang="en-US" altLang="ko-KR" sz="1400" dirty="0">
+              <a:solidFill>
+                <a:schemeClr val="tx1">
+                  <a:lumMod val="65000"/>
+                  <a:lumOff val="35000"/>
+                </a:schemeClr>
+              </a:solidFill>
+              <a:latin typeface="G마켓 산스 TTF Bold" panose="02000000000000000000" pitchFamily="2" charset="-127"/>
+              <a:ea typeface="G마켓 산스 TTF Bold" panose="02000000000000000000" pitchFamily="2" charset="-127"/>
+            </a:endParaRPr>
+          </a:p>
+        </p:txBody>
+      </p:sp>
+      <p:sp>
+        <p:nvSpPr>
+          <p:cNvPr id="28" name="TextBox 27">
+            <a:extLst>
+              <a:ext uri="{FF2B5EF4-FFF2-40B4-BE49-F238E27FC236}">
+                <a16:creationId xmlns:a16="http://schemas.microsoft.com/office/drawing/2014/main" id="{8D58513E-FCAD-FA00-AF18-0D1686300CC1}"/>
+              </a:ext>
+            </a:extLst>
+          </p:cNvPr>
+          <p:cNvSpPr txBox="1"/>
+          <p:nvPr/>
+        </p:nvSpPr>
+        <p:spPr>
+          <a:xfrm>
+            <a:off x="747202" y="1100202"/>
+            <a:ext cx="4834975" cy="1364797"/>
+          </a:xfrm>
+          <a:prstGeom prst="rect">
+            <a:avLst/>
+          </a:prstGeom>
+          <a:noFill/>
+        </p:spPr>
+        <p:txBody>
+          <a:bodyPr wrap="square" rtlCol="0">
+            <a:spAutoFit/>
+          </a:bodyPr>
+          <a:lstStyle/>
+          <a:p>
+            <a:pPr>
+              <a:lnSpc>
+                <a:spcPct val="150000"/>
+              </a:lnSpc>
+            </a:pPr>
+            <a:r>
+              <a:rPr lang="en-US" altLang="ko-KR" sz="1400" dirty="0">
+                <a:solidFill>
+                  <a:schemeClr val="tx1">
+                    <a:lumMod val="65000"/>
+                    <a:lumOff val="35000"/>
+                  </a:schemeClr>
+                </a:solidFill>
+                <a:latin typeface="G마켓 산스 TTF Bold" panose="02000000000000000000" pitchFamily="2" charset="-127"/>
+                <a:ea typeface="G마켓 산스 TTF Bold" panose="02000000000000000000" pitchFamily="2" charset="-127"/>
+              </a:rPr>
+              <a:t>1. MongoDB </a:t>
+            </a:r>
+            <a:r>
+              <a:rPr lang="ko-KR" altLang="en-US" sz="1400" dirty="0">
+                <a:solidFill>
+                  <a:schemeClr val="tx1">
+                    <a:lumMod val="65000"/>
+                    <a:lumOff val="35000"/>
+                  </a:schemeClr>
+                </a:solidFill>
+                <a:latin typeface="G마켓 산스 TTF Bold" panose="02000000000000000000" pitchFamily="2" charset="-127"/>
+                <a:ea typeface="G마켓 산스 TTF Bold" panose="02000000000000000000" pitchFamily="2" charset="-127"/>
+              </a:rPr>
+              <a:t>선정 및 설계</a:t>
+            </a:r>
+            <a:endParaRPr lang="en-US" altLang="ko-KR" sz="1400" dirty="0">
+              <a:solidFill>
+                <a:schemeClr val="tx1">
+                  <a:lumMod val="65000"/>
+                  <a:lumOff val="35000"/>
+                </a:schemeClr>
+              </a:solidFill>
+              <a:latin typeface="G마켓 산스 TTF Bold" panose="02000000000000000000" pitchFamily="2" charset="-127"/>
+              <a:ea typeface="G마켓 산스 TTF Bold" panose="02000000000000000000" pitchFamily="2" charset="-127"/>
+            </a:endParaRPr>
+          </a:p>
+          <a:p>
+            <a:pPr>
+              <a:lnSpc>
+                <a:spcPct val="150000"/>
+              </a:lnSpc>
+            </a:pPr>
+            <a:r>
+              <a:rPr lang="en-US" altLang="ko-KR" sz="1050" dirty="0">
+                <a:solidFill>
+                  <a:schemeClr val="tx1">
+                    <a:lumMod val="50000"/>
+                    <a:lumOff val="50000"/>
+                  </a:schemeClr>
+                </a:solidFill>
+                <a:latin typeface="G마켓 산스 TTF Bold" panose="02000000000000000000" pitchFamily="2" charset="-127"/>
+                <a:ea typeface="G마켓 산스 TTF Bold" panose="02000000000000000000" pitchFamily="2" charset="-127"/>
+              </a:rPr>
+              <a:t>     </a:t>
+            </a:r>
+            <a:r>
+              <a:rPr lang="ko-KR" altLang="en-US" sz="1050" dirty="0">
+                <a:solidFill>
+                  <a:schemeClr val="tx1">
+                    <a:lumMod val="50000"/>
+                    <a:lumOff val="50000"/>
+                  </a:schemeClr>
+                </a:solidFill>
+                <a:latin typeface="G마켓 산스 TTF Bold" panose="02000000000000000000" pitchFamily="2" charset="-127"/>
+                <a:ea typeface="G마켓 산스 TTF Bold" panose="02000000000000000000" pitchFamily="2" charset="-127"/>
+              </a:rPr>
+              <a:t>선정 기준</a:t>
+            </a:r>
+            <a:endParaRPr lang="en-US" altLang="ko-KR" sz="1050" dirty="0">
+              <a:solidFill>
+                <a:schemeClr val="tx1">
+                  <a:lumMod val="50000"/>
+                  <a:lumOff val="50000"/>
+                </a:schemeClr>
+              </a:solidFill>
+              <a:latin typeface="G마켓 산스 TTF Bold" panose="02000000000000000000" pitchFamily="2" charset="-127"/>
+              <a:ea typeface="G마켓 산스 TTF Bold" panose="02000000000000000000" pitchFamily="2" charset="-127"/>
+            </a:endParaRPr>
+          </a:p>
+          <a:p>
+            <a:pPr>
+              <a:lnSpc>
+                <a:spcPct val="150000"/>
+              </a:lnSpc>
+            </a:pPr>
+            <a:r>
+              <a:rPr lang="en-US" altLang="ko-KR" sz="1050" dirty="0">
+                <a:solidFill>
+                  <a:schemeClr val="tx1">
+                    <a:lumMod val="50000"/>
+                    <a:lumOff val="50000"/>
+                  </a:schemeClr>
+                </a:solidFill>
+                <a:latin typeface="G마켓 산스 TTF Bold" panose="02000000000000000000" pitchFamily="2" charset="-127"/>
+                <a:ea typeface="G마켓 산스 TTF Bold" panose="02000000000000000000" pitchFamily="2" charset="-127"/>
+              </a:rPr>
+              <a:t>      1) </a:t>
+            </a:r>
+            <a:r>
+              <a:rPr lang="ko-KR" altLang="en-US" sz="1050" dirty="0">
+                <a:solidFill>
+                  <a:schemeClr val="tx1">
+                    <a:lumMod val="50000"/>
+                    <a:lumOff val="50000"/>
+                  </a:schemeClr>
+                </a:solidFill>
+                <a:latin typeface="G마켓 산스 TTF Bold" panose="02000000000000000000" pitchFamily="2" charset="-127"/>
+                <a:ea typeface="G마켓 산스 TTF Bold" panose="02000000000000000000" pitchFamily="2" charset="-127"/>
+              </a:rPr>
+              <a:t>요구사항 변동 가능성에 대비 확장에 용이</a:t>
+            </a:r>
+            <a:endParaRPr lang="en-US" altLang="ko-KR" sz="1050" dirty="0">
+              <a:solidFill>
+                <a:schemeClr val="tx1">
+                  <a:lumMod val="50000"/>
+                  <a:lumOff val="50000"/>
+                </a:schemeClr>
+              </a:solidFill>
+              <a:latin typeface="G마켓 산스 TTF Bold" panose="02000000000000000000" pitchFamily="2" charset="-127"/>
+              <a:ea typeface="G마켓 산스 TTF Bold" panose="02000000000000000000" pitchFamily="2" charset="-127"/>
+            </a:endParaRPr>
+          </a:p>
+          <a:p>
+            <a:pPr>
+              <a:lnSpc>
+                <a:spcPct val="150000"/>
+              </a:lnSpc>
+            </a:pPr>
+            <a:r>
+              <a:rPr lang="en-US" altLang="ko-KR" sz="1050" dirty="0">
+                <a:solidFill>
+                  <a:schemeClr val="tx1">
+                    <a:lumMod val="50000"/>
+                    <a:lumOff val="50000"/>
+                  </a:schemeClr>
+                </a:solidFill>
+                <a:latin typeface="G마켓 산스 TTF Bold" panose="02000000000000000000" pitchFamily="2" charset="-127"/>
+                <a:ea typeface="G마켓 산스 TTF Bold" panose="02000000000000000000" pitchFamily="2" charset="-127"/>
+              </a:rPr>
+              <a:t>      2) LLM</a:t>
+            </a:r>
+            <a:r>
+              <a:rPr lang="ko-KR" altLang="en-US" sz="1050" dirty="0">
+                <a:solidFill>
+                  <a:schemeClr val="tx1">
+                    <a:lumMod val="50000"/>
+                    <a:lumOff val="50000"/>
+                  </a:schemeClr>
+                </a:solidFill>
+                <a:latin typeface="G마켓 산스 TTF Bold" panose="02000000000000000000" pitchFamily="2" charset="-127"/>
+                <a:ea typeface="G마켓 산스 TTF Bold" panose="02000000000000000000" pitchFamily="2" charset="-127"/>
+              </a:rPr>
+              <a:t>이 제공하는 비정형 </a:t>
+            </a:r>
+            <a:r>
+              <a:rPr lang="en-US" altLang="ko-KR" sz="1050" dirty="0">
+                <a:solidFill>
+                  <a:schemeClr val="tx1">
+                    <a:lumMod val="50000"/>
+                    <a:lumOff val="50000"/>
+                  </a:schemeClr>
+                </a:solidFill>
+                <a:latin typeface="G마켓 산스 TTF Bold" panose="02000000000000000000" pitchFamily="2" charset="-127"/>
+                <a:ea typeface="G마켓 산스 TTF Bold" panose="02000000000000000000" pitchFamily="2" charset="-127"/>
+              </a:rPr>
+              <a:t>Data(JSON) </a:t>
+            </a:r>
+            <a:r>
+              <a:rPr lang="ko-KR" altLang="en-US" sz="1050" dirty="0">
+                <a:solidFill>
+                  <a:schemeClr val="tx1">
+                    <a:lumMod val="50000"/>
+                    <a:lumOff val="50000"/>
+                  </a:schemeClr>
+                </a:solidFill>
+                <a:latin typeface="G마켓 산스 TTF Bold" panose="02000000000000000000" pitchFamily="2" charset="-127"/>
+                <a:ea typeface="G마켓 산스 TTF Bold" panose="02000000000000000000" pitchFamily="2" charset="-127"/>
+              </a:rPr>
+              <a:t>처리에 용이</a:t>
+            </a:r>
+            <a:endParaRPr lang="en-US" altLang="ko-KR" sz="1050" dirty="0">
+              <a:solidFill>
+                <a:schemeClr val="tx1">
+                  <a:lumMod val="50000"/>
+                  <a:lumOff val="50000"/>
+                </a:schemeClr>
+              </a:solidFill>
+              <a:latin typeface="G마켓 산스 TTF Bold" panose="02000000000000000000" pitchFamily="2" charset="-127"/>
+              <a:ea typeface="G마켓 산스 TTF Bold" panose="02000000000000000000" pitchFamily="2" charset="-127"/>
+            </a:endParaRPr>
+          </a:p>
+          <a:p>
+            <a:pPr>
+              <a:lnSpc>
+                <a:spcPct val="150000"/>
+              </a:lnSpc>
+            </a:pPr>
+            <a:r>
+              <a:rPr lang="en-US" altLang="ko-KR" sz="1050" dirty="0">
+                <a:solidFill>
+                  <a:schemeClr val="tx1">
+                    <a:lumMod val="50000"/>
+                    <a:lumOff val="50000"/>
+                  </a:schemeClr>
+                </a:solidFill>
+                <a:latin typeface="G마켓 산스 TTF Bold" panose="02000000000000000000" pitchFamily="2" charset="-127"/>
+                <a:ea typeface="G마켓 산스 TTF Bold" panose="02000000000000000000" pitchFamily="2" charset="-127"/>
+              </a:rPr>
+              <a:t>    </a:t>
+            </a:r>
+          </a:p>
+        </p:txBody>
+      </p:sp>
+    </p:spTree>
+    <p:extLst>
+      <p:ext uri="{BB962C8B-B14F-4D97-AF65-F5344CB8AC3E}">
+        <p14:creationId xmlns:p14="http://schemas.microsoft.com/office/powerpoint/2010/main" val="3413171283"/>
+      </p:ext>
+    </p:extLst>
+  </p:cSld>
+  <p:clrMapOvr>
+    <a:masterClrMapping/>
+  </p:clrMapOvr>
+</p:sld>
+</file>
+
+<file path=ppt/slides/slide16.xml><?xml version="1.0" encoding="utf-8"?>
+<p:sld xmlns:a="http://schemas.openxmlformats.org/drawingml/2006/main" xmlns:r="http://schemas.openxmlformats.org/officeDocument/2006/relationships" xmlns:p="http://schemas.openxmlformats.org/presentationml/2006/main">
+  <p:cSld>
+    <p:spTree>
+      <p:nvGrpSpPr>
+        <p:cNvPr id="1" name="">
+          <a:extLst>
+            <a:ext uri="{FF2B5EF4-FFF2-40B4-BE49-F238E27FC236}">
+              <a16:creationId xmlns:a16="http://schemas.microsoft.com/office/drawing/2014/main" id="{FF18EF07-00F3-152B-A8E0-85AE1E26A368}"/>
+            </a:ext>
+          </a:extLst>
+        </p:cNvPr>
+        <p:cNvGrpSpPr/>
+        <p:nvPr/>
+      </p:nvGrpSpPr>
+      <p:grpSpPr>
+        <a:xfrm>
+          <a:off x="0" y="0"/>
+          <a:ext cx="0" cy="0"/>
+          <a:chOff x="0" y="0"/>
+          <a:chExt cx="0" cy="0"/>
+        </a:xfrm>
+      </p:grpSpPr>
       <p:cxnSp>
         <p:nvCxnSpPr>
           <p:cNvPr id="13" name="직선 연결선 12">
             <a:extLst>
               <a:ext uri="{FF2B5EF4-FFF2-40B4-BE49-F238E27FC236}">
-                <a16:creationId xmlns:a16="http://schemas.microsoft.com/office/drawing/2014/main" id="{2779A09F-79E9-A934-A4E3-B33FAFA7AC94}"/>
+                <a16:creationId xmlns:a16="http://schemas.microsoft.com/office/drawing/2014/main" id="{6D9186CF-428C-7A39-DC6C-4E3090BD001D}"/>
               </a:ext>
             </a:extLst>
           </p:cNvPr>
@@ -10187,7 +13601,7 @@
         </p:nvCxnSpPr>
         <p:spPr>
           <a:xfrm>
-            <a:off x="542394" y="4802895"/>
+            <a:off x="542394" y="2811884"/>
             <a:ext cx="5492750" cy="0"/>
           </a:xfrm>
           <a:prstGeom prst="line">
@@ -10221,7 +13635,7 @@
           <p:cNvPr id="3" name="TextBox 2">
             <a:extLst>
               <a:ext uri="{FF2B5EF4-FFF2-40B4-BE49-F238E27FC236}">
-                <a16:creationId xmlns:a16="http://schemas.microsoft.com/office/drawing/2014/main" id="{BA947CDB-7957-DE97-5F9A-4A51CC6E6E44}"/>
+                <a16:creationId xmlns:a16="http://schemas.microsoft.com/office/drawing/2014/main" id="{D72E1438-624C-79B9-1D2D-BDA967CBC7A8}"/>
               </a:ext>
             </a:extLst>
           </p:cNvPr>
@@ -10230,7 +13644,7 @@
         </p:nvSpPr>
         <p:spPr>
           <a:xfrm>
-            <a:off x="609596" y="2299469"/>
+            <a:off x="609596" y="53813"/>
             <a:ext cx="5502912" cy="902170"/>
           </a:xfrm>
           <a:prstGeom prst="rect">
@@ -10370,7 +13784,7 @@
           <p:cNvPr id="10" name="직선 연결선 9">
             <a:extLst>
               <a:ext uri="{FF2B5EF4-FFF2-40B4-BE49-F238E27FC236}">
-                <a16:creationId xmlns:a16="http://schemas.microsoft.com/office/drawing/2014/main" id="{6AFA6A1B-81F0-783E-CEAD-86F45A2512F3}"/>
+                <a16:creationId xmlns:a16="http://schemas.microsoft.com/office/drawing/2014/main" id="{D84148DC-8827-2C3C-D9B8-4F698B682CB9}"/>
               </a:ext>
             </a:extLst>
           </p:cNvPr>
@@ -10379,7 +13793,7 @@
         </p:nvCxnSpPr>
         <p:spPr>
           <a:xfrm>
-            <a:off x="619758" y="2229029"/>
+            <a:off x="515500" y="7742321"/>
             <a:ext cx="5492750" cy="0"/>
           </a:xfrm>
           <a:prstGeom prst="line">
@@ -10413,7 +13827,7 @@
           <p:cNvPr id="15" name="직선 연결선 14">
             <a:extLst>
               <a:ext uri="{FF2B5EF4-FFF2-40B4-BE49-F238E27FC236}">
-                <a16:creationId xmlns:a16="http://schemas.microsoft.com/office/drawing/2014/main" id="{A7C357E4-7465-781F-DC7A-3ABB3DF96808}"/>
+                <a16:creationId xmlns:a16="http://schemas.microsoft.com/office/drawing/2014/main" id="{8431CFEA-A737-BAA4-18C0-EE04BBFC1F78}"/>
               </a:ext>
             </a:extLst>
           </p:cNvPr>
@@ -10422,7 +13836,7 @@
         </p:nvCxnSpPr>
         <p:spPr>
           <a:xfrm>
-            <a:off x="532234" y="3334254"/>
+            <a:off x="532234" y="1088598"/>
             <a:ext cx="5492750" cy="0"/>
           </a:xfrm>
           <a:prstGeom prst="line">
@@ -10453,10 +13867,10 @@
       </p:cxnSp>
       <p:sp>
         <p:nvSpPr>
-          <p:cNvPr id="16" name="TextBox 15">
+          <p:cNvPr id="2" name="TextBox 1">
             <a:extLst>
               <a:ext uri="{FF2B5EF4-FFF2-40B4-BE49-F238E27FC236}">
-                <a16:creationId xmlns:a16="http://schemas.microsoft.com/office/drawing/2014/main" id="{72AAA263-EE90-E0D6-0AEB-FAAB696856BF}"/>
+                <a16:creationId xmlns:a16="http://schemas.microsoft.com/office/drawing/2014/main" id="{5389B2BF-C491-FB06-1812-6D74544C03E7}"/>
               </a:ext>
             </a:extLst>
           </p:cNvPr>
@@ -10465,8 +13879,8 @@
         </p:nvSpPr>
         <p:spPr>
           <a:xfrm>
-            <a:off x="609596" y="360357"/>
-            <a:ext cx="1402081" cy="388568"/>
+            <a:off x="609596" y="1147238"/>
+            <a:ext cx="4826004" cy="1663917"/>
           </a:xfrm>
           <a:prstGeom prst="rect">
             <a:avLst/>
@@ -10485,53 +13899,6 @@
               </a:lnSpc>
             </a:pPr>
             <a:r>
-              <a:rPr lang="ko-KR" altLang="en-US" sz="1400" dirty="0">
-                <a:latin typeface="G마켓 산스 TTF Bold" panose="02000000000000000000" pitchFamily="2" charset="-127"/>
-                <a:ea typeface="G마켓 산스 TTF Bold" panose="02000000000000000000" pitchFamily="2" charset="-127"/>
-              </a:rPr>
-              <a:t>🖥️ 담당 업무</a:t>
-            </a:r>
-            <a:endParaRPr lang="en-US" altLang="ko-KR" sz="1400" dirty="0">
-              <a:latin typeface="G마켓 산스 TTF Bold" panose="02000000000000000000" pitchFamily="2" charset="-127"/>
-              <a:ea typeface="G마켓 산스 TTF Bold" panose="02000000000000000000" pitchFamily="2" charset="-127"/>
-            </a:endParaRPr>
-          </a:p>
-        </p:txBody>
-      </p:sp>
-      <p:sp>
-        <p:nvSpPr>
-          <p:cNvPr id="2" name="TextBox 1">
-            <a:extLst>
-              <a:ext uri="{FF2B5EF4-FFF2-40B4-BE49-F238E27FC236}">
-                <a16:creationId xmlns:a16="http://schemas.microsoft.com/office/drawing/2014/main" id="{96FC131D-DAB2-4D57-E14F-79777B2AA982}"/>
-              </a:ext>
-            </a:extLst>
-          </p:cNvPr>
-          <p:cNvSpPr txBox="1"/>
-          <p:nvPr/>
-        </p:nvSpPr>
-        <p:spPr>
-          <a:xfrm>
-            <a:off x="609596" y="3392894"/>
-            <a:ext cx="4826004" cy="1410001"/>
-          </a:xfrm>
-          <a:prstGeom prst="rect">
-            <a:avLst/>
-          </a:prstGeom>
-          <a:noFill/>
-        </p:spPr>
-        <p:txBody>
-          <a:bodyPr wrap="square" rtlCol="0">
-            <a:spAutoFit/>
-          </a:bodyPr>
-          <a:lstStyle/>
-          <a:p>
-            <a:pPr>
-              <a:lnSpc>
-                <a:spcPct val="150000"/>
-              </a:lnSpc>
-            </a:pPr>
-            <a:r>
               <a:rPr lang="en-US" altLang="ko-KR" sz="1400" dirty="0">
                 <a:latin typeface="G마켓 산스 TTF Bold" panose="02000000000000000000" pitchFamily="2" charset="-127"/>
                 <a:ea typeface="G마켓 산스 TTF Bold" panose="02000000000000000000" pitchFamily="2" charset="-127"/>
@@ -10661,7 +14028,7 @@
                 <a:latin typeface="G마켓 산스 TTF Bold" panose="02000000000000000000" pitchFamily="2" charset="-127"/>
                 <a:ea typeface="G마켓 산스 TTF Bold" panose="02000000000000000000" pitchFamily="2" charset="-127"/>
               </a:rPr>
-              <a:t>1)LLM</a:t>
+              <a:t>LLM</a:t>
             </a:r>
             <a:r>
               <a:rPr lang="ko-KR" altLang="en-US" sz="1100" dirty="0">
@@ -10673,110 +14040,7 @@
                 <a:latin typeface="G마켓 산스 TTF Bold" panose="02000000000000000000" pitchFamily="2" charset="-127"/>
                 <a:ea typeface="G마켓 산스 TTF Bold" panose="02000000000000000000" pitchFamily="2" charset="-127"/>
               </a:rPr>
-              <a:t>의 결과 값에 </a:t>
-            </a:r>
-            <a:r>
-              <a:rPr lang="en-US" altLang="ko-KR" sz="1100" dirty="0" err="1">
-                <a:solidFill>
-                  <a:schemeClr val="bg1">
-                    <a:lumMod val="50000"/>
-                  </a:schemeClr>
-                </a:solidFill>
-                <a:latin typeface="G마켓 산스 TTF Bold" panose="02000000000000000000" pitchFamily="2" charset="-127"/>
-                <a:ea typeface="G마켓 산스 TTF Bold" panose="02000000000000000000" pitchFamily="2" charset="-127"/>
-              </a:rPr>
-              <a:t>isSelected</a:t>
-            </a:r>
-            <a:r>
-              <a:rPr lang="en-US" altLang="ko-KR" sz="1100" dirty="0">
-                <a:solidFill>
-                  <a:schemeClr val="bg1">
-                    <a:lumMod val="50000"/>
-                  </a:schemeClr>
-                </a:solidFill>
-                <a:latin typeface="G마켓 산스 TTF Bold" panose="02000000000000000000" pitchFamily="2" charset="-127"/>
-                <a:ea typeface="G마켓 산스 TTF Bold" panose="02000000000000000000" pitchFamily="2" charset="-127"/>
-              </a:rPr>
-              <a:t> = false </a:t>
-            </a:r>
-            <a:r>
-              <a:rPr lang="ko-KR" altLang="en-US" sz="1100" dirty="0">
-                <a:solidFill>
-                  <a:schemeClr val="bg1">
-                    <a:lumMod val="50000"/>
-                  </a:schemeClr>
-                </a:solidFill>
-                <a:latin typeface="G마켓 산스 TTF Bold" panose="02000000000000000000" pitchFamily="2" charset="-127"/>
-                <a:ea typeface="G마켓 산스 TTF Bold" panose="02000000000000000000" pitchFamily="2" charset="-127"/>
-              </a:rPr>
-              <a:t>값 삽입</a:t>
-            </a:r>
-            <a:r>
-              <a:rPr lang="en-US" altLang="ko-KR" sz="1100" dirty="0">
-                <a:solidFill>
-                  <a:schemeClr val="bg1">
-                    <a:lumMod val="50000"/>
-                  </a:schemeClr>
-                </a:solidFill>
-                <a:latin typeface="G마켓 산스 TTF Bold" panose="02000000000000000000" pitchFamily="2" charset="-127"/>
-                <a:ea typeface="G마켓 산스 TTF Bold" panose="02000000000000000000" pitchFamily="2" charset="-127"/>
-              </a:rPr>
-              <a:t>,</a:t>
-            </a:r>
-          </a:p>
-          <a:p>
-            <a:pPr>
-              <a:lnSpc>
-                <a:spcPct val="150000"/>
-              </a:lnSpc>
-            </a:pPr>
-            <a:r>
-              <a:rPr lang="en-US" altLang="ko-KR" sz="1100" dirty="0">
-                <a:solidFill>
-                  <a:schemeClr val="bg1">
-                    <a:lumMod val="50000"/>
-                  </a:schemeClr>
-                </a:solidFill>
-                <a:latin typeface="G마켓 산스 TTF Bold" panose="02000000000000000000" pitchFamily="2" charset="-127"/>
-                <a:ea typeface="G마켓 산스 TTF Bold" panose="02000000000000000000" pitchFamily="2" charset="-127"/>
-              </a:rPr>
-              <a:t>      2) </a:t>
-            </a:r>
-            <a:r>
-              <a:rPr lang="ko-KR" altLang="en-US" sz="1100" dirty="0">
-                <a:solidFill>
-                  <a:schemeClr val="bg1">
-                    <a:lumMod val="50000"/>
-                  </a:schemeClr>
-                </a:solidFill>
-                <a:latin typeface="G마켓 산스 TTF Bold" panose="02000000000000000000" pitchFamily="2" charset="-127"/>
-                <a:ea typeface="G마켓 산스 TTF Bold" panose="02000000000000000000" pitchFamily="2" charset="-127"/>
-              </a:rPr>
-              <a:t>이후 선택 시 마다 해당 인덱스 </a:t>
-            </a:r>
-            <a:r>
-              <a:rPr lang="en-US" altLang="ko-KR" sz="1100" dirty="0">
-                <a:solidFill>
-                  <a:schemeClr val="bg1">
-                    <a:lumMod val="50000"/>
-                  </a:schemeClr>
-                </a:solidFill>
-                <a:latin typeface="G마켓 산스 TTF Bold" panose="02000000000000000000" pitchFamily="2" charset="-127"/>
-                <a:ea typeface="G마켓 산스 TTF Bold" panose="02000000000000000000" pitchFamily="2" charset="-127"/>
-              </a:rPr>
-              <a:t>true</a:t>
-            </a:r>
-            <a:r>
-              <a:rPr lang="ko-KR" altLang="en-US" sz="1100" dirty="0">
-                <a:solidFill>
-                  <a:schemeClr val="bg1">
-                    <a:lumMod val="50000"/>
-                  </a:schemeClr>
-                </a:solidFill>
-                <a:latin typeface="G마켓 산스 TTF Bold" panose="02000000000000000000" pitchFamily="2" charset="-127"/>
-                <a:ea typeface="G마켓 산스 TTF Bold" panose="02000000000000000000" pitchFamily="2" charset="-127"/>
-              </a:rPr>
-              <a:t>로 변경 </a:t>
+              <a:t> 메타데이터 필터링</a:t>
             </a:r>
             <a:endParaRPr lang="en-US" altLang="ko-KR" sz="1100" dirty="0">
               <a:solidFill>
@@ -10804,19 +14068,7 @@
                 <a:latin typeface="G마켓 산스 TTF Bold" panose="02000000000000000000" pitchFamily="2" charset="-127"/>
                 <a:ea typeface="G마켓 산스 TTF Bold" panose="02000000000000000000" pitchFamily="2" charset="-127"/>
               </a:rPr>
-              <a:t>      3) </a:t>
-            </a:r>
-            <a:r>
-              <a:rPr lang="ko-KR" altLang="en-US" sz="1100" dirty="0" err="1">
-                <a:solidFill>
-                  <a:schemeClr val="bg1">
-                    <a:lumMod val="50000"/>
-                  </a:schemeClr>
-                </a:solidFill>
-                <a:latin typeface="G마켓 산스 TTF Bold" panose="02000000000000000000" pitchFamily="2" charset="-127"/>
-                <a:ea typeface="G마켓 산스 TTF Bold" panose="02000000000000000000" pitchFamily="2" charset="-127"/>
-              </a:rPr>
-              <a:t>선택받지</a:t>
+              <a:t>      1)LLM</a:t>
             </a:r>
             <a:r>
               <a:rPr lang="ko-KR" altLang="en-US" sz="1100" dirty="0">
@@ -10828,7 +14080,7 @@
                 <a:latin typeface="G마켓 산스 TTF Bold" panose="02000000000000000000" pitchFamily="2" charset="-127"/>
                 <a:ea typeface="G마켓 산스 TTF Bold" panose="02000000000000000000" pitchFamily="2" charset="-127"/>
               </a:rPr>
-              <a:t> 못한 모델 </a:t>
+              <a:t>의 결과 값에 </a:t>
             </a:r>
             <a:r>
               <a:rPr lang="en-US" altLang="ko-KR" sz="1100" dirty="0" err="1">
@@ -10840,7 +14092,7 @@
                 <a:latin typeface="G마켓 산스 TTF Bold" panose="02000000000000000000" pitchFamily="2" charset="-127"/>
                 <a:ea typeface="G마켓 산스 TTF Bold" panose="02000000000000000000" pitchFamily="2" charset="-127"/>
               </a:rPr>
-              <a:t>api</a:t>
+              <a:t>isSelected</a:t>
             </a:r>
             <a:r>
               <a:rPr lang="en-US" altLang="ko-KR" sz="1100" dirty="0">
@@ -10852,7 +14104,7 @@
                 <a:latin typeface="G마켓 산스 TTF Bold" panose="02000000000000000000" pitchFamily="2" charset="-127"/>
                 <a:ea typeface="G마켓 산스 TTF Bold" panose="02000000000000000000" pitchFamily="2" charset="-127"/>
               </a:rPr>
-              <a:t> </a:t>
+              <a:t> = false </a:t>
             </a:r>
             <a:r>
               <a:rPr lang="ko-KR" altLang="en-US" sz="1100" dirty="0">
@@ -10864,7 +14116,7 @@
                 <a:latin typeface="G마켓 산스 TTF Bold" panose="02000000000000000000" pitchFamily="2" charset="-127"/>
                 <a:ea typeface="G마켓 산스 TTF Bold" panose="02000000000000000000" pitchFamily="2" charset="-127"/>
               </a:rPr>
-              <a:t>호출 시 </a:t>
+              <a:t>값 삽입</a:t>
             </a:r>
             <a:r>
               <a:rPr lang="en-US" altLang="ko-KR" sz="1100" dirty="0">
@@ -10876,7 +14128,26 @@
                 <a:latin typeface="G마켓 산스 TTF Bold" panose="02000000000000000000" pitchFamily="2" charset="-127"/>
                 <a:ea typeface="G마켓 산스 TTF Bold" panose="02000000000000000000" pitchFamily="2" charset="-127"/>
               </a:rPr>
-              <a:t>false </a:t>
+              <a:t>,</a:t>
+            </a:r>
+          </a:p>
+          <a:p>
+            <a:pPr>
+              <a:lnSpc>
+                <a:spcPct val="150000"/>
+              </a:lnSpc>
+            </a:pPr>
+            <a:r>
+              <a:rPr lang="en-US" altLang="ko-KR" sz="1100" dirty="0">
+                <a:solidFill>
+                  <a:schemeClr val="bg1">
+                    <a:lumMod val="50000"/>
+                  </a:schemeClr>
+                </a:solidFill>
+                <a:latin typeface="G마켓 산스 TTF Bold" panose="02000000000000000000" pitchFamily="2" charset="-127"/>
+                <a:ea typeface="G마켓 산스 TTF Bold" panose="02000000000000000000" pitchFamily="2" charset="-127"/>
+              </a:rPr>
+              <a:t>      2) </a:t>
             </a:r>
             <a:r>
               <a:rPr lang="ko-KR" altLang="en-US" sz="1100" dirty="0">
@@ -10888,7 +14159,7 @@
                 <a:latin typeface="G마켓 산스 TTF Bold" panose="02000000000000000000" pitchFamily="2" charset="-127"/>
                 <a:ea typeface="G마켓 산스 TTF Bold" panose="02000000000000000000" pitchFamily="2" charset="-127"/>
               </a:rPr>
-              <a:t>값만 반환 및 새로운 </a:t>
+              <a:t>이후 선택 시 마다 해당 인덱스 </a:t>
             </a:r>
             <a:r>
               <a:rPr lang="en-US" altLang="ko-KR" sz="1100" dirty="0">
@@ -10900,19 +14171,19 @@
                 <a:latin typeface="G마켓 산스 TTF Bold" panose="02000000000000000000" pitchFamily="2" charset="-127"/>
                 <a:ea typeface="G마켓 산스 TTF Bold" panose="02000000000000000000" pitchFamily="2" charset="-127"/>
               </a:rPr>
-              <a:t>ID </a:t>
-            </a:r>
-            <a:r>
-              <a:rPr lang="ko-KR" altLang="en-US" sz="1100" dirty="0" err="1">
-                <a:solidFill>
-                  <a:schemeClr val="bg1">
-                    <a:lumMod val="50000"/>
-                  </a:schemeClr>
-                </a:solidFill>
-                <a:latin typeface="G마켓 산스 TTF Bold" panose="02000000000000000000" pitchFamily="2" charset="-127"/>
-                <a:ea typeface="G마켓 산스 TTF Bold" panose="02000000000000000000" pitchFamily="2" charset="-127"/>
-              </a:rPr>
-              <a:t>채번</a:t>
+              <a:t>true</a:t>
+            </a:r>
+            <a:r>
+              <a:rPr lang="ko-KR" altLang="en-US" sz="1100" dirty="0">
+                <a:solidFill>
+                  <a:schemeClr val="bg1">
+                    <a:lumMod val="50000"/>
+                  </a:schemeClr>
+                </a:solidFill>
+                <a:latin typeface="G마켓 산스 TTF Bold" panose="02000000000000000000" pitchFamily="2" charset="-127"/>
+                <a:ea typeface="G마켓 산스 TTF Bold" panose="02000000000000000000" pitchFamily="2" charset="-127"/>
+              </a:rPr>
+              <a:t>로 변경 </a:t>
             </a:r>
             <a:endParaRPr lang="en-US" altLang="ko-KR" sz="1100" dirty="0">
               <a:solidFill>
@@ -10924,6 +14195,142 @@
               <a:ea typeface="G마켓 산스 TTF Bold" panose="02000000000000000000" pitchFamily="2" charset="-127"/>
             </a:endParaRPr>
           </a:p>
+          <a:p>
+            <a:pPr>
+              <a:lnSpc>
+                <a:spcPct val="150000"/>
+              </a:lnSpc>
+            </a:pPr>
+            <a:r>
+              <a:rPr lang="en-US" altLang="ko-KR" sz="1100" dirty="0">
+                <a:solidFill>
+                  <a:schemeClr val="bg1">
+                    <a:lumMod val="50000"/>
+                  </a:schemeClr>
+                </a:solidFill>
+                <a:latin typeface="G마켓 산스 TTF Bold" panose="02000000000000000000" pitchFamily="2" charset="-127"/>
+                <a:ea typeface="G마켓 산스 TTF Bold" panose="02000000000000000000" pitchFamily="2" charset="-127"/>
+              </a:rPr>
+              <a:t>      3) </a:t>
+            </a:r>
+            <a:r>
+              <a:rPr lang="ko-KR" altLang="en-US" sz="1100" dirty="0" err="1">
+                <a:solidFill>
+                  <a:schemeClr val="bg1">
+                    <a:lumMod val="50000"/>
+                  </a:schemeClr>
+                </a:solidFill>
+                <a:latin typeface="G마켓 산스 TTF Bold" panose="02000000000000000000" pitchFamily="2" charset="-127"/>
+                <a:ea typeface="G마켓 산스 TTF Bold" panose="02000000000000000000" pitchFamily="2" charset="-127"/>
+              </a:rPr>
+              <a:t>선택받지</a:t>
+            </a:r>
+            <a:r>
+              <a:rPr lang="ko-KR" altLang="en-US" sz="1100" dirty="0">
+                <a:solidFill>
+                  <a:schemeClr val="bg1">
+                    <a:lumMod val="50000"/>
+                  </a:schemeClr>
+                </a:solidFill>
+                <a:latin typeface="G마켓 산스 TTF Bold" panose="02000000000000000000" pitchFamily="2" charset="-127"/>
+                <a:ea typeface="G마켓 산스 TTF Bold" panose="02000000000000000000" pitchFamily="2" charset="-127"/>
+              </a:rPr>
+              <a:t> 못한 모델 </a:t>
+            </a:r>
+            <a:r>
+              <a:rPr lang="en-US" altLang="ko-KR" sz="1100" dirty="0" err="1">
+                <a:solidFill>
+                  <a:schemeClr val="bg1">
+                    <a:lumMod val="50000"/>
+                  </a:schemeClr>
+                </a:solidFill>
+                <a:latin typeface="G마켓 산스 TTF Bold" panose="02000000000000000000" pitchFamily="2" charset="-127"/>
+                <a:ea typeface="G마켓 산스 TTF Bold" panose="02000000000000000000" pitchFamily="2" charset="-127"/>
+              </a:rPr>
+              <a:t>api</a:t>
+            </a:r>
+            <a:r>
+              <a:rPr lang="en-US" altLang="ko-KR" sz="1100" dirty="0">
+                <a:solidFill>
+                  <a:schemeClr val="bg1">
+                    <a:lumMod val="50000"/>
+                  </a:schemeClr>
+                </a:solidFill>
+                <a:latin typeface="G마켓 산스 TTF Bold" panose="02000000000000000000" pitchFamily="2" charset="-127"/>
+                <a:ea typeface="G마켓 산스 TTF Bold" panose="02000000000000000000" pitchFamily="2" charset="-127"/>
+              </a:rPr>
+              <a:t> </a:t>
+            </a:r>
+            <a:r>
+              <a:rPr lang="ko-KR" altLang="en-US" sz="1100" dirty="0">
+                <a:solidFill>
+                  <a:schemeClr val="bg1">
+                    <a:lumMod val="50000"/>
+                  </a:schemeClr>
+                </a:solidFill>
+                <a:latin typeface="G마켓 산스 TTF Bold" panose="02000000000000000000" pitchFamily="2" charset="-127"/>
+                <a:ea typeface="G마켓 산스 TTF Bold" panose="02000000000000000000" pitchFamily="2" charset="-127"/>
+              </a:rPr>
+              <a:t>호출 시 </a:t>
+            </a:r>
+            <a:r>
+              <a:rPr lang="en-US" altLang="ko-KR" sz="1100" dirty="0">
+                <a:solidFill>
+                  <a:schemeClr val="bg1">
+                    <a:lumMod val="50000"/>
+                  </a:schemeClr>
+                </a:solidFill>
+                <a:latin typeface="G마켓 산스 TTF Bold" panose="02000000000000000000" pitchFamily="2" charset="-127"/>
+                <a:ea typeface="G마켓 산스 TTF Bold" panose="02000000000000000000" pitchFamily="2" charset="-127"/>
+              </a:rPr>
+              <a:t>false </a:t>
+            </a:r>
+            <a:r>
+              <a:rPr lang="ko-KR" altLang="en-US" sz="1100" dirty="0">
+                <a:solidFill>
+                  <a:schemeClr val="bg1">
+                    <a:lumMod val="50000"/>
+                  </a:schemeClr>
+                </a:solidFill>
+                <a:latin typeface="G마켓 산스 TTF Bold" panose="02000000000000000000" pitchFamily="2" charset="-127"/>
+                <a:ea typeface="G마켓 산스 TTF Bold" panose="02000000000000000000" pitchFamily="2" charset="-127"/>
+              </a:rPr>
+              <a:t>값만 반환 및 새로운 </a:t>
+            </a:r>
+            <a:r>
+              <a:rPr lang="en-US" altLang="ko-KR" sz="1100" dirty="0">
+                <a:solidFill>
+                  <a:schemeClr val="bg1">
+                    <a:lumMod val="50000"/>
+                  </a:schemeClr>
+                </a:solidFill>
+                <a:latin typeface="G마켓 산스 TTF Bold" panose="02000000000000000000" pitchFamily="2" charset="-127"/>
+                <a:ea typeface="G마켓 산스 TTF Bold" panose="02000000000000000000" pitchFamily="2" charset="-127"/>
+              </a:rPr>
+              <a:t>ID </a:t>
+            </a:r>
+            <a:r>
+              <a:rPr lang="ko-KR" altLang="en-US" sz="1100" dirty="0" err="1">
+                <a:solidFill>
+                  <a:schemeClr val="bg1">
+                    <a:lumMod val="50000"/>
+                  </a:schemeClr>
+                </a:solidFill>
+                <a:latin typeface="G마켓 산스 TTF Bold" panose="02000000000000000000" pitchFamily="2" charset="-127"/>
+                <a:ea typeface="G마켓 산스 TTF Bold" panose="02000000000000000000" pitchFamily="2" charset="-127"/>
+              </a:rPr>
+              <a:t>채번</a:t>
+            </a:r>
+            <a:endParaRPr lang="en-US" altLang="ko-KR" sz="1100" dirty="0">
+              <a:solidFill>
+                <a:schemeClr val="bg1">
+                  <a:lumMod val="50000"/>
+                </a:schemeClr>
+              </a:solidFill>
+              <a:latin typeface="G마켓 산스 TTF Bold" panose="02000000000000000000" pitchFamily="2" charset="-127"/>
+              <a:ea typeface="G마켓 산스 TTF Bold" panose="02000000000000000000" pitchFamily="2" charset="-127"/>
+            </a:endParaRPr>
+          </a:p>
         </p:txBody>
       </p:sp>
       <p:sp>
@@ -10931,7 +14338,7 @@
           <p:cNvPr id="4" name="TextBox 3">
             <a:extLst>
               <a:ext uri="{FF2B5EF4-FFF2-40B4-BE49-F238E27FC236}">
-                <a16:creationId xmlns:a16="http://schemas.microsoft.com/office/drawing/2014/main" id="{2F5AB4F6-863B-69AD-D551-701D102EB5FA}"/>
+                <a16:creationId xmlns:a16="http://schemas.microsoft.com/office/drawing/2014/main" id="{79AFC52B-95F9-3798-564C-336323C0C63B}"/>
               </a:ext>
             </a:extLst>
           </p:cNvPr>
@@ -10940,7 +14347,7 @@
         </p:nvSpPr>
         <p:spPr>
           <a:xfrm>
-            <a:off x="595101" y="5061604"/>
+            <a:off x="595101" y="2815948"/>
             <a:ext cx="5667797" cy="2912336"/>
           </a:xfrm>
           <a:prstGeom prst="rect">
@@ -11215,367 +14622,12 @@
           </a:p>
         </p:txBody>
       </p:sp>
-      <p:cxnSp>
-        <p:nvCxnSpPr>
-          <p:cNvPr id="5" name="직선 연결선 4">
-            <a:extLst>
-              <a:ext uri="{FF2B5EF4-FFF2-40B4-BE49-F238E27FC236}">
-                <a16:creationId xmlns:a16="http://schemas.microsoft.com/office/drawing/2014/main" id="{91F8354A-D2FC-4B8B-16F3-E950DAABE0BB}"/>
-              </a:ext>
-            </a:extLst>
-          </p:cNvPr>
-          <p:cNvCxnSpPr>
-            <a:cxnSpLocks/>
-          </p:cNvCxnSpPr>
-          <p:nvPr/>
-        </p:nvCxnSpPr>
-        <p:spPr>
-          <a:xfrm>
-            <a:off x="782318" y="928549"/>
-            <a:ext cx="0" cy="504011"/>
-          </a:xfrm>
-          <a:prstGeom prst="line">
-            <a:avLst/>
-          </a:prstGeom>
-          <a:ln w="25400">
-            <a:solidFill>
-              <a:srgbClr val="00B050"/>
-            </a:solidFill>
-          </a:ln>
-        </p:spPr>
-        <p:style>
-          <a:lnRef idx="1">
-            <a:schemeClr val="accent1"/>
-          </a:lnRef>
-          <a:fillRef idx="0">
-            <a:schemeClr val="accent1"/>
-          </a:fillRef>
-          <a:effectRef idx="0">
-            <a:schemeClr val="accent1"/>
-          </a:effectRef>
-          <a:fontRef idx="minor">
-            <a:schemeClr val="tx1"/>
-          </a:fontRef>
-        </p:style>
-      </p:cxnSp>
-      <p:sp>
-        <p:nvSpPr>
-          <p:cNvPr id="9" name="TextBox 8">
-            <a:extLst>
-              <a:ext uri="{FF2B5EF4-FFF2-40B4-BE49-F238E27FC236}">
-                <a16:creationId xmlns:a16="http://schemas.microsoft.com/office/drawing/2014/main" id="{AD2C9A91-4E00-4CD8-6EFF-6D9ADE7E836E}"/>
-              </a:ext>
-            </a:extLst>
-          </p:cNvPr>
-          <p:cNvSpPr txBox="1"/>
-          <p:nvPr/>
-        </p:nvSpPr>
-        <p:spPr>
-          <a:xfrm>
-            <a:off x="841371" y="828497"/>
-            <a:ext cx="3923669" cy="1848583"/>
-          </a:xfrm>
-          <a:prstGeom prst="rect">
-            <a:avLst/>
-          </a:prstGeom>
-          <a:noFill/>
-        </p:spPr>
-        <p:txBody>
-          <a:bodyPr wrap="square" rtlCol="0">
-            <a:spAutoFit/>
-          </a:bodyPr>
-          <a:lstStyle/>
-          <a:p>
-            <a:pPr>
-              <a:lnSpc>
-                <a:spcPct val="150000"/>
-              </a:lnSpc>
-            </a:pPr>
-            <a:r>
-              <a:rPr lang="en-US" altLang="ko-KR" sz="1100" dirty="0">
-                <a:solidFill>
-                  <a:schemeClr val="bg1">
-                    <a:lumMod val="50000"/>
-                  </a:schemeClr>
-                </a:solidFill>
-                <a:latin typeface="G마켓 산스 TTF Bold" panose="02000000000000000000" pitchFamily="2" charset="-127"/>
-                <a:ea typeface="G마켓 산스 TTF Bold" panose="02000000000000000000" pitchFamily="2" charset="-127"/>
-              </a:rPr>
-              <a:t>Chat GPT API </a:t>
-            </a:r>
-            <a:r>
-              <a:rPr lang="ko-KR" altLang="en-US" sz="1100" dirty="0">
-                <a:solidFill>
-                  <a:schemeClr val="bg1">
-                    <a:lumMod val="50000"/>
-                  </a:schemeClr>
-                </a:solidFill>
-                <a:latin typeface="G마켓 산스 TTF Bold" panose="02000000000000000000" pitchFamily="2" charset="-127"/>
-                <a:ea typeface="G마켓 산스 TTF Bold" panose="02000000000000000000" pitchFamily="2" charset="-127"/>
-              </a:rPr>
-              <a:t>전송</a:t>
-            </a:r>
-            <a:endParaRPr lang="en-US" altLang="ko-KR" sz="1100" dirty="0">
-              <a:solidFill>
-                <a:schemeClr val="bg1">
-                  <a:lumMod val="50000"/>
-                </a:schemeClr>
-              </a:solidFill>
-              <a:latin typeface="G마켓 산스 TTF Bold" panose="02000000000000000000" pitchFamily="2" charset="-127"/>
-              <a:ea typeface="G마켓 산스 TTF Bold" panose="02000000000000000000" pitchFamily="2" charset="-127"/>
-            </a:endParaRPr>
-          </a:p>
-          <a:p>
-            <a:pPr>
-              <a:lnSpc>
-                <a:spcPct val="150000"/>
-              </a:lnSpc>
-            </a:pPr>
-            <a:r>
-              <a:rPr lang="ko-KR" altLang="en-US" sz="1100" dirty="0">
-                <a:solidFill>
-                  <a:schemeClr val="bg1">
-                    <a:lumMod val="50000"/>
-                  </a:schemeClr>
-                </a:solidFill>
-                <a:latin typeface="G마켓 산스 TTF Bold" panose="02000000000000000000" pitchFamily="2" charset="-127"/>
-                <a:ea typeface="G마켓 산스 TTF Bold" panose="02000000000000000000" pitchFamily="2" charset="-127"/>
-              </a:rPr>
-              <a:t>요구사항 분석 및 </a:t>
-            </a:r>
-            <a:r>
-              <a:rPr lang="en-US" altLang="ko-KR" sz="1100" dirty="0">
-                <a:solidFill>
-                  <a:schemeClr val="bg1">
-                    <a:lumMod val="50000"/>
-                  </a:schemeClr>
-                </a:solidFill>
-                <a:latin typeface="G마켓 산스 TTF Bold" panose="02000000000000000000" pitchFamily="2" charset="-127"/>
-                <a:ea typeface="G마켓 산스 TTF Bold" panose="02000000000000000000" pitchFamily="2" charset="-127"/>
-              </a:rPr>
-              <a:t>NoSQL </a:t>
-            </a:r>
-            <a:r>
-              <a:rPr lang="ko-KR" altLang="en-US" sz="1100" dirty="0">
-                <a:solidFill>
-                  <a:schemeClr val="bg1">
-                    <a:lumMod val="50000"/>
-                  </a:schemeClr>
-                </a:solidFill>
-                <a:latin typeface="G마켓 산스 TTF Bold" panose="02000000000000000000" pitchFamily="2" charset="-127"/>
-                <a:ea typeface="G마켓 산스 TTF Bold" panose="02000000000000000000" pitchFamily="2" charset="-127"/>
-              </a:rPr>
-              <a:t>설계</a:t>
-            </a:r>
-            <a:endParaRPr lang="en-US" altLang="ko-KR" sz="1100" dirty="0">
-              <a:solidFill>
-                <a:schemeClr val="bg1">
-                  <a:lumMod val="50000"/>
-                </a:schemeClr>
-              </a:solidFill>
-              <a:latin typeface="G마켓 산스 TTF Bold" panose="02000000000000000000" pitchFamily="2" charset="-127"/>
-              <a:ea typeface="G마켓 산스 TTF Bold" panose="02000000000000000000" pitchFamily="2" charset="-127"/>
-            </a:endParaRPr>
-          </a:p>
-          <a:p>
-            <a:pPr>
-              <a:lnSpc>
-                <a:spcPct val="150000"/>
-              </a:lnSpc>
-            </a:pPr>
-            <a:r>
-              <a:rPr lang="ko-KR" altLang="en-US" sz="1100" dirty="0">
-                <a:solidFill>
-                  <a:schemeClr val="bg1">
-                    <a:lumMod val="50000"/>
-                  </a:schemeClr>
-                </a:solidFill>
-                <a:latin typeface="G마켓 산스 TTF Bold" panose="02000000000000000000" pitchFamily="2" charset="-127"/>
-                <a:ea typeface="G마켓 산스 TTF Bold" panose="02000000000000000000" pitchFamily="2" charset="-127"/>
-              </a:rPr>
-              <a:t>비정형 데이터 분류 및</a:t>
-            </a:r>
-            <a:r>
-              <a:rPr lang="en-US" altLang="ko-KR" sz="1100" dirty="0">
-                <a:solidFill>
-                  <a:schemeClr val="bg1">
-                    <a:lumMod val="50000"/>
-                  </a:schemeClr>
-                </a:solidFill>
-                <a:latin typeface="G마켓 산스 TTF Bold" panose="02000000000000000000" pitchFamily="2" charset="-127"/>
-                <a:ea typeface="G마켓 산스 TTF Bold" panose="02000000000000000000" pitchFamily="2" charset="-127"/>
-              </a:rPr>
-              <a:t> </a:t>
-            </a:r>
-            <a:r>
-              <a:rPr lang="ko-KR" altLang="en-US" sz="1100" dirty="0">
-                <a:solidFill>
-                  <a:schemeClr val="bg1">
-                    <a:lumMod val="50000"/>
-                  </a:schemeClr>
-                </a:solidFill>
-                <a:latin typeface="G마켓 산스 TTF Bold" panose="02000000000000000000" pitchFamily="2" charset="-127"/>
-                <a:ea typeface="G마켓 산스 TTF Bold" panose="02000000000000000000" pitchFamily="2" charset="-127"/>
-              </a:rPr>
-              <a:t>적재</a:t>
-            </a:r>
-            <a:r>
-              <a:rPr lang="en-US" altLang="ko-KR" sz="1100" dirty="0">
-                <a:solidFill>
-                  <a:schemeClr val="bg1">
-                    <a:lumMod val="50000"/>
-                  </a:schemeClr>
-                </a:solidFill>
-                <a:latin typeface="G마켓 산스 TTF Bold" panose="02000000000000000000" pitchFamily="2" charset="-127"/>
-                <a:ea typeface="G마켓 산스 TTF Bold" panose="02000000000000000000" pitchFamily="2" charset="-127"/>
-              </a:rPr>
-              <a:t>(MongoDB)</a:t>
-            </a:r>
-          </a:p>
-          <a:p>
-            <a:pPr>
-              <a:lnSpc>
-                <a:spcPct val="150000"/>
-              </a:lnSpc>
-            </a:pPr>
-            <a:r>
-              <a:rPr lang="en-US" altLang="ko-KR" sz="1100" dirty="0">
-                <a:solidFill>
-                  <a:schemeClr val="bg1">
-                    <a:lumMod val="50000"/>
-                  </a:schemeClr>
-                </a:solidFill>
-                <a:latin typeface="G마켓 산스 TTF Bold" panose="02000000000000000000" pitchFamily="2" charset="-127"/>
-                <a:ea typeface="G마켓 산스 TTF Bold" panose="02000000000000000000" pitchFamily="2" charset="-127"/>
-              </a:rPr>
-              <a:t>Fast API </a:t>
-            </a:r>
-            <a:r>
-              <a:rPr lang="ko-KR" altLang="en-US" sz="1100" dirty="0">
-                <a:solidFill>
-                  <a:schemeClr val="bg1">
-                    <a:lumMod val="50000"/>
-                  </a:schemeClr>
-                </a:solidFill>
-                <a:latin typeface="G마켓 산스 TTF Bold" panose="02000000000000000000" pitchFamily="2" charset="-127"/>
-                <a:ea typeface="G마켓 산스 TTF Bold" panose="02000000000000000000" pitchFamily="2" charset="-127"/>
-              </a:rPr>
-              <a:t>서버 요구사항 전송</a:t>
-            </a:r>
-            <a:endParaRPr lang="en-US" altLang="ko-KR" sz="1100" dirty="0">
-              <a:solidFill>
-                <a:schemeClr val="bg1">
-                  <a:lumMod val="50000"/>
-                </a:schemeClr>
-              </a:solidFill>
-              <a:latin typeface="G마켓 산스 TTF Bold" panose="02000000000000000000" pitchFamily="2" charset="-127"/>
-              <a:ea typeface="G마켓 산스 TTF Bold" panose="02000000000000000000" pitchFamily="2" charset="-127"/>
-            </a:endParaRPr>
-          </a:p>
-          <a:p>
-            <a:pPr>
-              <a:lnSpc>
-                <a:spcPct val="150000"/>
-              </a:lnSpc>
-            </a:pPr>
-            <a:r>
-              <a:rPr lang="en-US" altLang="ko-KR" sz="1100" dirty="0">
-                <a:solidFill>
-                  <a:schemeClr val="bg1">
-                    <a:lumMod val="50000"/>
-                  </a:schemeClr>
-                </a:solidFill>
-                <a:latin typeface="G마켓 산스 TTF Bold" panose="02000000000000000000" pitchFamily="2" charset="-127"/>
-                <a:ea typeface="G마켓 산스 TTF Bold" panose="02000000000000000000" pitchFamily="2" charset="-127"/>
-              </a:rPr>
-              <a:t>S3 </a:t>
-            </a:r>
-            <a:r>
-              <a:rPr lang="ko-KR" altLang="en-US" sz="1100" dirty="0">
-                <a:solidFill>
-                  <a:schemeClr val="bg1">
-                    <a:lumMod val="50000"/>
-                  </a:schemeClr>
-                </a:solidFill>
-                <a:latin typeface="G마켓 산스 TTF Bold" panose="02000000000000000000" pitchFamily="2" charset="-127"/>
-                <a:ea typeface="G마켓 산스 TTF Bold" panose="02000000000000000000" pitchFamily="2" charset="-127"/>
-              </a:rPr>
-              <a:t>서버 </a:t>
-            </a:r>
-            <a:r>
-              <a:rPr lang="en-US" altLang="ko-KR" sz="1100" dirty="0">
-                <a:solidFill>
-                  <a:schemeClr val="bg1">
-                    <a:lumMod val="50000"/>
-                  </a:schemeClr>
-                </a:solidFill>
-                <a:latin typeface="G마켓 산스 TTF Bold" panose="02000000000000000000" pitchFamily="2" charset="-127"/>
-                <a:ea typeface="G마켓 산스 TTF Bold" panose="02000000000000000000" pitchFamily="2" charset="-127"/>
-              </a:rPr>
-              <a:t>CSV </a:t>
-            </a:r>
-            <a:r>
-              <a:rPr lang="ko-KR" altLang="en-US" sz="1100" dirty="0">
-                <a:solidFill>
-                  <a:schemeClr val="bg1">
-                    <a:lumMod val="50000"/>
-                  </a:schemeClr>
-                </a:solidFill>
-                <a:latin typeface="G마켓 산스 TTF Bold" panose="02000000000000000000" pitchFamily="2" charset="-127"/>
-                <a:ea typeface="G마켓 산스 TTF Bold" panose="02000000000000000000" pitchFamily="2" charset="-127"/>
-              </a:rPr>
-              <a:t>파일 저장</a:t>
-            </a:r>
-            <a:endParaRPr lang="en-US" altLang="ko-KR" sz="1100" dirty="0">
-              <a:solidFill>
-                <a:schemeClr val="bg1">
-                  <a:lumMod val="50000"/>
-                </a:schemeClr>
-              </a:solidFill>
-              <a:latin typeface="G마켓 산스 TTF Bold" panose="02000000000000000000" pitchFamily="2" charset="-127"/>
-              <a:ea typeface="G마켓 산스 TTF Bold" panose="02000000000000000000" pitchFamily="2" charset="-127"/>
-            </a:endParaRPr>
-          </a:p>
-          <a:p>
-            <a:pPr>
-              <a:lnSpc>
-                <a:spcPct val="150000"/>
-              </a:lnSpc>
-            </a:pPr>
-            <a:endParaRPr lang="en-US" altLang="ko-KR" sz="1100" dirty="0">
-              <a:solidFill>
-                <a:schemeClr val="bg1">
-                  <a:lumMod val="50000"/>
-                </a:schemeClr>
-              </a:solidFill>
-              <a:latin typeface="G마켓 산스 TTF Bold" panose="02000000000000000000" pitchFamily="2" charset="-127"/>
-              <a:ea typeface="G마켓 산스 TTF Bold" panose="02000000000000000000" pitchFamily="2" charset="-127"/>
-            </a:endParaRPr>
-          </a:p>
-          <a:p>
-            <a:pPr>
-              <a:lnSpc>
-                <a:spcPct val="150000"/>
-              </a:lnSpc>
-            </a:pPr>
-            <a:endParaRPr lang="en-US" altLang="ko-KR" sz="1100" dirty="0">
-              <a:solidFill>
-                <a:schemeClr val="bg1">
-                  <a:lumMod val="50000"/>
-                </a:schemeClr>
-              </a:solidFill>
-              <a:latin typeface="G마켓 산스 TTF Bold" panose="02000000000000000000" pitchFamily="2" charset="-127"/>
-              <a:ea typeface="G마켓 산스 TTF Bold" panose="02000000000000000000" pitchFamily="2" charset="-127"/>
-            </a:endParaRPr>
-          </a:p>
-        </p:txBody>
-      </p:sp>
       <p:pic>
         <p:nvPicPr>
           <p:cNvPr id="14" name="그림 13">
             <a:extLst>
               <a:ext uri="{FF2B5EF4-FFF2-40B4-BE49-F238E27FC236}">
-                <a16:creationId xmlns:a16="http://schemas.microsoft.com/office/drawing/2014/main" id="{95A5E6C9-8EA3-287B-E6F5-87BA0F75C58C}"/>
+                <a16:creationId xmlns:a16="http://schemas.microsoft.com/office/drawing/2014/main" id="{139A6C0F-B97C-9806-BD40-BF970927748D}"/>
               </a:ext>
             </a:extLst>
           </p:cNvPr>
@@ -11592,7 +14644,7 @@
         </p:blipFill>
         <p:spPr>
           <a:xfrm>
-            <a:off x="1429328" y="7280407"/>
+            <a:off x="1429328" y="5034751"/>
             <a:ext cx="2588740" cy="2447204"/>
           </a:xfrm>
           <a:prstGeom prst="rect">
@@ -11605,7 +14657,7 @@
           <p:cNvPr id="18" name="그림 17">
             <a:extLst>
               <a:ext uri="{FF2B5EF4-FFF2-40B4-BE49-F238E27FC236}">
-                <a16:creationId xmlns:a16="http://schemas.microsoft.com/office/drawing/2014/main" id="{DE3D0378-3023-1DB3-33CA-D1CEF4B1A224}"/>
+                <a16:creationId xmlns:a16="http://schemas.microsoft.com/office/drawing/2014/main" id="{1C9097C2-509B-0EAE-4DC8-242256333869}"/>
               </a:ext>
             </a:extLst>
           </p:cNvPr>
@@ -11622,7 +14674,7 @@
         </p:blipFill>
         <p:spPr>
           <a:xfrm>
-            <a:off x="1429328" y="5786968"/>
+            <a:off x="1429328" y="3541312"/>
             <a:ext cx="3718882" cy="1051651"/>
           </a:xfrm>
           <a:prstGeom prst="rect">
@@ -11635,7 +14687,7 @@
           <p:cNvPr id="20" name="직사각형 19">
             <a:extLst>
               <a:ext uri="{FF2B5EF4-FFF2-40B4-BE49-F238E27FC236}">
-                <a16:creationId xmlns:a16="http://schemas.microsoft.com/office/drawing/2014/main" id="{A00A6672-A03F-9203-9F2F-C65D8142AD09}"/>
+                <a16:creationId xmlns:a16="http://schemas.microsoft.com/office/drawing/2014/main" id="{84F52431-E226-0385-1FA7-9078E7A6AD3E}"/>
               </a:ext>
             </a:extLst>
           </p:cNvPr>
@@ -11644,7 +14696,7 @@
         </p:nvSpPr>
         <p:spPr>
           <a:xfrm>
-            <a:off x="1499616" y="9528048"/>
+            <a:off x="1499616" y="7282392"/>
             <a:ext cx="688848" cy="140208"/>
           </a:xfrm>
           <a:prstGeom prst="rect">
@@ -11691,7 +14743,7 @@
           <p:cNvPr id="21" name="TextBox 20">
             <a:extLst>
               <a:ext uri="{FF2B5EF4-FFF2-40B4-BE49-F238E27FC236}">
-                <a16:creationId xmlns:a16="http://schemas.microsoft.com/office/drawing/2014/main" id="{A4E7B2CC-4F0E-6FE0-A15A-F1B150E884FE}"/>
+                <a16:creationId xmlns:a16="http://schemas.microsoft.com/office/drawing/2014/main" id="{801A55BB-B4FA-D4E9-D6F6-8C1159E23713}"/>
               </a:ext>
             </a:extLst>
           </p:cNvPr>
@@ -11700,7 +14752,7 @@
         </p:nvSpPr>
         <p:spPr>
           <a:xfrm>
-            <a:off x="3791361" y="360357"/>
+            <a:off x="846456" y="7802720"/>
             <a:ext cx="2594197" cy="388568"/>
           </a:xfrm>
           <a:prstGeom prst="rect">
@@ -11745,7 +14797,7 @@
           <p:cNvPr id="23" name="직선 연결선 22">
             <a:extLst>
               <a:ext uri="{FF2B5EF4-FFF2-40B4-BE49-F238E27FC236}">
-                <a16:creationId xmlns:a16="http://schemas.microsoft.com/office/drawing/2014/main" id="{9FCADE71-FA48-DD4A-BDD3-42A155F381B0}"/>
+                <a16:creationId xmlns:a16="http://schemas.microsoft.com/office/drawing/2014/main" id="{01B267E0-5F3D-A38B-7BB0-4E9B67CEABBC}"/>
               </a:ext>
             </a:extLst>
           </p:cNvPr>
@@ -11756,7 +14808,7 @@
         </p:nvCxnSpPr>
         <p:spPr>
           <a:xfrm>
-            <a:off x="3688078" y="867589"/>
+            <a:off x="671982" y="8212221"/>
             <a:ext cx="0" cy="504011"/>
           </a:xfrm>
           <a:prstGeom prst="line">
@@ -11788,7 +14840,7 @@
           <p:cNvPr id="24" name="TextBox 23">
             <a:extLst>
               <a:ext uri="{FF2B5EF4-FFF2-40B4-BE49-F238E27FC236}">
-                <a16:creationId xmlns:a16="http://schemas.microsoft.com/office/drawing/2014/main" id="{94D6BD9D-6CC1-0850-DD7E-730B2FE143BB}"/>
+                <a16:creationId xmlns:a16="http://schemas.microsoft.com/office/drawing/2014/main" id="{BD95055D-E103-278C-2B15-4DDAD74594EE}"/>
               </a:ext>
             </a:extLst>
           </p:cNvPr>
@@ -11797,7 +14849,7 @@
         </p:nvSpPr>
         <p:spPr>
           <a:xfrm>
-            <a:off x="3649978" y="769858"/>
+            <a:off x="705073" y="8212221"/>
             <a:ext cx="3923669" cy="1340752"/>
           </a:xfrm>
           <a:prstGeom prst="rect">
@@ -11892,7 +14944,7 @@
                 <a:latin typeface="G마켓 산스 TTF Bold" panose="02000000000000000000" pitchFamily="2" charset="-127"/>
                 <a:ea typeface="G마켓 산스 TTF Bold" panose="02000000000000000000" pitchFamily="2" charset="-127"/>
               </a:rPr>
-              <a:t>(</a:t>
+              <a:t>    (</a:t>
             </a:r>
             <a:r>
               <a:rPr lang="ko-KR" altLang="en-US" sz="1100" dirty="0">
@@ -11977,7 +15029,7 @@
                 <a:latin typeface="G마켓 산스 TTF Bold" panose="02000000000000000000" pitchFamily="2" charset="-127"/>
                 <a:ea typeface="G마켓 산스 TTF Bold" panose="02000000000000000000" pitchFamily="2" charset="-127"/>
               </a:rPr>
-              <a:t> 시에</a:t>
+              <a:t>   시에</a:t>
             </a:r>
             <a:r>
               <a:rPr lang="en-US" altLang="ko-KR" sz="1100" dirty="0">
@@ -12053,7 +15105,7 @@
                 <a:latin typeface="G마켓 산스 TTF Bold" panose="02000000000000000000" pitchFamily="2" charset="-127"/>
                 <a:ea typeface="G마켓 산스 TTF Bold" panose="02000000000000000000" pitchFamily="2" charset="-127"/>
               </a:rPr>
-              <a:t>(NoSQL+ SQL </a:t>
+              <a:t>   (NoSQL+ SQL </a:t>
             </a:r>
             <a:r>
               <a:rPr lang="ko-KR" altLang="en-US" sz="1100" dirty="0">
@@ -12085,7 +15137,7 @@
     </p:spTree>
     <p:extLst>
       <p:ext uri="{BB962C8B-B14F-4D97-AF65-F5344CB8AC3E}">
-        <p14:creationId xmlns:p14="http://schemas.microsoft.com/office/powerpoint/2010/main" val="3413171283"/>
+        <p14:creationId xmlns:p14="http://schemas.microsoft.com/office/powerpoint/2010/main" val="757412147"/>
       </p:ext>
     </p:extLst>
   </p:cSld>
@@ -17987,8 +21039,8 @@
         </p:nvSpPr>
         <p:spPr>
           <a:xfrm>
-            <a:off x="684812" y="114967"/>
-            <a:ext cx="5756331" cy="8888507"/>
+            <a:off x="709615" y="490832"/>
+            <a:ext cx="4012050" cy="1776024"/>
           </a:xfrm>
           <a:prstGeom prst="rect">
             <a:avLst/>
@@ -17998,11 +21050,22 @@
           <a:bodyPr lIns="0" tIns="0" rIns="0" bIns="0" rtlCol="0" anchor="ctr"/>
           <a:lstStyle/>
           <a:p>
-            <a:pPr>
+            <a:pPr marL="457200" indent="-457200">
               <a:lnSpc>
                 <a:spcPct val="157700"/>
               </a:lnSpc>
-            </a:pPr>
+              <a:buAutoNum type="arabicPeriod"/>
+            </a:pPr>
+            <a:r>
+              <a:rPr lang="ko-KR" altLang="en-US" sz="2400" b="0" i="0" u="none" strike="noStrike" dirty="0">
+                <a:solidFill>
+                  <a:srgbClr val="595959"/>
+                </a:solidFill>
+                <a:latin typeface="G마켓 산스 TTF Bold" panose="02000000000000000000" pitchFamily="2" charset="-127"/>
+                <a:ea typeface="G마켓 산스 TTF Bold" panose="02000000000000000000" pitchFamily="2" charset="-127"/>
+              </a:rPr>
+              <a:t>창고 관리 시스템</a:t>
+            </a:r>
             <a:r>
               <a:rPr lang="en-US" altLang="ko-KR" sz="2400" b="0" i="0" u="none" strike="noStrike" dirty="0">
                 <a:solidFill>
@@ -18011,261 +21074,8 @@
                 <a:latin typeface="G마켓 산스 TTF Bold" panose="02000000000000000000" pitchFamily="2" charset="-127"/>
                 <a:ea typeface="G마켓 산스 TTF Bold" panose="02000000000000000000" pitchFamily="2" charset="-127"/>
               </a:rPr>
-              <a:t> 1. </a:t>
-            </a:r>
-            <a:r>
-              <a:rPr lang="ko-KR" altLang="en-US" sz="2400" b="0" i="0" u="none" strike="noStrike" dirty="0">
-                <a:solidFill>
-                  <a:srgbClr val="595959"/>
-                </a:solidFill>
-                <a:latin typeface="G마켓 산스 TTF Bold" panose="02000000000000000000" pitchFamily="2" charset="-127"/>
-                <a:ea typeface="G마켓 산스 TTF Bold" panose="02000000000000000000" pitchFamily="2" charset="-127"/>
-              </a:rPr>
-              <a:t>창고 관리 시스템</a:t>
-            </a:r>
-            <a:r>
-              <a:rPr lang="en-US" altLang="ko-KR" sz="2400" b="0" i="0" u="none" strike="noStrike" dirty="0">
-                <a:solidFill>
-                  <a:srgbClr val="595959"/>
-                </a:solidFill>
-                <a:latin typeface="G마켓 산스 TTF Bold" panose="02000000000000000000" pitchFamily="2" charset="-127"/>
-                <a:ea typeface="G마켓 산스 TTF Bold" panose="02000000000000000000" pitchFamily="2" charset="-127"/>
-              </a:rPr>
               <a:t>(WMS)</a:t>
             </a:r>
-          </a:p>
-          <a:p>
-            <a:pPr>
-              <a:lnSpc>
-                <a:spcPct val="157700"/>
-              </a:lnSpc>
-            </a:pPr>
-            <a:endParaRPr lang="en-US" altLang="ko-KR" sz="2400" dirty="0">
-              <a:solidFill>
-                <a:srgbClr val="595959"/>
-              </a:solidFill>
-              <a:latin typeface="G마켓 산스 TTF Bold" panose="02000000000000000000" pitchFamily="2" charset="-127"/>
-              <a:ea typeface="G마켓 산스 TTF Bold" panose="02000000000000000000" pitchFamily="2" charset="-127"/>
-            </a:endParaRPr>
-          </a:p>
-          <a:p>
-            <a:pPr>
-              <a:lnSpc>
-                <a:spcPct val="157700"/>
-              </a:lnSpc>
-            </a:pPr>
-            <a:endParaRPr lang="en-US" altLang="ko-KR" sz="2400" dirty="0">
-              <a:solidFill>
-                <a:srgbClr val="595959"/>
-              </a:solidFill>
-              <a:latin typeface="G마켓 산스 TTF Bold" panose="02000000000000000000" pitchFamily="2" charset="-127"/>
-              <a:ea typeface="G마켓 산스 TTF Bold" panose="02000000000000000000" pitchFamily="2" charset="-127"/>
-            </a:endParaRPr>
-          </a:p>
-          <a:p>
-            <a:pPr>
-              <a:lnSpc>
-                <a:spcPct val="157700"/>
-              </a:lnSpc>
-            </a:pPr>
-            <a:endParaRPr lang="en-US" altLang="ko-KR" sz="2400" dirty="0">
-              <a:solidFill>
-                <a:srgbClr val="595959"/>
-              </a:solidFill>
-              <a:latin typeface="G마켓 산스 TTF Bold" panose="02000000000000000000" pitchFamily="2" charset="-127"/>
-              <a:ea typeface="G마켓 산스 TTF Bold" panose="02000000000000000000" pitchFamily="2" charset="-127"/>
-            </a:endParaRPr>
-          </a:p>
-          <a:p>
-            <a:pPr>
-              <a:lnSpc>
-                <a:spcPct val="157700"/>
-              </a:lnSpc>
-            </a:pPr>
-            <a:endParaRPr lang="en-US" altLang="ko-KR" sz="2400" dirty="0">
-              <a:solidFill>
-                <a:srgbClr val="595959"/>
-              </a:solidFill>
-              <a:latin typeface="G마켓 산스 TTF Bold" panose="02000000000000000000" pitchFamily="2" charset="-127"/>
-              <a:ea typeface="G마켓 산스 TTF Bold" panose="02000000000000000000" pitchFamily="2" charset="-127"/>
-            </a:endParaRPr>
-          </a:p>
-          <a:p>
-            <a:pPr>
-              <a:lnSpc>
-                <a:spcPct val="157700"/>
-              </a:lnSpc>
-            </a:pPr>
-            <a:r>
-              <a:rPr lang="en-US" altLang="ko-KR" sz="2400" dirty="0">
-                <a:solidFill>
-                  <a:srgbClr val="595959"/>
-                </a:solidFill>
-                <a:latin typeface="G마켓 산스 TTF Bold" panose="02000000000000000000" pitchFamily="2" charset="-127"/>
-                <a:ea typeface="G마켓 산스 TTF Bold" panose="02000000000000000000" pitchFamily="2" charset="-127"/>
-              </a:rPr>
-              <a:t>2. </a:t>
-            </a:r>
-            <a:r>
-              <a:rPr lang="ko-KR" altLang="en-US" sz="2400" dirty="0">
-                <a:solidFill>
-                  <a:srgbClr val="595959"/>
-                </a:solidFill>
-                <a:latin typeface="G마켓 산스 TTF Bold" panose="02000000000000000000" pitchFamily="2" charset="-127"/>
-                <a:ea typeface="G마켓 산스 TTF Bold" panose="02000000000000000000" pitchFamily="2" charset="-127"/>
-              </a:rPr>
-              <a:t>무인 매장 관리 시스템</a:t>
-            </a:r>
-            <a:r>
-              <a:rPr lang="en-US" altLang="ko-KR" sz="2400" dirty="0">
-                <a:solidFill>
-                  <a:srgbClr val="595959"/>
-                </a:solidFill>
-                <a:latin typeface="G마켓 산스 TTF Bold" panose="02000000000000000000" pitchFamily="2" charset="-127"/>
-                <a:ea typeface="G마켓 산스 TTF Bold" panose="02000000000000000000" pitchFamily="2" charset="-127"/>
-              </a:rPr>
-              <a:t>(Auto Store)</a:t>
-            </a:r>
-          </a:p>
-          <a:p>
-            <a:pPr>
-              <a:lnSpc>
-                <a:spcPct val="157700"/>
-              </a:lnSpc>
-            </a:pPr>
-            <a:endParaRPr lang="en-US" altLang="ko-KR" sz="2400" b="0" i="0" u="none" strike="noStrike" dirty="0">
-              <a:solidFill>
-                <a:srgbClr val="595959"/>
-              </a:solidFill>
-              <a:latin typeface="G마켓 산스 TTF Bold" panose="02000000000000000000" pitchFamily="2" charset="-127"/>
-              <a:ea typeface="G마켓 산스 TTF Bold" panose="02000000000000000000" pitchFamily="2" charset="-127"/>
-            </a:endParaRPr>
-          </a:p>
-          <a:p>
-            <a:pPr>
-              <a:lnSpc>
-                <a:spcPct val="157700"/>
-              </a:lnSpc>
-            </a:pPr>
-            <a:endParaRPr lang="en-US" altLang="ko-KR" sz="2400" dirty="0">
-              <a:solidFill>
-                <a:srgbClr val="595959"/>
-              </a:solidFill>
-              <a:latin typeface="G마켓 산스 TTF Bold" panose="02000000000000000000" pitchFamily="2" charset="-127"/>
-              <a:ea typeface="G마켓 산스 TTF Bold" panose="02000000000000000000" pitchFamily="2" charset="-127"/>
-            </a:endParaRPr>
-          </a:p>
-          <a:p>
-            <a:pPr>
-              <a:lnSpc>
-                <a:spcPct val="157700"/>
-              </a:lnSpc>
-            </a:pPr>
-            <a:endParaRPr lang="en-US" altLang="ko-KR" sz="2400" b="0" i="0" u="none" strike="noStrike" dirty="0">
-              <a:solidFill>
-                <a:srgbClr val="595959"/>
-              </a:solidFill>
-              <a:latin typeface="G마켓 산스 TTF Bold" panose="02000000000000000000" pitchFamily="2" charset="-127"/>
-              <a:ea typeface="G마켓 산스 TTF Bold" panose="02000000000000000000" pitchFamily="2" charset="-127"/>
-            </a:endParaRPr>
-          </a:p>
-          <a:p>
-            <a:pPr>
-              <a:lnSpc>
-                <a:spcPct val="157700"/>
-              </a:lnSpc>
-            </a:pPr>
-            <a:endParaRPr lang="en-US" altLang="ko-KR" sz="2400" b="0" i="0" u="none" strike="noStrike" dirty="0">
-              <a:solidFill>
-                <a:srgbClr val="595959"/>
-              </a:solidFill>
-              <a:latin typeface="G마켓 산스 TTF Bold" panose="02000000000000000000" pitchFamily="2" charset="-127"/>
-              <a:ea typeface="G마켓 산스 TTF Bold" panose="02000000000000000000" pitchFamily="2" charset="-127"/>
-            </a:endParaRPr>
-          </a:p>
-          <a:p>
-            <a:pPr>
-              <a:lnSpc>
-                <a:spcPct val="157700"/>
-              </a:lnSpc>
-            </a:pPr>
-            <a:r>
-              <a:rPr lang="en-US" altLang="ko-KR" sz="2400" b="0" i="0" u="none" strike="noStrike" dirty="0">
-                <a:solidFill>
-                  <a:srgbClr val="595959"/>
-                </a:solidFill>
-                <a:latin typeface="G마켓 산스 TTF Bold" panose="02000000000000000000" pitchFamily="2" charset="-127"/>
-                <a:ea typeface="G마켓 산스 TTF Bold" panose="02000000000000000000" pitchFamily="2" charset="-127"/>
-              </a:rPr>
-              <a:t>3. </a:t>
-            </a:r>
-            <a:r>
-              <a:rPr lang="ko-KR" altLang="en-US" sz="2400" b="0" i="0" u="none" strike="noStrike" dirty="0">
-                <a:solidFill>
-                  <a:srgbClr val="595959"/>
-                </a:solidFill>
-                <a:latin typeface="G마켓 산스 TTF Bold" panose="02000000000000000000" pitchFamily="2" charset="-127"/>
-                <a:ea typeface="G마켓 산스 TTF Bold" panose="02000000000000000000" pitchFamily="2" charset="-127"/>
-              </a:rPr>
-              <a:t>파일 모델 분석 시스템</a:t>
-            </a:r>
-            <a:r>
-              <a:rPr lang="en-US" altLang="ko-KR" sz="2400" b="0" i="0" u="none" strike="noStrike" dirty="0">
-                <a:solidFill>
-                  <a:srgbClr val="595959"/>
-                </a:solidFill>
-                <a:latin typeface="G마켓 산스 TTF Bold" panose="02000000000000000000" pitchFamily="2" charset="-127"/>
-                <a:ea typeface="G마켓 산스 TTF Bold" panose="02000000000000000000" pitchFamily="2" charset="-127"/>
-              </a:rPr>
-              <a:t>(</a:t>
-            </a:r>
-            <a:r>
-              <a:rPr lang="ko-KR" altLang="en-US" sz="2400" b="0" i="0" u="none" strike="noStrike" dirty="0">
-                <a:solidFill>
-                  <a:srgbClr val="595959"/>
-                </a:solidFill>
-                <a:latin typeface="G마켓 산스 TTF Bold" panose="02000000000000000000" pitchFamily="2" charset="-127"/>
-                <a:ea typeface="G마켓 산스 TTF Bold" panose="02000000000000000000" pitchFamily="2" charset="-127"/>
-              </a:rPr>
-              <a:t>말하는 </a:t>
-            </a:r>
-            <a:r>
-              <a:rPr lang="en-US" altLang="ko-KR" sz="2400" b="0" i="0" u="none" strike="noStrike" dirty="0">
-                <a:solidFill>
-                  <a:srgbClr val="595959"/>
-                </a:solidFill>
-                <a:latin typeface="G마켓 산스 TTF Bold" panose="02000000000000000000" pitchFamily="2" charset="-127"/>
-                <a:ea typeface="G마켓 산스 TTF Bold" panose="02000000000000000000" pitchFamily="2" charset="-127"/>
-              </a:rPr>
-              <a:t>Da</a:t>
-            </a:r>
-            <a:r>
-              <a:rPr lang="ko-KR" altLang="en-US" sz="2400" b="0" i="0" u="none" strike="noStrike" dirty="0">
-                <a:solidFill>
-                  <a:srgbClr val="595959"/>
-                </a:solidFill>
-                <a:latin typeface="G마켓 산스 TTF Bold" panose="02000000000000000000" pitchFamily="2" charset="-127"/>
-                <a:ea typeface="G마켓 산스 TTF Bold" panose="02000000000000000000" pitchFamily="2" charset="-127"/>
-              </a:rPr>
-              <a:t>로</a:t>
-            </a:r>
-            <a:r>
-              <a:rPr lang="en-US" altLang="ko-KR" sz="2400" b="0" i="0" u="none" strike="noStrike" dirty="0">
-                <a:solidFill>
-                  <a:srgbClr val="595959"/>
-                </a:solidFill>
-                <a:latin typeface="G마켓 산스 TTF Bold" panose="02000000000000000000" pitchFamily="2" charset="-127"/>
-                <a:ea typeface="G마켓 산스 TTF Bold" panose="02000000000000000000" pitchFamily="2" charset="-127"/>
-              </a:rPr>
-              <a:t>)</a:t>
-            </a:r>
-            <a:endParaRPr lang="en-US" altLang="ko-KR" sz="2400" dirty="0">
-              <a:solidFill>
-                <a:srgbClr val="595959"/>
-              </a:solidFill>
-              <a:latin typeface="G마켓 산스 TTF Bold" panose="02000000000000000000" pitchFamily="2" charset="-127"/>
-              <a:ea typeface="G마켓 산스 TTF Bold" panose="02000000000000000000" pitchFamily="2" charset="-127"/>
-            </a:endParaRPr>
           </a:p>
           <a:p>
             <a:pPr>
@@ -18307,7 +21117,7 @@
         </p:nvCxnSpPr>
         <p:spPr>
           <a:xfrm>
-            <a:off x="684812" y="2172734"/>
+            <a:off x="684812" y="1930688"/>
             <a:ext cx="5492750" cy="0"/>
           </a:xfrm>
           <a:prstGeom prst="line">
@@ -18350,7 +21160,7 @@
         </p:nvSpPr>
         <p:spPr>
           <a:xfrm>
-            <a:off x="609599" y="419766"/>
+            <a:off x="609599" y="298743"/>
             <a:ext cx="3505200" cy="584775"/>
           </a:xfrm>
           <a:prstGeom prst="rect">
@@ -18408,7 +21218,7 @@
         </p:nvSpPr>
         <p:spPr>
           <a:xfrm>
-            <a:off x="684812" y="1599688"/>
+            <a:off x="684812" y="1357642"/>
             <a:ext cx="4922612" cy="556884"/>
           </a:xfrm>
           <a:prstGeom prst="rect">
@@ -18631,7 +21441,7 @@
         </p:nvCxnSpPr>
         <p:spPr>
           <a:xfrm>
-            <a:off x="689295" y="5081772"/>
+            <a:off x="689295" y="5108666"/>
             <a:ext cx="5492750" cy="0"/>
           </a:xfrm>
           <a:prstGeom prst="line">
@@ -18674,7 +21484,7 @@
         </p:nvSpPr>
         <p:spPr>
           <a:xfrm>
-            <a:off x="689295" y="4508726"/>
+            <a:off x="689295" y="4535620"/>
             <a:ext cx="4922612" cy="556884"/>
           </a:xfrm>
           <a:prstGeom prst="rect">
@@ -18873,7 +21683,7 @@
         </p:nvCxnSpPr>
         <p:spPr>
           <a:xfrm>
-            <a:off x="709615" y="7743692"/>
+            <a:off x="709615" y="7837821"/>
             <a:ext cx="5492750" cy="0"/>
           </a:xfrm>
           <a:prstGeom prst="line">
@@ -18916,7 +21726,7 @@
         </p:nvSpPr>
         <p:spPr>
           <a:xfrm>
-            <a:off x="709614" y="7404326"/>
+            <a:off x="709614" y="7498455"/>
             <a:ext cx="5435687" cy="314510"/>
           </a:xfrm>
           <a:prstGeom prst="rect">
@@ -19072,8 +21882,8 @@
         </p:nvSpPr>
         <p:spPr>
           <a:xfrm>
-            <a:off x="1064062" y="2301166"/>
-            <a:ext cx="3657602" cy="1731243"/>
+            <a:off x="1064062" y="2059120"/>
+            <a:ext cx="3657602" cy="2004395"/>
           </a:xfrm>
           <a:prstGeom prst="rect">
             <a:avLst/>
@@ -19094,7 +21904,7 @@
               <a:buAutoNum type="arabicParenR"/>
             </a:pPr>
             <a:r>
-              <a:rPr lang="ko-KR" altLang="en-US" sz="1200" dirty="0">
+              <a:rPr lang="ko-KR" altLang="en-US" sz="1400" dirty="0">
                 <a:solidFill>
                   <a:schemeClr val="tx1">
                     <a:lumMod val="50000"/>
@@ -19106,7 +21916,7 @@
               </a:rPr>
               <a:t>프로젝트 환경 및 개요</a:t>
             </a:r>
-            <a:endParaRPr lang="en-US" altLang="ko-KR" sz="1200" dirty="0">
+            <a:endParaRPr lang="en-US" altLang="ko-KR" sz="1400" dirty="0">
               <a:solidFill>
                 <a:schemeClr val="tx1">
                   <a:lumMod val="50000"/>
@@ -19126,7 +21936,7 @@
               <a:buAutoNum type="arabicParenR"/>
             </a:pPr>
             <a:r>
-              <a:rPr lang="ko-KR" altLang="en-US" sz="1200" dirty="0">
+              <a:rPr lang="ko-KR" altLang="en-US" sz="1400" dirty="0">
                 <a:solidFill>
                   <a:schemeClr val="tx1">
                     <a:lumMod val="50000"/>
@@ -19139,7 +21949,7 @@
               <a:t>담당 업무</a:t>
             </a:r>
             <a:r>
-              <a:rPr lang="en-US" altLang="ko-KR" sz="1200" dirty="0">
+              <a:rPr lang="en-US" altLang="ko-KR" sz="1400" dirty="0">
                 <a:solidFill>
                   <a:schemeClr val="tx1">
                     <a:lumMod val="50000"/>
@@ -19152,7 +21962,7 @@
               <a:t> </a:t>
             </a:r>
             <a:r>
-              <a:rPr lang="ko-KR" altLang="en-US" sz="1200" dirty="0">
+              <a:rPr lang="ko-KR" altLang="en-US" sz="1400" dirty="0">
                 <a:solidFill>
                   <a:schemeClr val="tx1">
                     <a:lumMod val="50000"/>
@@ -19164,7 +21974,7 @@
               </a:rPr>
               <a:t>상세</a:t>
             </a:r>
-            <a:endParaRPr lang="en-US" altLang="ko-KR" sz="1200" dirty="0">
+            <a:endParaRPr lang="en-US" altLang="ko-KR" sz="1400" dirty="0">
               <a:solidFill>
                 <a:schemeClr val="tx1">
                   <a:lumMod val="50000"/>
@@ -19184,7 +21994,7 @@
               <a:buAutoNum type="arabicParenR"/>
             </a:pPr>
             <a:r>
-              <a:rPr lang="ko-KR" altLang="en-US" sz="1200" dirty="0">
+              <a:rPr lang="ko-KR" altLang="en-US" sz="1400" dirty="0">
                 <a:solidFill>
                   <a:schemeClr val="tx1">
                     <a:lumMod val="50000"/>
@@ -19196,7 +22006,7 @@
               </a:rPr>
               <a:t>문제 상황</a:t>
             </a:r>
-            <a:endParaRPr lang="en-US" altLang="ko-KR" sz="1200" dirty="0">
+            <a:endParaRPr lang="en-US" altLang="ko-KR" sz="1400" dirty="0">
               <a:solidFill>
                 <a:schemeClr val="tx1">
                   <a:lumMod val="50000"/>
@@ -19216,7 +22026,7 @@
               <a:buAutoNum type="arabicParenR"/>
             </a:pPr>
             <a:r>
-              <a:rPr lang="ko-KR" altLang="en-US" sz="1200" dirty="0">
+              <a:rPr lang="ko-KR" altLang="en-US" sz="1400" dirty="0">
                 <a:solidFill>
                   <a:schemeClr val="tx1">
                     <a:lumMod val="50000"/>
@@ -19228,7 +22038,7 @@
               </a:rPr>
               <a:t>해결 방안</a:t>
             </a:r>
-            <a:endParaRPr lang="en-US" altLang="ko-KR" sz="1200" dirty="0">
+            <a:endParaRPr lang="en-US" altLang="ko-KR" sz="1400" dirty="0">
               <a:solidFill>
                 <a:schemeClr val="tx1">
                   <a:lumMod val="50000"/>
@@ -19248,7 +22058,7 @@
               <a:buAutoNum type="arabicParenR"/>
             </a:pPr>
             <a:r>
-              <a:rPr lang="ko-KR" altLang="en-US" sz="1200" dirty="0">
+              <a:rPr lang="ko-KR" altLang="en-US" sz="1400" dirty="0">
                 <a:solidFill>
                   <a:schemeClr val="tx1">
                     <a:lumMod val="50000"/>
@@ -19260,7 +22070,7 @@
               </a:rPr>
               <a:t>문제 해결</a:t>
             </a:r>
-            <a:endParaRPr lang="en-US" altLang="ko-KR" sz="1200" dirty="0">
+            <a:endParaRPr lang="en-US" altLang="ko-KR" sz="1400" dirty="0">
               <a:solidFill>
                 <a:schemeClr val="tx1">
                   <a:lumMod val="50000"/>
@@ -19280,7 +22090,7 @@
               <a:buAutoNum type="arabicParenR"/>
             </a:pPr>
             <a:r>
-              <a:rPr lang="ko-KR" altLang="en-US" sz="1200" dirty="0">
+              <a:rPr lang="ko-KR" altLang="en-US" sz="1400" dirty="0">
                 <a:solidFill>
                   <a:schemeClr val="tx1">
                     <a:lumMod val="50000"/>
@@ -19293,7 +22103,7 @@
               <a:t>물류 서비스 </a:t>
             </a:r>
             <a:r>
-              <a:rPr lang="ko-KR" altLang="en-US" sz="1200" dirty="0" err="1">
+              <a:rPr lang="ko-KR" altLang="en-US" sz="1400" dirty="0" err="1">
                 <a:solidFill>
                   <a:schemeClr val="tx1">
                     <a:lumMod val="50000"/>
@@ -19306,7 +22116,7 @@
               <a:t>도출점</a:t>
             </a:r>
             <a:r>
-              <a:rPr lang="ko-KR" altLang="en-US" sz="1200" dirty="0">
+              <a:rPr lang="ko-KR" altLang="en-US" sz="1400" dirty="0">
                 <a:solidFill>
                   <a:schemeClr val="tx1">
                     <a:lumMod val="50000"/>
@@ -19319,7 +22129,7 @@
               <a:t> 및 </a:t>
             </a:r>
             <a:r>
-              <a:rPr lang="ko-KR" altLang="en-US" sz="1200" dirty="0" err="1">
+              <a:rPr lang="ko-KR" altLang="en-US" sz="1400" dirty="0" err="1">
                 <a:solidFill>
                   <a:schemeClr val="tx1">
                     <a:lumMod val="50000"/>
@@ -19331,7 +22141,7 @@
               </a:rPr>
               <a:t>느낀점</a:t>
             </a:r>
-            <a:endParaRPr lang="en-US" altLang="ko-KR" sz="1200" dirty="0">
+            <a:endParaRPr lang="en-US" altLang="ko-KR" sz="1400" dirty="0">
               <a:solidFill>
                 <a:schemeClr val="tx1">
                   <a:lumMod val="50000"/>
@@ -19358,8 +22168,8 @@
         </p:nvSpPr>
         <p:spPr>
           <a:xfrm>
-            <a:off x="1053902" y="5186606"/>
-            <a:ext cx="3657602" cy="2807500"/>
+            <a:off x="1053902" y="5052136"/>
+            <a:ext cx="3657602" cy="3222998"/>
           </a:xfrm>
           <a:prstGeom prst="rect">
             <a:avLst/>
@@ -19380,7 +22190,7 @@
               <a:buAutoNum type="arabicParenR"/>
             </a:pPr>
             <a:r>
-              <a:rPr lang="ko-KR" altLang="en-US" sz="1200" dirty="0">
+              <a:rPr lang="ko-KR" altLang="en-US" sz="1400" dirty="0">
                 <a:solidFill>
                   <a:schemeClr val="tx1">
                     <a:lumMod val="50000"/>
@@ -19392,7 +22202,7 @@
               </a:rPr>
               <a:t>프로젝트 환경 및 개요</a:t>
             </a:r>
-            <a:endParaRPr lang="en-US" altLang="ko-KR" sz="1200" dirty="0">
+            <a:endParaRPr lang="en-US" altLang="ko-KR" sz="1400" dirty="0">
               <a:solidFill>
                 <a:schemeClr val="tx1">
                   <a:lumMod val="50000"/>
@@ -19412,7 +22222,7 @@
               <a:buAutoNum type="arabicParenR"/>
             </a:pPr>
             <a:r>
-              <a:rPr lang="ko-KR" altLang="en-US" sz="1200" dirty="0">
+              <a:rPr lang="ko-KR" altLang="en-US" sz="1400" dirty="0">
                 <a:solidFill>
                   <a:schemeClr val="tx1">
                     <a:lumMod val="50000"/>
@@ -19425,7 +22235,7 @@
               <a:t>담당 업무</a:t>
             </a:r>
             <a:r>
-              <a:rPr lang="en-US" altLang="ko-KR" sz="1200" dirty="0">
+              <a:rPr lang="en-US" altLang="ko-KR" sz="1400" dirty="0">
                 <a:solidFill>
                   <a:schemeClr val="tx1">
                     <a:lumMod val="50000"/>
@@ -19438,7 +22248,7 @@
               <a:t> </a:t>
             </a:r>
             <a:r>
-              <a:rPr lang="ko-KR" altLang="en-US" sz="1200" dirty="0">
+              <a:rPr lang="ko-KR" altLang="en-US" sz="1400" dirty="0">
                 <a:solidFill>
                   <a:schemeClr val="tx1">
                     <a:lumMod val="50000"/>
@@ -19450,7 +22260,7 @@
               </a:rPr>
               <a:t>상세</a:t>
             </a:r>
-            <a:endParaRPr lang="en-US" altLang="ko-KR" sz="1200" dirty="0">
+            <a:endParaRPr lang="en-US" altLang="ko-KR" sz="1400" dirty="0">
               <a:solidFill>
                 <a:schemeClr val="tx1">
                   <a:lumMod val="50000"/>
@@ -19470,7 +22280,7 @@
               <a:buAutoNum type="arabicParenR"/>
             </a:pPr>
             <a:r>
-              <a:rPr lang="ko-KR" altLang="en-US" sz="1200" dirty="0">
+              <a:rPr lang="ko-KR" altLang="en-US" sz="1400" dirty="0">
                 <a:solidFill>
                   <a:schemeClr val="tx1">
                     <a:lumMod val="50000"/>
@@ -19482,7 +22292,7 @@
               </a:rPr>
               <a:t>문제 상황</a:t>
             </a:r>
-            <a:endParaRPr lang="en-US" altLang="ko-KR" sz="1200" dirty="0">
+            <a:endParaRPr lang="en-US" altLang="ko-KR" sz="1400" dirty="0">
               <a:solidFill>
                 <a:schemeClr val="tx1">
                   <a:lumMod val="50000"/>
@@ -19502,7 +22312,7 @@
               <a:buAutoNum type="arabicParenR"/>
             </a:pPr>
             <a:r>
-              <a:rPr lang="ko-KR" altLang="en-US" sz="1200" dirty="0">
+              <a:rPr lang="ko-KR" altLang="en-US" sz="1400" dirty="0">
                 <a:solidFill>
                   <a:schemeClr val="tx1">
                     <a:lumMod val="50000"/>
@@ -19514,7 +22324,7 @@
               </a:rPr>
               <a:t>해결 방안</a:t>
             </a:r>
-            <a:endParaRPr lang="en-US" altLang="ko-KR" sz="1200" dirty="0">
+            <a:endParaRPr lang="en-US" altLang="ko-KR" sz="1400" dirty="0">
               <a:solidFill>
                 <a:schemeClr val="tx1">
                   <a:lumMod val="50000"/>
@@ -19534,7 +22344,7 @@
               <a:buAutoNum type="arabicParenR"/>
             </a:pPr>
             <a:r>
-              <a:rPr lang="ko-KR" altLang="en-US" sz="1200" dirty="0">
+              <a:rPr lang="ko-KR" altLang="en-US" sz="1400" dirty="0">
                 <a:solidFill>
                   <a:schemeClr val="tx1">
                     <a:lumMod val="50000"/>
@@ -19546,7 +22356,7 @@
               </a:rPr>
               <a:t>문제 해결</a:t>
             </a:r>
-            <a:endParaRPr lang="en-US" altLang="ko-KR" sz="1200" dirty="0">
+            <a:endParaRPr lang="en-US" altLang="ko-KR" sz="1400" dirty="0">
               <a:solidFill>
                 <a:schemeClr val="tx1">
                   <a:lumMod val="50000"/>
@@ -19566,7 +22376,7 @@
               <a:buAutoNum type="arabicParenR"/>
             </a:pPr>
             <a:r>
-              <a:rPr lang="ko-KR" altLang="en-US" sz="1200" dirty="0">
+              <a:rPr lang="ko-KR" altLang="en-US" sz="1400" dirty="0">
                 <a:solidFill>
                   <a:schemeClr val="tx1">
                     <a:lumMod val="50000"/>
@@ -19579,7 +22389,7 @@
               <a:t>물류 서비스 </a:t>
             </a:r>
             <a:r>
-              <a:rPr lang="ko-KR" altLang="en-US" sz="1200" dirty="0" err="1">
+              <a:rPr lang="ko-KR" altLang="en-US" sz="1400" dirty="0" err="1">
                 <a:solidFill>
                   <a:schemeClr val="tx1">
                     <a:lumMod val="50000"/>
@@ -19592,7 +22402,7 @@
               <a:t>도출점</a:t>
             </a:r>
             <a:r>
-              <a:rPr lang="ko-KR" altLang="en-US" sz="1200" dirty="0">
+              <a:rPr lang="ko-KR" altLang="en-US" sz="1400" dirty="0">
                 <a:solidFill>
                   <a:schemeClr val="tx1">
                     <a:lumMod val="50000"/>
@@ -19605,7 +22415,7 @@
               <a:t> 및 </a:t>
             </a:r>
             <a:r>
-              <a:rPr lang="ko-KR" altLang="en-US" sz="1200" dirty="0" err="1">
+              <a:rPr lang="ko-KR" altLang="en-US" sz="1400" dirty="0" err="1">
                 <a:solidFill>
                   <a:schemeClr val="tx1">
                     <a:lumMod val="50000"/>
@@ -19617,7 +22427,7 @@
               </a:rPr>
               <a:t>느낀점</a:t>
             </a:r>
-            <a:endParaRPr lang="en-US" altLang="ko-KR" sz="1200" dirty="0">
+            <a:endParaRPr lang="en-US" altLang="ko-KR" sz="1400" dirty="0">
               <a:solidFill>
                 <a:schemeClr val="tx1">
                   <a:lumMod val="50000"/>
@@ -19636,7 +22446,7 @@
               <a:buFont typeface="+mj-lt"/>
               <a:buAutoNum type="arabicParenR"/>
             </a:pPr>
-            <a:endParaRPr lang="en-US" altLang="ko-KR" sz="1200" dirty="0">
+            <a:endParaRPr lang="en-US" altLang="ko-KR" sz="1400" dirty="0">
               <a:solidFill>
                 <a:schemeClr val="tx1">
                   <a:lumMod val="65000"/>
@@ -19655,7 +22465,7 @@
               <a:buFont typeface="+mj-lt"/>
               <a:buAutoNum type="arabicParenR"/>
             </a:pPr>
-            <a:endParaRPr lang="en-US" altLang="ko-KR" sz="1200" dirty="0">
+            <a:endParaRPr lang="en-US" altLang="ko-KR" sz="1400" dirty="0">
               <a:solidFill>
                 <a:schemeClr val="tx1">
                   <a:lumMod val="65000"/>
@@ -19672,7 +22482,7 @@
                 <a:spcPct val="150000"/>
               </a:lnSpc>
             </a:pPr>
-            <a:endParaRPr lang="en-US" altLang="ko-KR" sz="1200" dirty="0">
+            <a:endParaRPr lang="en-US" altLang="ko-KR" sz="1400" dirty="0">
               <a:solidFill>
                 <a:schemeClr val="tx1">
                   <a:lumMod val="65000"/>
@@ -19689,7 +22499,7 @@
                 <a:spcPct val="150000"/>
               </a:lnSpc>
             </a:pPr>
-            <a:endParaRPr lang="en-US" altLang="ko-KR" sz="1050" dirty="0">
+            <a:endParaRPr lang="en-US" altLang="ko-KR" sz="1100" dirty="0">
               <a:solidFill>
                 <a:schemeClr val="tx1">
                   <a:lumMod val="65000"/>
@@ -19716,8 +22526,8 @@
         </p:nvSpPr>
         <p:spPr>
           <a:xfrm>
-            <a:off x="1043742" y="7858686"/>
-            <a:ext cx="3657602" cy="2807500"/>
+            <a:off x="1043742" y="7778004"/>
+            <a:ext cx="3657602" cy="3222998"/>
           </a:xfrm>
           <a:prstGeom prst="rect">
             <a:avLst/>
@@ -19738,7 +22548,7 @@
               <a:buAutoNum type="arabicParenR"/>
             </a:pPr>
             <a:r>
-              <a:rPr lang="ko-KR" altLang="en-US" sz="1200" dirty="0">
+              <a:rPr lang="ko-KR" altLang="en-US" sz="1400" dirty="0">
                 <a:solidFill>
                   <a:schemeClr val="tx1">
                     <a:lumMod val="50000"/>
@@ -19750,7 +22560,7 @@
               </a:rPr>
               <a:t>프로젝트 환경 및 개요</a:t>
             </a:r>
-            <a:endParaRPr lang="en-US" altLang="ko-KR" sz="1200" dirty="0">
+            <a:endParaRPr lang="en-US" altLang="ko-KR" sz="1400" dirty="0">
               <a:solidFill>
                 <a:schemeClr val="tx1">
                   <a:lumMod val="50000"/>
@@ -19770,7 +22580,7 @@
               <a:buAutoNum type="arabicParenR"/>
             </a:pPr>
             <a:r>
-              <a:rPr lang="ko-KR" altLang="en-US" sz="1200" dirty="0">
+              <a:rPr lang="ko-KR" altLang="en-US" sz="1400" dirty="0">
                 <a:solidFill>
                   <a:schemeClr val="tx1">
                     <a:lumMod val="50000"/>
@@ -19783,7 +22593,7 @@
               <a:t>담당 업무</a:t>
             </a:r>
             <a:r>
-              <a:rPr lang="en-US" altLang="ko-KR" sz="1200" dirty="0">
+              <a:rPr lang="en-US" altLang="ko-KR" sz="1400" dirty="0">
                 <a:solidFill>
                   <a:schemeClr val="tx1">
                     <a:lumMod val="50000"/>
@@ -19796,7 +22606,7 @@
               <a:t> </a:t>
             </a:r>
             <a:r>
-              <a:rPr lang="ko-KR" altLang="en-US" sz="1200" dirty="0">
+              <a:rPr lang="ko-KR" altLang="en-US" sz="1400" dirty="0">
                 <a:solidFill>
                   <a:schemeClr val="tx1">
                     <a:lumMod val="50000"/>
@@ -19808,7 +22618,7 @@
               </a:rPr>
               <a:t>상세</a:t>
             </a:r>
-            <a:endParaRPr lang="en-US" altLang="ko-KR" sz="1200" dirty="0">
+            <a:endParaRPr lang="en-US" altLang="ko-KR" sz="1400" dirty="0">
               <a:solidFill>
                 <a:schemeClr val="tx1">
                   <a:lumMod val="50000"/>
@@ -19828,7 +22638,7 @@
               <a:buAutoNum type="arabicParenR"/>
             </a:pPr>
             <a:r>
-              <a:rPr lang="ko-KR" altLang="en-US" sz="1200" dirty="0">
+              <a:rPr lang="ko-KR" altLang="en-US" sz="1400" dirty="0">
                 <a:solidFill>
                   <a:schemeClr val="tx1">
                     <a:lumMod val="50000"/>
@@ -19840,7 +22650,7 @@
               </a:rPr>
               <a:t>문제 상황</a:t>
             </a:r>
-            <a:endParaRPr lang="en-US" altLang="ko-KR" sz="1200" dirty="0">
+            <a:endParaRPr lang="en-US" altLang="ko-KR" sz="1400" dirty="0">
               <a:solidFill>
                 <a:schemeClr val="tx1">
                   <a:lumMod val="50000"/>
@@ -19860,7 +22670,7 @@
               <a:buAutoNum type="arabicParenR"/>
             </a:pPr>
             <a:r>
-              <a:rPr lang="ko-KR" altLang="en-US" sz="1200" dirty="0">
+              <a:rPr lang="ko-KR" altLang="en-US" sz="1400" dirty="0">
                 <a:solidFill>
                   <a:schemeClr val="tx1">
                     <a:lumMod val="50000"/>
@@ -19872,7 +22682,7 @@
               </a:rPr>
               <a:t>해결 방안</a:t>
             </a:r>
-            <a:endParaRPr lang="en-US" altLang="ko-KR" sz="1200" dirty="0">
+            <a:endParaRPr lang="en-US" altLang="ko-KR" sz="1400" dirty="0">
               <a:solidFill>
                 <a:schemeClr val="tx1">
                   <a:lumMod val="50000"/>
@@ -19892,7 +22702,7 @@
               <a:buAutoNum type="arabicParenR"/>
             </a:pPr>
             <a:r>
-              <a:rPr lang="ko-KR" altLang="en-US" sz="1200" dirty="0">
+              <a:rPr lang="ko-KR" altLang="en-US" sz="1400" dirty="0">
                 <a:solidFill>
                   <a:schemeClr val="tx1">
                     <a:lumMod val="50000"/>
@@ -19904,7 +22714,7 @@
               </a:rPr>
               <a:t>문제 해결</a:t>
             </a:r>
-            <a:endParaRPr lang="en-US" altLang="ko-KR" sz="1200" dirty="0">
+            <a:endParaRPr lang="en-US" altLang="ko-KR" sz="1400" dirty="0">
               <a:solidFill>
                 <a:schemeClr val="tx1">
                   <a:lumMod val="50000"/>
@@ -19924,7 +22734,7 @@
               <a:buAutoNum type="arabicParenR"/>
             </a:pPr>
             <a:r>
-              <a:rPr lang="ko-KR" altLang="en-US" sz="1200" dirty="0">
+              <a:rPr lang="ko-KR" altLang="en-US" sz="1400" dirty="0">
                 <a:solidFill>
                   <a:schemeClr val="tx1">
                     <a:lumMod val="50000"/>
@@ -19937,7 +22747,7 @@
               <a:t>물류 서비스 </a:t>
             </a:r>
             <a:r>
-              <a:rPr lang="ko-KR" altLang="en-US" sz="1200" dirty="0" err="1">
+              <a:rPr lang="ko-KR" altLang="en-US" sz="1400" dirty="0" err="1">
                 <a:solidFill>
                   <a:schemeClr val="tx1">
                     <a:lumMod val="50000"/>
@@ -19950,7 +22760,7 @@
               <a:t>도출점</a:t>
             </a:r>
             <a:r>
-              <a:rPr lang="ko-KR" altLang="en-US" sz="1200" dirty="0">
+              <a:rPr lang="ko-KR" altLang="en-US" sz="1400" dirty="0">
                 <a:solidFill>
                   <a:schemeClr val="tx1">
                     <a:lumMod val="50000"/>
@@ -19963,7 +22773,7 @@
               <a:t> 및 </a:t>
             </a:r>
             <a:r>
-              <a:rPr lang="ko-KR" altLang="en-US" sz="1200" dirty="0" err="1">
+              <a:rPr lang="ko-KR" altLang="en-US" sz="1400" dirty="0" err="1">
                 <a:solidFill>
                   <a:schemeClr val="tx1">
                     <a:lumMod val="50000"/>
@@ -19975,7 +22785,7 @@
               </a:rPr>
               <a:t>느낀점</a:t>
             </a:r>
-            <a:endParaRPr lang="en-US" altLang="ko-KR" sz="1200" dirty="0">
+            <a:endParaRPr lang="en-US" altLang="ko-KR" sz="1400" dirty="0">
               <a:solidFill>
                 <a:schemeClr val="tx1">
                   <a:lumMod val="50000"/>
@@ -19994,7 +22804,7 @@
               <a:buFont typeface="+mj-lt"/>
               <a:buAutoNum type="arabicParenR"/>
             </a:pPr>
-            <a:endParaRPr lang="en-US" altLang="ko-KR" sz="1200" dirty="0">
+            <a:endParaRPr lang="en-US" altLang="ko-KR" sz="1400" dirty="0">
               <a:solidFill>
                 <a:schemeClr val="tx1">
                   <a:lumMod val="50000"/>
@@ -20013,7 +22823,7 @@
               <a:buFont typeface="+mj-lt"/>
               <a:buAutoNum type="arabicParenR"/>
             </a:pPr>
-            <a:endParaRPr lang="en-US" altLang="ko-KR" sz="1200" dirty="0">
+            <a:endParaRPr lang="en-US" altLang="ko-KR" sz="1400" dirty="0">
               <a:solidFill>
                 <a:schemeClr val="tx1">
                   <a:lumMod val="50000"/>
@@ -20030,7 +22840,7 @@
                 <a:spcPct val="150000"/>
               </a:lnSpc>
             </a:pPr>
-            <a:endParaRPr lang="en-US" altLang="ko-KR" sz="1200" dirty="0">
+            <a:endParaRPr lang="en-US" altLang="ko-KR" sz="1400" dirty="0">
               <a:solidFill>
                 <a:schemeClr val="tx1">
                   <a:lumMod val="50000"/>
@@ -20047,12 +22857,251 @@
                 <a:spcPct val="150000"/>
               </a:lnSpc>
             </a:pPr>
-            <a:endParaRPr lang="en-US" altLang="ko-KR" sz="1050" dirty="0">
+            <a:endParaRPr lang="en-US" altLang="ko-KR" sz="1100" dirty="0">
               <a:solidFill>
                 <a:schemeClr val="tx1">
                   <a:lumMod val="50000"/>
                   <a:lumOff val="50000"/>
                 </a:schemeClr>
+              </a:solidFill>
+              <a:latin typeface="G마켓 산스 TTF Bold" panose="02000000000000000000" pitchFamily="2" charset="-127"/>
+              <a:ea typeface="G마켓 산스 TTF Bold" panose="02000000000000000000" pitchFamily="2" charset="-127"/>
+            </a:endParaRPr>
+          </a:p>
+        </p:txBody>
+      </p:sp>
+      <p:sp>
+        <p:nvSpPr>
+          <p:cNvPr id="2" name="TextBox 22">
+            <a:extLst>
+              <a:ext uri="{FF2B5EF4-FFF2-40B4-BE49-F238E27FC236}">
+                <a16:creationId xmlns:a16="http://schemas.microsoft.com/office/drawing/2014/main" id="{CF6B570E-F69B-39A3-0434-8AF17663ED61}"/>
+              </a:ext>
+            </a:extLst>
+          </p:cNvPr>
+          <p:cNvSpPr txBox="1"/>
+          <p:nvPr/>
+        </p:nvSpPr>
+        <p:spPr>
+          <a:xfrm>
+            <a:off x="709614" y="6428725"/>
+            <a:ext cx="5756331" cy="1606413"/>
+          </a:xfrm>
+          <a:prstGeom prst="rect">
+            <a:avLst/>
+          </a:prstGeom>
+        </p:spPr>
+        <p:txBody>
+          <a:bodyPr lIns="0" tIns="0" rIns="0" bIns="0" rtlCol="0" anchor="ctr"/>
+          <a:lstStyle/>
+          <a:p>
+            <a:pPr>
+              <a:lnSpc>
+                <a:spcPct val="157700"/>
+              </a:lnSpc>
+            </a:pPr>
+            <a:endParaRPr lang="en-US" altLang="ko-KR" sz="2400" b="0" i="0" u="none" strike="noStrike" dirty="0">
+              <a:solidFill>
+                <a:srgbClr val="595959"/>
+              </a:solidFill>
+              <a:latin typeface="G마켓 산스 TTF Bold" panose="02000000000000000000" pitchFamily="2" charset="-127"/>
+              <a:ea typeface="G마켓 산스 TTF Bold" panose="02000000000000000000" pitchFamily="2" charset="-127"/>
+            </a:endParaRPr>
+          </a:p>
+          <a:p>
+            <a:pPr>
+              <a:lnSpc>
+                <a:spcPct val="157700"/>
+              </a:lnSpc>
+            </a:pPr>
+            <a:r>
+              <a:rPr lang="en-US" altLang="ko-KR" sz="2400" b="0" i="0" u="none" strike="noStrike" dirty="0">
+                <a:solidFill>
+                  <a:srgbClr val="595959"/>
+                </a:solidFill>
+                <a:latin typeface="G마켓 산스 TTF Bold" panose="02000000000000000000" pitchFamily="2" charset="-127"/>
+                <a:ea typeface="G마켓 산스 TTF Bold" panose="02000000000000000000" pitchFamily="2" charset="-127"/>
+              </a:rPr>
+              <a:t>3. </a:t>
+            </a:r>
+            <a:r>
+              <a:rPr lang="ko-KR" altLang="en-US" sz="2400" b="0" i="0" u="none" strike="noStrike" dirty="0">
+                <a:solidFill>
+                  <a:srgbClr val="595959"/>
+                </a:solidFill>
+                <a:latin typeface="G마켓 산스 TTF Bold" panose="02000000000000000000" pitchFamily="2" charset="-127"/>
+                <a:ea typeface="G마켓 산스 TTF Bold" panose="02000000000000000000" pitchFamily="2" charset="-127"/>
+              </a:rPr>
+              <a:t>파일 모델 분석 시스템</a:t>
+            </a:r>
+            <a:r>
+              <a:rPr lang="en-US" altLang="ko-KR" sz="2400" b="0" i="0" u="none" strike="noStrike" dirty="0">
+                <a:solidFill>
+                  <a:srgbClr val="595959"/>
+                </a:solidFill>
+                <a:latin typeface="G마켓 산스 TTF Bold" panose="02000000000000000000" pitchFamily="2" charset="-127"/>
+                <a:ea typeface="G마켓 산스 TTF Bold" panose="02000000000000000000" pitchFamily="2" charset="-127"/>
+              </a:rPr>
+              <a:t>(</a:t>
+            </a:r>
+            <a:r>
+              <a:rPr lang="ko-KR" altLang="en-US" sz="2400" b="0" i="0" u="none" strike="noStrike" dirty="0">
+                <a:solidFill>
+                  <a:srgbClr val="595959"/>
+                </a:solidFill>
+                <a:latin typeface="G마켓 산스 TTF Bold" panose="02000000000000000000" pitchFamily="2" charset="-127"/>
+                <a:ea typeface="G마켓 산스 TTF Bold" panose="02000000000000000000" pitchFamily="2" charset="-127"/>
+              </a:rPr>
+              <a:t>말하는 </a:t>
+            </a:r>
+            <a:r>
+              <a:rPr lang="en-US" altLang="ko-KR" sz="2400" b="0" i="0" u="none" strike="noStrike" dirty="0">
+                <a:solidFill>
+                  <a:srgbClr val="595959"/>
+                </a:solidFill>
+                <a:latin typeface="G마켓 산스 TTF Bold" panose="02000000000000000000" pitchFamily="2" charset="-127"/>
+                <a:ea typeface="G마켓 산스 TTF Bold" panose="02000000000000000000" pitchFamily="2" charset="-127"/>
+              </a:rPr>
+              <a:t>Da</a:t>
+            </a:r>
+            <a:r>
+              <a:rPr lang="ko-KR" altLang="en-US" sz="2400" b="0" i="0" u="none" strike="noStrike" dirty="0">
+                <a:solidFill>
+                  <a:srgbClr val="595959"/>
+                </a:solidFill>
+                <a:latin typeface="G마켓 산스 TTF Bold" panose="02000000000000000000" pitchFamily="2" charset="-127"/>
+                <a:ea typeface="G마켓 산스 TTF Bold" panose="02000000000000000000" pitchFamily="2" charset="-127"/>
+              </a:rPr>
+              <a:t>로</a:t>
+            </a:r>
+            <a:r>
+              <a:rPr lang="en-US" altLang="ko-KR" sz="2400" b="0" i="0" u="none" strike="noStrike" dirty="0">
+                <a:solidFill>
+                  <a:srgbClr val="595959"/>
+                </a:solidFill>
+                <a:latin typeface="G마켓 산스 TTF Bold" panose="02000000000000000000" pitchFamily="2" charset="-127"/>
+                <a:ea typeface="G마켓 산스 TTF Bold" panose="02000000000000000000" pitchFamily="2" charset="-127"/>
+              </a:rPr>
+              <a:t>)</a:t>
+            </a:r>
+            <a:endParaRPr lang="en-US" altLang="ko-KR" sz="2400" dirty="0">
+              <a:solidFill>
+                <a:srgbClr val="595959"/>
+              </a:solidFill>
+              <a:latin typeface="G마켓 산스 TTF Bold" panose="02000000000000000000" pitchFamily="2" charset="-127"/>
+              <a:ea typeface="G마켓 산스 TTF Bold" panose="02000000000000000000" pitchFamily="2" charset="-127"/>
+            </a:endParaRPr>
+          </a:p>
+          <a:p>
+            <a:pPr>
+              <a:lnSpc>
+                <a:spcPct val="157700"/>
+              </a:lnSpc>
+            </a:pPr>
+            <a:r>
+              <a:rPr lang="en-US" altLang="ko-KR" sz="2400" b="0" i="0" u="none" strike="noStrike" dirty="0">
+                <a:solidFill>
+                  <a:srgbClr val="595959"/>
+                </a:solidFill>
+                <a:latin typeface="G마켓 산스 TTF Bold" panose="02000000000000000000" pitchFamily="2" charset="-127"/>
+                <a:ea typeface="G마켓 산스 TTF Bold" panose="02000000000000000000" pitchFamily="2" charset="-127"/>
+              </a:rPr>
+              <a:t> </a:t>
+            </a:r>
+            <a:endParaRPr lang="en-US" sz="3200" b="0" i="0" u="none" strike="noStrike" dirty="0">
+              <a:solidFill>
+                <a:srgbClr val="595959"/>
+              </a:solidFill>
+              <a:latin typeface="G마켓 산스 TTF Bold" panose="02000000000000000000" pitchFamily="2" charset="-127"/>
+              <a:ea typeface="G마켓 산스 TTF Bold" panose="02000000000000000000" pitchFamily="2" charset="-127"/>
+            </a:endParaRPr>
+          </a:p>
+        </p:txBody>
+      </p:sp>
+      <p:sp>
+        <p:nvSpPr>
+          <p:cNvPr id="3" name="TextBox 22">
+            <a:extLst>
+              <a:ext uri="{FF2B5EF4-FFF2-40B4-BE49-F238E27FC236}">
+                <a16:creationId xmlns:a16="http://schemas.microsoft.com/office/drawing/2014/main" id="{29D6614B-7A2C-E2BD-6E66-5C19F2E99E41}"/>
+              </a:ext>
+            </a:extLst>
+          </p:cNvPr>
+          <p:cNvSpPr txBox="1"/>
+          <p:nvPr/>
+        </p:nvSpPr>
+        <p:spPr>
+          <a:xfrm>
+            <a:off x="709615" y="3868843"/>
+            <a:ext cx="5492750" cy="875869"/>
+          </a:xfrm>
+          <a:prstGeom prst="rect">
+            <a:avLst/>
+          </a:prstGeom>
+        </p:spPr>
+        <p:txBody>
+          <a:bodyPr lIns="0" tIns="0" rIns="0" bIns="0" rtlCol="0" anchor="ctr"/>
+          <a:lstStyle/>
+          <a:p>
+            <a:pPr>
+              <a:lnSpc>
+                <a:spcPct val="157700"/>
+              </a:lnSpc>
+            </a:pPr>
+            <a:endParaRPr lang="en-US" altLang="ko-KR" sz="2400" dirty="0">
+              <a:solidFill>
+                <a:srgbClr val="595959"/>
+              </a:solidFill>
+              <a:latin typeface="G마켓 산스 TTF Bold" panose="02000000000000000000" pitchFamily="2" charset="-127"/>
+              <a:ea typeface="G마켓 산스 TTF Bold" panose="02000000000000000000" pitchFamily="2" charset="-127"/>
+            </a:endParaRPr>
+          </a:p>
+          <a:p>
+            <a:pPr>
+              <a:lnSpc>
+                <a:spcPct val="157700"/>
+              </a:lnSpc>
+            </a:pPr>
+            <a:r>
+              <a:rPr lang="en-US" altLang="ko-KR" sz="2400" dirty="0">
+                <a:solidFill>
+                  <a:srgbClr val="595959"/>
+                </a:solidFill>
+                <a:latin typeface="G마켓 산스 TTF Bold" panose="02000000000000000000" pitchFamily="2" charset="-127"/>
+                <a:ea typeface="G마켓 산스 TTF Bold" panose="02000000000000000000" pitchFamily="2" charset="-127"/>
+              </a:rPr>
+              <a:t>2. </a:t>
+            </a:r>
+            <a:r>
+              <a:rPr lang="ko-KR" altLang="en-US" sz="2400" dirty="0">
+                <a:solidFill>
+                  <a:srgbClr val="595959"/>
+                </a:solidFill>
+                <a:latin typeface="G마켓 산스 TTF Bold" panose="02000000000000000000" pitchFamily="2" charset="-127"/>
+                <a:ea typeface="G마켓 산스 TTF Bold" panose="02000000000000000000" pitchFamily="2" charset="-127"/>
+              </a:rPr>
+              <a:t>무인 매장 관리 시스템</a:t>
+            </a:r>
+            <a:r>
+              <a:rPr lang="en-US" altLang="ko-KR" sz="2400" dirty="0">
+                <a:solidFill>
+                  <a:srgbClr val="595959"/>
+                </a:solidFill>
+                <a:latin typeface="G마켓 산스 TTF Bold" panose="02000000000000000000" pitchFamily="2" charset="-127"/>
+                <a:ea typeface="G마켓 산스 TTF Bold" panose="02000000000000000000" pitchFamily="2" charset="-127"/>
+              </a:rPr>
+              <a:t>(Auto Store)</a:t>
+            </a:r>
+          </a:p>
+          <a:p>
+            <a:pPr>
+              <a:lnSpc>
+                <a:spcPct val="157700"/>
+              </a:lnSpc>
+            </a:pPr>
+            <a:endParaRPr lang="en-US" altLang="ko-KR" sz="2400" b="0" i="0" u="none" strike="noStrike" dirty="0">
+              <a:solidFill>
+                <a:srgbClr val="595959"/>
               </a:solidFill>
               <a:latin typeface="G마켓 산스 TTF Bold" panose="02000000000000000000" pitchFamily="2" charset="-127"/>
               <a:ea typeface="G마켓 산스 TTF Bold" panose="02000000000000000000" pitchFamily="2" charset="-127"/>
@@ -22324,7 +25373,7 @@
         <p:spPr>
           <a:xfrm>
             <a:off x="609596" y="360357"/>
-            <a:ext cx="2431482" cy="388568"/>
+            <a:ext cx="3451798" cy="388568"/>
           </a:xfrm>
           <a:prstGeom prst="rect">
             <a:avLst/>
@@ -22354,7 +25403,21 @@
                 <a:latin typeface="G마켓 산스 TTF Bold" panose="02000000000000000000" pitchFamily="2" charset="-127"/>
                 <a:ea typeface="G마켓 산스 TTF Bold" panose="02000000000000000000" pitchFamily="2" charset="-127"/>
               </a:rPr>
-              <a:t>(Back-End)</a:t>
+              <a:t>(Back-End / </a:t>
+            </a:r>
+            <a:r>
+              <a:rPr lang="en-US" altLang="ko-KR" sz="1400" dirty="0" err="1">
+                <a:latin typeface="G마켓 산스 TTF Bold" panose="02000000000000000000" pitchFamily="2" charset="-127"/>
+                <a:ea typeface="G마켓 산스 TTF Bold" panose="02000000000000000000" pitchFamily="2" charset="-127"/>
+              </a:rPr>
+              <a:t>FrontEnd</a:t>
+            </a:r>
+            <a:r>
+              <a:rPr lang="en-US" altLang="ko-KR" sz="1400" dirty="0">
+                <a:latin typeface="G마켓 산스 TTF Bold" panose="02000000000000000000" pitchFamily="2" charset="-127"/>
+                <a:ea typeface="G마켓 산스 TTF Bold" panose="02000000000000000000" pitchFamily="2" charset="-127"/>
+              </a:rPr>
+              <a:t>)</a:t>
             </a:r>
           </a:p>
         </p:txBody>

--- a/피피티/241124 포트폴리오_김유석.pptx
+++ b/피피티/241124 포트폴리오_김유석.pptx
@@ -5930,332 +5930,6 @@
           </a:p>
         </p:txBody>
       </p:sp>
-      <p:sp>
-        <p:nvSpPr>
-          <p:cNvPr id="11" name="TextBox 10">
-            <a:extLst>
-              <a:ext uri="{FF2B5EF4-FFF2-40B4-BE49-F238E27FC236}">
-                <a16:creationId xmlns:a16="http://schemas.microsoft.com/office/drawing/2014/main" id="{96C292B7-C102-4139-2FBB-2F70712003BA}"/>
-              </a:ext>
-            </a:extLst>
-          </p:cNvPr>
-          <p:cNvSpPr txBox="1"/>
-          <p:nvPr/>
-        </p:nvSpPr>
-        <p:spPr>
-          <a:xfrm>
-            <a:off x="-4103650" y="1723684"/>
-            <a:ext cx="3061928" cy="2650726"/>
-          </a:xfrm>
-          <a:prstGeom prst="rect">
-            <a:avLst/>
-          </a:prstGeom>
-          <a:noFill/>
-        </p:spPr>
-        <p:txBody>
-          <a:bodyPr wrap="square" rtlCol="0">
-            <a:spAutoFit/>
-          </a:bodyPr>
-          <a:lstStyle/>
-          <a:p>
-            <a:pPr>
-              <a:lnSpc>
-                <a:spcPct val="150000"/>
-              </a:lnSpc>
-            </a:pPr>
-            <a:r>
-              <a:rPr lang="en-US" altLang="ko-KR" sz="1400" dirty="0">
-                <a:solidFill>
-                  <a:schemeClr val="tx1">
-                    <a:lumMod val="75000"/>
-                    <a:lumOff val="25000"/>
-                  </a:schemeClr>
-                </a:solidFill>
-                <a:latin typeface="G마켓 산스 TTF Bold" panose="02000000000000000000" pitchFamily="2" charset="-127"/>
-                <a:ea typeface="G마켓 산스 TTF Bold" panose="02000000000000000000" pitchFamily="2" charset="-127"/>
-              </a:rPr>
-              <a:t>RFID / NFC </a:t>
-            </a:r>
-            <a:r>
-              <a:rPr lang="ko-KR" altLang="en-US" sz="1400" dirty="0">
-                <a:solidFill>
-                  <a:schemeClr val="tx1">
-                    <a:lumMod val="75000"/>
-                    <a:lumOff val="25000"/>
-                  </a:schemeClr>
-                </a:solidFill>
-                <a:latin typeface="G마켓 산스 TTF Bold" panose="02000000000000000000" pitchFamily="2" charset="-127"/>
-                <a:ea typeface="G마켓 산스 TTF Bold" panose="02000000000000000000" pitchFamily="2" charset="-127"/>
-              </a:rPr>
-              <a:t>칩 인식</a:t>
-            </a:r>
-            <a:endParaRPr lang="en-US" altLang="ko-KR" sz="1400" dirty="0">
-              <a:solidFill>
-                <a:schemeClr val="tx1">
-                  <a:lumMod val="75000"/>
-                  <a:lumOff val="25000"/>
-                </a:schemeClr>
-              </a:solidFill>
-              <a:latin typeface="G마켓 산스 TTF Bold" panose="02000000000000000000" pitchFamily="2" charset="-127"/>
-              <a:ea typeface="G마켓 산스 TTF Bold" panose="02000000000000000000" pitchFamily="2" charset="-127"/>
-            </a:endParaRPr>
-          </a:p>
-          <a:p>
-            <a:pPr>
-              <a:lnSpc>
-                <a:spcPct val="150000"/>
-              </a:lnSpc>
-            </a:pPr>
-            <a:endParaRPr lang="en-US" altLang="ko-KR" sz="1400" dirty="0">
-              <a:solidFill>
-                <a:schemeClr val="tx1">
-                  <a:lumMod val="75000"/>
-                  <a:lumOff val="25000"/>
-                </a:schemeClr>
-              </a:solidFill>
-              <a:latin typeface="G마켓 산스 TTF Bold" panose="02000000000000000000" pitchFamily="2" charset="-127"/>
-              <a:ea typeface="G마켓 산스 TTF Bold" panose="02000000000000000000" pitchFamily="2" charset="-127"/>
-            </a:endParaRPr>
-          </a:p>
-          <a:p>
-            <a:pPr>
-              <a:lnSpc>
-                <a:spcPct val="150000"/>
-              </a:lnSpc>
-            </a:pPr>
-            <a:r>
-              <a:rPr lang="ko-KR" altLang="en-US" sz="1400" dirty="0">
-                <a:solidFill>
-                  <a:schemeClr val="tx1">
-                    <a:lumMod val="75000"/>
-                    <a:lumOff val="25000"/>
-                  </a:schemeClr>
-                </a:solidFill>
-                <a:latin typeface="G마켓 산스 TTF Bold" panose="02000000000000000000" pitchFamily="2" charset="-127"/>
-                <a:ea typeface="G마켓 산스 TTF Bold" panose="02000000000000000000" pitchFamily="2" charset="-127"/>
-              </a:rPr>
-              <a:t>키오스크 </a:t>
-            </a:r>
-            <a:r>
-              <a:rPr lang="en-US" altLang="ko-KR" sz="1400" dirty="0">
-                <a:solidFill>
-                  <a:schemeClr val="tx1">
-                    <a:lumMod val="75000"/>
-                    <a:lumOff val="25000"/>
-                  </a:schemeClr>
-                </a:solidFill>
-                <a:latin typeface="G마켓 산스 TTF Bold" panose="02000000000000000000" pitchFamily="2" charset="-127"/>
-                <a:ea typeface="G마켓 산스 TTF Bold" panose="02000000000000000000" pitchFamily="2" charset="-127"/>
-              </a:rPr>
-              <a:t>CPU </a:t>
-            </a:r>
-            <a:r>
-              <a:rPr lang="ko-KR" altLang="en-US" sz="1400" dirty="0">
-                <a:solidFill>
-                  <a:schemeClr val="tx1">
-                    <a:lumMod val="75000"/>
-                    <a:lumOff val="25000"/>
-                  </a:schemeClr>
-                </a:solidFill>
-                <a:latin typeface="G마켓 산스 TTF Bold" panose="02000000000000000000" pitchFamily="2" charset="-127"/>
-                <a:ea typeface="G마켓 산스 TTF Bold" panose="02000000000000000000" pitchFamily="2" charset="-127"/>
-              </a:rPr>
-              <a:t>환경 배포</a:t>
-            </a:r>
-            <a:endParaRPr lang="en-US" altLang="ko-KR" sz="1400" dirty="0">
-              <a:solidFill>
-                <a:schemeClr val="tx1">
-                  <a:lumMod val="75000"/>
-                  <a:lumOff val="25000"/>
-                </a:schemeClr>
-              </a:solidFill>
-              <a:latin typeface="G마켓 산스 TTF Bold" panose="02000000000000000000" pitchFamily="2" charset="-127"/>
-              <a:ea typeface="G마켓 산스 TTF Bold" panose="02000000000000000000" pitchFamily="2" charset="-127"/>
-            </a:endParaRPr>
-          </a:p>
-          <a:p>
-            <a:pPr>
-              <a:lnSpc>
-                <a:spcPct val="150000"/>
-              </a:lnSpc>
-            </a:pPr>
-            <a:endParaRPr lang="en-US" altLang="ko-KR" sz="1400" dirty="0">
-              <a:solidFill>
-                <a:schemeClr val="tx1">
-                  <a:lumMod val="75000"/>
-                  <a:lumOff val="25000"/>
-                </a:schemeClr>
-              </a:solidFill>
-              <a:latin typeface="G마켓 산스 TTF Bold" panose="02000000000000000000" pitchFamily="2" charset="-127"/>
-              <a:ea typeface="G마켓 산스 TTF Bold" panose="02000000000000000000" pitchFamily="2" charset="-127"/>
-            </a:endParaRPr>
-          </a:p>
-          <a:p>
-            <a:pPr>
-              <a:lnSpc>
-                <a:spcPct val="150000"/>
-              </a:lnSpc>
-            </a:pPr>
-            <a:r>
-              <a:rPr lang="ko-KR" altLang="en-US" sz="1400" dirty="0">
-                <a:solidFill>
-                  <a:schemeClr val="tx1">
-                    <a:lumMod val="75000"/>
-                    <a:lumOff val="25000"/>
-                  </a:schemeClr>
-                </a:solidFill>
-                <a:latin typeface="G마켓 산스 TTF Bold" panose="02000000000000000000" pitchFamily="2" charset="-127"/>
-                <a:ea typeface="G마켓 산스 TTF Bold" panose="02000000000000000000" pitchFamily="2" charset="-127"/>
-              </a:rPr>
-              <a:t>키오스크 화면구성 </a:t>
-            </a:r>
-            <a:r>
-              <a:rPr lang="en-US" altLang="ko-KR" sz="1400" dirty="0">
-                <a:solidFill>
-                  <a:schemeClr val="tx1">
-                    <a:lumMod val="75000"/>
-                    <a:lumOff val="25000"/>
-                  </a:schemeClr>
-                </a:solidFill>
-                <a:latin typeface="G마켓 산스 TTF Bold" panose="02000000000000000000" pitchFamily="2" charset="-127"/>
-                <a:ea typeface="G마켓 산스 TTF Bold" panose="02000000000000000000" pitchFamily="2" charset="-127"/>
-              </a:rPr>
-              <a:t>(</a:t>
-            </a:r>
-            <a:r>
-              <a:rPr lang="ko-KR" altLang="en-US" sz="1400" dirty="0">
-                <a:solidFill>
-                  <a:schemeClr val="tx1">
-                    <a:lumMod val="75000"/>
-                    <a:lumOff val="25000"/>
-                  </a:schemeClr>
-                </a:solidFill>
-                <a:latin typeface="G마켓 산스 TTF Bold" panose="02000000000000000000" pitchFamily="2" charset="-127"/>
-                <a:ea typeface="G마켓 산스 TTF Bold" panose="02000000000000000000" pitchFamily="2" charset="-127"/>
-              </a:rPr>
-              <a:t>최소한의 </a:t>
-            </a:r>
-            <a:r>
-              <a:rPr lang="en-US" altLang="ko-KR" sz="1400" dirty="0">
-                <a:solidFill>
-                  <a:schemeClr val="tx1">
-                    <a:lumMod val="75000"/>
-                    <a:lumOff val="25000"/>
-                  </a:schemeClr>
-                </a:solidFill>
-                <a:latin typeface="G마켓 산스 TTF Bold" panose="02000000000000000000" pitchFamily="2" charset="-127"/>
-                <a:ea typeface="G마켓 산스 TTF Bold" panose="02000000000000000000" pitchFamily="2" charset="-127"/>
-              </a:rPr>
-              <a:t>API </a:t>
-            </a:r>
-            <a:r>
-              <a:rPr lang="ko-KR" altLang="en-US" sz="1400" dirty="0">
-                <a:solidFill>
-                  <a:schemeClr val="tx1">
-                    <a:lumMod val="75000"/>
-                    <a:lumOff val="25000"/>
-                  </a:schemeClr>
-                </a:solidFill>
-                <a:latin typeface="G마켓 산스 TTF Bold" panose="02000000000000000000" pitchFamily="2" charset="-127"/>
-                <a:ea typeface="G마켓 산스 TTF Bold" panose="02000000000000000000" pitchFamily="2" charset="-127"/>
-              </a:rPr>
-              <a:t>요청</a:t>
-            </a:r>
-            <a:r>
-              <a:rPr lang="en-US" altLang="ko-KR" sz="1400" dirty="0">
-                <a:solidFill>
-                  <a:schemeClr val="tx1">
-                    <a:lumMod val="75000"/>
-                    <a:lumOff val="25000"/>
-                  </a:schemeClr>
-                </a:solidFill>
-                <a:latin typeface="G마켓 산스 TTF Bold" panose="02000000000000000000" pitchFamily="2" charset="-127"/>
-                <a:ea typeface="G마켓 산스 TTF Bold" panose="02000000000000000000" pitchFamily="2" charset="-127"/>
-              </a:rPr>
-              <a:t>) </a:t>
-            </a:r>
-          </a:p>
-          <a:p>
-            <a:pPr>
-              <a:lnSpc>
-                <a:spcPct val="150000"/>
-              </a:lnSpc>
-            </a:pPr>
-            <a:r>
-              <a:rPr lang="en-US" altLang="ko-KR" sz="1400" dirty="0">
-                <a:solidFill>
-                  <a:schemeClr val="tx1">
-                    <a:lumMod val="75000"/>
-                    <a:lumOff val="25000"/>
-                  </a:schemeClr>
-                </a:solidFill>
-                <a:latin typeface="G마켓 산스 TTF Bold" panose="02000000000000000000" pitchFamily="2" charset="-127"/>
-                <a:ea typeface="G마켓 산스 TTF Bold" panose="02000000000000000000" pitchFamily="2" charset="-127"/>
-              </a:rPr>
-              <a:t>TOSS </a:t>
-            </a:r>
-            <a:r>
-              <a:rPr lang="ko-KR" altLang="en-US" sz="1400" dirty="0">
-                <a:solidFill>
-                  <a:schemeClr val="tx1">
-                    <a:lumMod val="75000"/>
-                    <a:lumOff val="25000"/>
-                  </a:schemeClr>
-                </a:solidFill>
-                <a:latin typeface="G마켓 산스 TTF Bold" panose="02000000000000000000" pitchFamily="2" charset="-127"/>
-                <a:ea typeface="G마켓 산스 TTF Bold" panose="02000000000000000000" pitchFamily="2" charset="-127"/>
-              </a:rPr>
-              <a:t>결제 </a:t>
-            </a:r>
-            <a:r>
-              <a:rPr lang="en-US" altLang="ko-KR" sz="1400" dirty="0">
-                <a:solidFill>
-                  <a:schemeClr val="tx1">
-                    <a:lumMod val="75000"/>
-                    <a:lumOff val="25000"/>
-                  </a:schemeClr>
-                </a:solidFill>
-                <a:latin typeface="G마켓 산스 TTF Bold" panose="02000000000000000000" pitchFamily="2" charset="-127"/>
-                <a:ea typeface="G마켓 산스 TTF Bold" panose="02000000000000000000" pitchFamily="2" charset="-127"/>
-              </a:rPr>
-              <a:t>API</a:t>
-            </a:r>
-          </a:p>
-          <a:p>
-            <a:pPr>
-              <a:lnSpc>
-                <a:spcPct val="150000"/>
-              </a:lnSpc>
-            </a:pPr>
-            <a:r>
-              <a:rPr lang="ko-KR" altLang="en-US" sz="1400" dirty="0">
-                <a:solidFill>
-                  <a:schemeClr val="tx1">
-                    <a:lumMod val="75000"/>
-                    <a:lumOff val="25000"/>
-                  </a:schemeClr>
-                </a:solidFill>
-                <a:latin typeface="G마켓 산스 TTF Bold" panose="02000000000000000000" pitchFamily="2" charset="-127"/>
-                <a:ea typeface="G마켓 산스 TTF Bold" panose="02000000000000000000" pitchFamily="2" charset="-127"/>
-              </a:rPr>
-              <a:t>키오스크 관리 </a:t>
-            </a:r>
-            <a:r>
-              <a:rPr lang="en-US" altLang="ko-KR" sz="1400" dirty="0">
-                <a:solidFill>
-                  <a:schemeClr val="tx1">
-                    <a:lumMod val="75000"/>
-                    <a:lumOff val="25000"/>
-                  </a:schemeClr>
-                </a:solidFill>
-                <a:latin typeface="G마켓 산스 TTF Bold" panose="02000000000000000000" pitchFamily="2" charset="-127"/>
-                <a:ea typeface="G마켓 산스 TTF Bold" panose="02000000000000000000" pitchFamily="2" charset="-127"/>
-              </a:rPr>
-              <a:t>OTP</a:t>
-            </a:r>
-          </a:p>
-        </p:txBody>
-      </p:sp>
       <p:cxnSp>
         <p:nvCxnSpPr>
           <p:cNvPr id="17" name="직선 연결선 16">
@@ -6299,419 +5973,6 @@
           </a:fontRef>
         </p:style>
       </p:cxnSp>
-      <p:sp>
-        <p:nvSpPr>
-          <p:cNvPr id="36" name="TextBox 35">
-            <a:extLst>
-              <a:ext uri="{FF2B5EF4-FFF2-40B4-BE49-F238E27FC236}">
-                <a16:creationId xmlns:a16="http://schemas.microsoft.com/office/drawing/2014/main" id="{6CE9B4FE-3B10-EFFE-A7EA-66B67FE772BD}"/>
-              </a:ext>
-            </a:extLst>
-          </p:cNvPr>
-          <p:cNvSpPr txBox="1"/>
-          <p:nvPr/>
-        </p:nvSpPr>
-        <p:spPr>
-          <a:xfrm>
-            <a:off x="-4877323" y="4643124"/>
-            <a:ext cx="4834975" cy="1411925"/>
-          </a:xfrm>
-          <a:prstGeom prst="rect">
-            <a:avLst/>
-          </a:prstGeom>
-          <a:noFill/>
-        </p:spPr>
-        <p:txBody>
-          <a:bodyPr wrap="square" rtlCol="0">
-            <a:spAutoFit/>
-          </a:bodyPr>
-          <a:lstStyle/>
-          <a:p>
-            <a:pPr>
-              <a:lnSpc>
-                <a:spcPct val="150000"/>
-              </a:lnSpc>
-            </a:pPr>
-            <a:r>
-              <a:rPr lang="ko-KR" altLang="en-US" sz="1400" dirty="0">
-                <a:solidFill>
-                  <a:schemeClr val="tx1">
-                    <a:lumMod val="65000"/>
-                    <a:lumOff val="35000"/>
-                  </a:schemeClr>
-                </a:solidFill>
-                <a:latin typeface="G마켓 산스 TTF Bold" panose="02000000000000000000" pitchFamily="2" charset="-127"/>
-                <a:ea typeface="G마켓 산스 TTF Bold" panose="02000000000000000000" pitchFamily="2" charset="-127"/>
-              </a:rPr>
-              <a:t>소셜 로그인 인증</a:t>
-            </a:r>
-            <a:r>
-              <a:rPr lang="en-US" altLang="ko-KR" sz="1400" dirty="0">
-                <a:solidFill>
-                  <a:schemeClr val="tx1">
-                    <a:lumMod val="65000"/>
-                    <a:lumOff val="35000"/>
-                  </a:schemeClr>
-                </a:solidFill>
-                <a:latin typeface="G마켓 산스 TTF Bold" panose="02000000000000000000" pitchFamily="2" charset="-127"/>
-                <a:ea typeface="G마켓 산스 TTF Bold" panose="02000000000000000000" pitchFamily="2" charset="-127"/>
-              </a:rPr>
-              <a:t>(Authentication)</a:t>
-            </a:r>
-          </a:p>
-          <a:p>
-            <a:pPr marL="171450" indent="-171450">
-              <a:lnSpc>
-                <a:spcPct val="150000"/>
-              </a:lnSpc>
-              <a:buFont typeface="Arial" panose="020B0604020202020204" pitchFamily="34" charset="0"/>
-              <a:buChar char="•"/>
-            </a:pPr>
-            <a:r>
-              <a:rPr lang="en-US" altLang="ko-KR" sz="1000" dirty="0">
-                <a:solidFill>
-                  <a:schemeClr val="tx1">
-                    <a:lumMod val="50000"/>
-                    <a:lumOff val="50000"/>
-                  </a:schemeClr>
-                </a:solidFill>
-                <a:latin typeface="G마켓 산스 TTF Bold" panose="02000000000000000000" pitchFamily="2" charset="-127"/>
-                <a:ea typeface="G마켓 산스 TTF Bold" panose="02000000000000000000" pitchFamily="2" charset="-127"/>
-              </a:rPr>
-              <a:t>/login </a:t>
-            </a:r>
-            <a:r>
-              <a:rPr lang="ko-KR" altLang="en-US" sz="1000" dirty="0">
-                <a:solidFill>
-                  <a:schemeClr val="tx1">
-                    <a:lumMod val="50000"/>
-                    <a:lumOff val="50000"/>
-                  </a:schemeClr>
-                </a:solidFill>
-                <a:latin typeface="G마켓 산스 TTF Bold" panose="02000000000000000000" pitchFamily="2" charset="-127"/>
-                <a:ea typeface="G마켓 산스 TTF Bold" panose="02000000000000000000" pitchFamily="2" charset="-127"/>
-              </a:rPr>
-              <a:t>경로로 </a:t>
-            </a:r>
-            <a:r>
-              <a:rPr lang="en-US" altLang="ko-KR" sz="1000" dirty="0">
-                <a:solidFill>
-                  <a:schemeClr val="tx1">
-                    <a:lumMod val="50000"/>
-                    <a:lumOff val="50000"/>
-                  </a:schemeClr>
-                </a:solidFill>
-                <a:latin typeface="G마켓 산스 TTF Bold" panose="02000000000000000000" pitchFamily="2" charset="-127"/>
-                <a:ea typeface="G마켓 산스 TTF Bold" panose="02000000000000000000" pitchFamily="2" charset="-127"/>
-              </a:rPr>
-              <a:t>OAuth </a:t>
-            </a:r>
-            <a:r>
-              <a:rPr lang="ko-KR" altLang="en-US" sz="1000" dirty="0">
-                <a:solidFill>
-                  <a:schemeClr val="tx1">
-                    <a:lumMod val="50000"/>
-                    <a:lumOff val="50000"/>
-                  </a:schemeClr>
-                </a:solidFill>
-                <a:latin typeface="G마켓 산스 TTF Bold" panose="02000000000000000000" pitchFamily="2" charset="-127"/>
-                <a:ea typeface="G마켓 산스 TTF Bold" panose="02000000000000000000" pitchFamily="2" charset="-127"/>
-              </a:rPr>
-              <a:t>인증 요청을 처리</a:t>
-            </a:r>
-            <a:endParaRPr lang="en-US" altLang="ko-KR" sz="1000" dirty="0">
-              <a:solidFill>
-                <a:schemeClr val="tx1">
-                  <a:lumMod val="50000"/>
-                  <a:lumOff val="50000"/>
-                </a:schemeClr>
-              </a:solidFill>
-              <a:latin typeface="G마켓 산스 TTF Bold" panose="02000000000000000000" pitchFamily="2" charset="-127"/>
-              <a:ea typeface="G마켓 산스 TTF Bold" panose="02000000000000000000" pitchFamily="2" charset="-127"/>
-            </a:endParaRPr>
-          </a:p>
-          <a:p>
-            <a:pPr marL="171450" indent="-171450">
-              <a:lnSpc>
-                <a:spcPct val="150000"/>
-              </a:lnSpc>
-              <a:buFont typeface="Arial" panose="020B0604020202020204" pitchFamily="34" charset="0"/>
-              <a:buChar char="•"/>
-            </a:pPr>
-            <a:r>
-              <a:rPr lang="ko-KR" altLang="en-US" sz="1000" dirty="0">
-                <a:solidFill>
-                  <a:schemeClr val="tx1">
-                    <a:lumMod val="50000"/>
-                    <a:lumOff val="50000"/>
-                  </a:schemeClr>
-                </a:solidFill>
-                <a:latin typeface="G마켓 산스 TTF Bold" panose="02000000000000000000" pitchFamily="2" charset="-127"/>
-                <a:ea typeface="G마켓 산스 TTF Bold" panose="02000000000000000000" pitchFamily="2" charset="-127"/>
-              </a:rPr>
-              <a:t>인증 성공 후 사용자 정보</a:t>
-            </a:r>
-            <a:r>
-              <a:rPr lang="en-US" altLang="ko-KR" sz="1000" dirty="0">
-                <a:solidFill>
-                  <a:schemeClr val="tx1">
-                    <a:lumMod val="50000"/>
-                    <a:lumOff val="50000"/>
-                  </a:schemeClr>
-                </a:solidFill>
-                <a:latin typeface="G마켓 산스 TTF Bold" panose="02000000000000000000" pitchFamily="2" charset="-127"/>
-                <a:ea typeface="G마켓 산스 TTF Bold" panose="02000000000000000000" pitchFamily="2" charset="-127"/>
-              </a:rPr>
-              <a:t>(</a:t>
-            </a:r>
-            <a:r>
-              <a:rPr lang="en-US" altLang="ko-KR" sz="1000" dirty="0" err="1">
-                <a:solidFill>
-                  <a:schemeClr val="tx1">
-                    <a:lumMod val="50000"/>
-                    <a:lumOff val="50000"/>
-                  </a:schemeClr>
-                </a:solidFill>
-                <a:latin typeface="G마켓 산스 TTF Bold" panose="02000000000000000000" pitchFamily="2" charset="-127"/>
-                <a:ea typeface="G마켓 산스 TTF Bold" panose="02000000000000000000" pitchFamily="2" charset="-127"/>
-              </a:rPr>
-              <a:t>SecurityContext</a:t>
-            </a:r>
-            <a:r>
-              <a:rPr lang="en-US" altLang="ko-KR" sz="1000" dirty="0">
-                <a:solidFill>
-                  <a:schemeClr val="tx1">
-                    <a:lumMod val="50000"/>
-                    <a:lumOff val="50000"/>
-                  </a:schemeClr>
-                </a:solidFill>
-                <a:latin typeface="G마켓 산스 TTF Bold" panose="02000000000000000000" pitchFamily="2" charset="-127"/>
-                <a:ea typeface="G마켓 산스 TTF Bold" panose="02000000000000000000" pitchFamily="2" charset="-127"/>
-              </a:rPr>
-              <a:t>)</a:t>
-            </a:r>
-            <a:r>
-              <a:rPr lang="ko-KR" altLang="en-US" sz="1000" dirty="0">
-                <a:solidFill>
-                  <a:schemeClr val="tx1">
-                    <a:lumMod val="50000"/>
-                    <a:lumOff val="50000"/>
-                  </a:schemeClr>
-                </a:solidFill>
-                <a:latin typeface="G마켓 산스 TTF Bold" panose="02000000000000000000" pitchFamily="2" charset="-127"/>
-                <a:ea typeface="G마켓 산스 TTF Bold" panose="02000000000000000000" pitchFamily="2" charset="-127"/>
-              </a:rPr>
-              <a:t>에 저장</a:t>
-            </a:r>
-            <a:r>
-              <a:rPr lang="en-US" altLang="ko-KR" sz="1000" dirty="0">
-                <a:solidFill>
-                  <a:schemeClr val="tx1">
-                    <a:lumMod val="65000"/>
-                    <a:lumOff val="35000"/>
-                  </a:schemeClr>
-                </a:solidFill>
-                <a:latin typeface="G마켓 산스 TTF Bold" panose="02000000000000000000" pitchFamily="2" charset="-127"/>
-                <a:ea typeface="G마켓 산스 TTF Bold" panose="02000000000000000000" pitchFamily="2" charset="-127"/>
-              </a:rPr>
-              <a:t>.</a:t>
-            </a:r>
-          </a:p>
-          <a:p>
-            <a:pPr>
-              <a:lnSpc>
-                <a:spcPct val="150000"/>
-              </a:lnSpc>
-            </a:pPr>
-            <a:r>
-              <a:rPr lang="ko-KR" altLang="en-US" sz="1400" dirty="0">
-                <a:solidFill>
-                  <a:schemeClr val="tx1">
-                    <a:lumMod val="65000"/>
-                    <a:lumOff val="35000"/>
-                  </a:schemeClr>
-                </a:solidFill>
-                <a:latin typeface="G마켓 산스 TTF Bold" panose="02000000000000000000" pitchFamily="2" charset="-127"/>
-                <a:ea typeface="G마켓 산스 TTF Bold" panose="02000000000000000000" pitchFamily="2" charset="-127"/>
-              </a:rPr>
-              <a:t>소셜 로그인 인가</a:t>
-            </a:r>
-            <a:r>
-              <a:rPr lang="en-US" altLang="ko-KR" sz="1400" dirty="0">
-                <a:solidFill>
-                  <a:schemeClr val="tx1">
-                    <a:lumMod val="65000"/>
-                    <a:lumOff val="35000"/>
-                  </a:schemeClr>
-                </a:solidFill>
-                <a:latin typeface="G마켓 산스 TTF Bold" panose="02000000000000000000" pitchFamily="2" charset="-127"/>
-                <a:ea typeface="G마켓 산스 TTF Bold" panose="02000000000000000000" pitchFamily="2" charset="-127"/>
-              </a:rPr>
-              <a:t>(Authorization)</a:t>
-            </a:r>
-          </a:p>
-          <a:p>
-            <a:pPr>
-              <a:lnSpc>
-                <a:spcPct val="150000"/>
-              </a:lnSpc>
-            </a:pPr>
-            <a:r>
-              <a:rPr lang="en-US" altLang="ko-KR" sz="1000" dirty="0" err="1">
-                <a:solidFill>
-                  <a:schemeClr val="tx1">
-                    <a:lumMod val="50000"/>
-                    <a:lumOff val="50000"/>
-                  </a:schemeClr>
-                </a:solidFill>
-                <a:latin typeface="G마켓 산스 TTF Bold" panose="02000000000000000000" pitchFamily="2" charset="-127"/>
-                <a:ea typeface="G마켓 산스 TTF Bold" panose="02000000000000000000" pitchFamily="2" charset="-127"/>
-              </a:rPr>
-              <a:t>user.getRoleTypeEnum</a:t>
-            </a:r>
-            <a:r>
-              <a:rPr lang="en-US" altLang="ko-KR" sz="1000" dirty="0">
-                <a:solidFill>
-                  <a:schemeClr val="tx1">
-                    <a:lumMod val="50000"/>
-                    <a:lumOff val="50000"/>
-                  </a:schemeClr>
-                </a:solidFill>
-                <a:latin typeface="G마켓 산스 TTF Bold" panose="02000000000000000000" pitchFamily="2" charset="-127"/>
-                <a:ea typeface="G마켓 산스 TTF Bold" panose="02000000000000000000" pitchFamily="2" charset="-127"/>
-              </a:rPr>
-              <a:t>()</a:t>
-            </a:r>
-            <a:r>
-              <a:rPr lang="ko-KR" altLang="en-US" sz="1000" dirty="0">
-                <a:solidFill>
-                  <a:schemeClr val="tx1">
-                    <a:lumMod val="50000"/>
-                    <a:lumOff val="50000"/>
-                  </a:schemeClr>
-                </a:solidFill>
-                <a:latin typeface="G마켓 산스 TTF Bold" panose="02000000000000000000" pitchFamily="2" charset="-127"/>
-                <a:ea typeface="G마켓 산스 TTF Bold" panose="02000000000000000000" pitchFamily="2" charset="-127"/>
-              </a:rPr>
-              <a:t>을 활용 </a:t>
-            </a:r>
-            <a:r>
-              <a:rPr lang="en-US" altLang="ko-KR" sz="1000" dirty="0">
-                <a:solidFill>
-                  <a:schemeClr val="tx1">
-                    <a:lumMod val="50000"/>
-                    <a:lumOff val="50000"/>
-                  </a:schemeClr>
-                </a:solidFill>
-                <a:latin typeface="G마켓 산스 TTF Bold" panose="02000000000000000000" pitchFamily="2" charset="-127"/>
-                <a:ea typeface="G마켓 산스 TTF Bold" panose="02000000000000000000" pitchFamily="2" charset="-127"/>
-              </a:rPr>
-              <a:t>(</a:t>
-            </a:r>
-            <a:r>
-              <a:rPr lang="ko-KR" altLang="en-US" sz="1000" dirty="0">
-                <a:solidFill>
-                  <a:schemeClr val="tx1">
-                    <a:lumMod val="50000"/>
-                    <a:lumOff val="50000"/>
-                  </a:schemeClr>
-                </a:solidFill>
-                <a:latin typeface="G마켓 산스 TTF Bold" panose="02000000000000000000" pitchFamily="2" charset="-127"/>
-                <a:ea typeface="G마켓 산스 TTF Bold" panose="02000000000000000000" pitchFamily="2" charset="-127"/>
-              </a:rPr>
-              <a:t>유저 </a:t>
-            </a:r>
-            <a:r>
-              <a:rPr lang="en-US" altLang="ko-KR" sz="1000" dirty="0">
-                <a:solidFill>
-                  <a:schemeClr val="tx1">
-                    <a:lumMod val="50000"/>
-                    <a:lumOff val="50000"/>
-                  </a:schemeClr>
-                </a:solidFill>
-                <a:latin typeface="G마켓 산스 TTF Bold" panose="02000000000000000000" pitchFamily="2" charset="-127"/>
-                <a:ea typeface="G마켓 산스 TTF Bold" panose="02000000000000000000" pitchFamily="2" charset="-127"/>
-              </a:rPr>
-              <a:t>/ </a:t>
-            </a:r>
-            <a:r>
-              <a:rPr lang="ko-KR" altLang="en-US" sz="1000" dirty="0">
-                <a:solidFill>
-                  <a:schemeClr val="tx1">
-                    <a:lumMod val="50000"/>
-                    <a:lumOff val="50000"/>
-                  </a:schemeClr>
-                </a:solidFill>
-                <a:latin typeface="G마켓 산스 TTF Bold" panose="02000000000000000000" pitchFamily="2" charset="-127"/>
-                <a:ea typeface="G마켓 산스 TTF Bold" panose="02000000000000000000" pitchFamily="2" charset="-127"/>
-              </a:rPr>
-              <a:t>직원 </a:t>
-            </a:r>
-            <a:r>
-              <a:rPr lang="en-US" altLang="ko-KR" sz="1000" dirty="0">
-                <a:solidFill>
-                  <a:schemeClr val="tx1">
-                    <a:lumMod val="50000"/>
-                    <a:lumOff val="50000"/>
-                  </a:schemeClr>
-                </a:solidFill>
-                <a:latin typeface="G마켓 산스 TTF Bold" panose="02000000000000000000" pitchFamily="2" charset="-127"/>
-                <a:ea typeface="G마켓 산스 TTF Bold" panose="02000000000000000000" pitchFamily="2" charset="-127"/>
-              </a:rPr>
-              <a:t>/ </a:t>
-            </a:r>
-            <a:r>
-              <a:rPr lang="ko-KR" altLang="en-US" sz="1000" dirty="0">
-                <a:solidFill>
-                  <a:schemeClr val="tx1">
-                    <a:lumMod val="50000"/>
-                    <a:lumOff val="50000"/>
-                  </a:schemeClr>
-                </a:solidFill>
-                <a:latin typeface="G마켓 산스 TTF Bold" panose="02000000000000000000" pitchFamily="2" charset="-127"/>
-                <a:ea typeface="G마켓 산스 TTF Bold" panose="02000000000000000000" pitchFamily="2" charset="-127"/>
-              </a:rPr>
-              <a:t>사장 </a:t>
-            </a:r>
-            <a:r>
-              <a:rPr lang="en-US" altLang="ko-KR" sz="1000" dirty="0">
-                <a:solidFill>
-                  <a:schemeClr val="tx1">
-                    <a:lumMod val="50000"/>
-                    <a:lumOff val="50000"/>
-                  </a:schemeClr>
-                </a:solidFill>
-                <a:latin typeface="G마켓 산스 TTF Bold" panose="02000000000000000000" pitchFamily="2" charset="-127"/>
-                <a:ea typeface="G마켓 산스 TTF Bold" panose="02000000000000000000" pitchFamily="2" charset="-127"/>
-              </a:rPr>
-              <a:t>) </a:t>
-            </a:r>
-            <a:r>
-              <a:rPr lang="ko-KR" altLang="en-US" sz="1000" dirty="0">
-                <a:solidFill>
-                  <a:schemeClr val="tx1">
-                    <a:lumMod val="50000"/>
-                    <a:lumOff val="50000"/>
-                  </a:schemeClr>
-                </a:solidFill>
-                <a:latin typeface="G마켓 산스 TTF Bold" panose="02000000000000000000" pitchFamily="2" charset="-127"/>
-                <a:ea typeface="G마켓 산스 TTF Bold" panose="02000000000000000000" pitchFamily="2" charset="-127"/>
-              </a:rPr>
-              <a:t>인가로직 구현</a:t>
-            </a:r>
-            <a:endParaRPr lang="en-US" altLang="ko-KR" sz="1000" dirty="0">
-              <a:solidFill>
-                <a:schemeClr val="tx1">
-                  <a:lumMod val="50000"/>
-                  <a:lumOff val="50000"/>
-                </a:schemeClr>
-              </a:solidFill>
-              <a:latin typeface="G마켓 산스 TTF Bold" panose="02000000000000000000" pitchFamily="2" charset="-127"/>
-              <a:ea typeface="G마켓 산스 TTF Bold" panose="02000000000000000000" pitchFamily="2" charset="-127"/>
-            </a:endParaRPr>
-          </a:p>
-        </p:txBody>
-      </p:sp>
       <p:sp>
         <p:nvSpPr>
           <p:cNvPr id="2" name="TextBox 1">
@@ -14450,7 +13711,7 @@
                 <a:latin typeface="G마켓 산스 TTF Bold" panose="02000000000000000000" pitchFamily="2" charset="-127"/>
                 <a:ea typeface="G마켓 산스 TTF Bold" panose="02000000000000000000" pitchFamily="2" charset="-127"/>
               </a:rPr>
-              <a:t>서버에서 결과 처리 가능</a:t>
+              <a:t>서버에서 결과 처리</a:t>
             </a:r>
             <a:endParaRPr lang="en-US" altLang="ko-KR" sz="1100" dirty="0">
               <a:solidFill>
@@ -14531,6 +13792,23 @@
             </a:endParaRPr>
           </a:p>
           <a:p>
+            <a:pPr marL="228600" indent="-228600">
+              <a:lnSpc>
+                <a:spcPct val="150000"/>
+              </a:lnSpc>
+              <a:buAutoNum type="arabicPeriod"/>
+            </a:pPr>
+            <a:endParaRPr lang="en-US" altLang="ko-KR" sz="1100" dirty="0">
+              <a:solidFill>
+                <a:schemeClr val="bg1">
+                  <a:lumMod val="50000"/>
+                </a:schemeClr>
+              </a:solidFill>
+              <a:latin typeface="G마켓 산스 TTF Bold" panose="02000000000000000000" pitchFamily="2" charset="-127"/>
+              <a:ea typeface="G마켓 산스 TTF Bold" panose="02000000000000000000" pitchFamily="2" charset="-127"/>
+            </a:endParaRPr>
+          </a:p>
+          <a:p>
             <a:pPr>
               <a:lnSpc>
                 <a:spcPct val="150000"/>
@@ -14558,7 +13836,7 @@
                 <a:latin typeface="G마켓 산스 TTF Bold" panose="02000000000000000000" pitchFamily="2" charset="-127"/>
                 <a:ea typeface="G마켓 산스 TTF Bold" panose="02000000000000000000" pitchFamily="2" charset="-127"/>
               </a:rPr>
-              <a:t>고객이 선택한 값을 추적하여 선택되지 않은 모델도 다시 선택할 수 있게 됨</a:t>
+              <a:t>고객이 선택한 값을 추적하여 선택되지 않은 모델도 다시 선택할 수 있도록 상태 유지</a:t>
             </a:r>
             <a:endParaRPr lang="en-US" altLang="ko-KR" sz="1100" dirty="0">
               <a:solidFill>
@@ -25887,7 +25165,7 @@
         </p:nvSpPr>
         <p:spPr>
           <a:xfrm>
-            <a:off x="878947" y="5106473"/>
+            <a:off x="878947" y="5214049"/>
             <a:ext cx="2524762" cy="2473754"/>
           </a:xfrm>
           <a:prstGeom prst="rect">
@@ -27590,8 +26868,8 @@
         </p:nvSpPr>
         <p:spPr>
           <a:xfrm>
-            <a:off x="3850747" y="3794277"/>
-            <a:ext cx="3060593" cy="2189061"/>
+            <a:off x="3850747" y="3740489"/>
+            <a:ext cx="3060593" cy="2419893"/>
           </a:xfrm>
           <a:prstGeom prst="rect">
             <a:avLst/>
@@ -27785,8 +27063,25 @@
                 <a:latin typeface="G마켓 산스 TTF Bold" panose="02000000000000000000" pitchFamily="2" charset="-127"/>
                 <a:ea typeface="G마켓 산스 TTF Bold" panose="02000000000000000000" pitchFamily="2" charset="-127"/>
               </a:rPr>
-              <a:t> 상품만 존재 </a:t>
-            </a:r>
+              <a:t> </a:t>
+            </a:r>
+            <a:endParaRPr lang="en-US" altLang="ko-KR" sz="1000" dirty="0">
+              <a:solidFill>
+                <a:schemeClr val="tx1">
+                  <a:lumMod val="50000"/>
+                  <a:lumOff val="50000"/>
+                </a:schemeClr>
+              </a:solidFill>
+              <a:latin typeface="G마켓 산스 TTF Bold" panose="02000000000000000000" pitchFamily="2" charset="-127"/>
+              <a:ea typeface="G마켓 산스 TTF Bold" panose="02000000000000000000" pitchFamily="2" charset="-127"/>
+            </a:endParaRPr>
+          </a:p>
+          <a:p>
+            <a:pPr>
+              <a:lnSpc>
+                <a:spcPct val="150000"/>
+              </a:lnSpc>
+            </a:pPr>
             <a:r>
               <a:rPr lang="en-US" altLang="ko-KR" sz="1000" dirty="0">
                 <a:solidFill>
@@ -27798,7 +27093,50 @@
                 <a:latin typeface="G마켓 산스 TTF Bold" panose="02000000000000000000" pitchFamily="2" charset="-127"/>
                 <a:ea typeface="G마켓 산스 TTF Bold" panose="02000000000000000000" pitchFamily="2" charset="-127"/>
               </a:rPr>
-              <a:t>( </a:t>
+              <a:t>     </a:t>
+            </a:r>
+            <a:r>
+              <a:rPr lang="ko-KR" altLang="en-US" sz="1000" dirty="0">
+                <a:solidFill>
+                  <a:schemeClr val="tx1">
+                    <a:lumMod val="50000"/>
+                    <a:lumOff val="50000"/>
+                  </a:schemeClr>
+                </a:solidFill>
+                <a:latin typeface="G마켓 산스 TTF Bold" panose="02000000000000000000" pitchFamily="2" charset="-127"/>
+                <a:ea typeface="G마켓 산스 TTF Bold" panose="02000000000000000000" pitchFamily="2" charset="-127"/>
+              </a:rPr>
+              <a:t>상품만 존재하도록 상태 유지 </a:t>
+            </a:r>
+            <a:endParaRPr lang="en-US" altLang="ko-KR" sz="1000" dirty="0">
+              <a:solidFill>
+                <a:schemeClr val="tx1">
+                  <a:lumMod val="50000"/>
+                  <a:lumOff val="50000"/>
+                </a:schemeClr>
+              </a:solidFill>
+              <a:latin typeface="G마켓 산스 TTF Bold" panose="02000000000000000000" pitchFamily="2" charset="-127"/>
+              <a:ea typeface="G마켓 산스 TTF Bold" panose="02000000000000000000" pitchFamily="2" charset="-127"/>
+            </a:endParaRPr>
+          </a:p>
+          <a:p>
+            <a:pPr>
+              <a:lnSpc>
+                <a:spcPct val="150000"/>
+              </a:lnSpc>
+            </a:pPr>
+            <a:r>
+              <a:rPr lang="en-US" altLang="ko-KR" sz="1000" dirty="0">
+                <a:solidFill>
+                  <a:schemeClr val="tx1">
+                    <a:lumMod val="50000"/>
+                    <a:lumOff val="50000"/>
+                  </a:schemeClr>
+                </a:solidFill>
+                <a:latin typeface="G마켓 산스 TTF Bold" panose="02000000000000000000" pitchFamily="2" charset="-127"/>
+                <a:ea typeface="G마켓 산스 TTF Bold" panose="02000000000000000000" pitchFamily="2" charset="-127"/>
+              </a:rPr>
+              <a:t>     ( </a:t>
             </a:r>
             <a:r>
               <a:rPr lang="ko-KR" altLang="en-US" sz="1000" dirty="0">
@@ -27992,7 +27330,7 @@
         </p:nvSpPr>
         <p:spPr>
           <a:xfrm>
-            <a:off x="3774547" y="5128382"/>
+            <a:off x="3786678" y="5208986"/>
             <a:ext cx="2524762" cy="1088760"/>
           </a:xfrm>
           <a:prstGeom prst="rect">

--- a/피피티/241124 포트폴리오_김유석.pptx
+++ b/피피티/241124 포트폴리오_김유석.pptx
@@ -269,7 +269,7 @@
           <a:p>
             <a:fld id="{5D3C7D45-EBA1-45BD-853C-4CFD30122036}" type="datetimeFigureOut">
               <a:rPr lang="ko-KR" altLang="en-US" smtClean="0"/>
-              <a:t>2024-12-05</a:t>
+              <a:t>2024-12-26</a:t>
             </a:fld>
             <a:endParaRPr lang="ko-KR" altLang="en-US"/>
           </a:p>
@@ -439,7 +439,7 @@
           <a:p>
             <a:fld id="{5D3C7D45-EBA1-45BD-853C-4CFD30122036}" type="datetimeFigureOut">
               <a:rPr lang="ko-KR" altLang="en-US" smtClean="0"/>
-              <a:t>2024-12-05</a:t>
+              <a:t>2024-12-26</a:t>
             </a:fld>
             <a:endParaRPr lang="ko-KR" altLang="en-US"/>
           </a:p>
@@ -619,7 +619,7 @@
           <a:p>
             <a:fld id="{5D3C7D45-EBA1-45BD-853C-4CFD30122036}" type="datetimeFigureOut">
               <a:rPr lang="ko-KR" altLang="en-US" smtClean="0"/>
-              <a:t>2024-12-05</a:t>
+              <a:t>2024-12-26</a:t>
             </a:fld>
             <a:endParaRPr lang="ko-KR" altLang="en-US"/>
           </a:p>
@@ -789,7 +789,7 @@
           <a:p>
             <a:fld id="{5D3C7D45-EBA1-45BD-853C-4CFD30122036}" type="datetimeFigureOut">
               <a:rPr lang="ko-KR" altLang="en-US" smtClean="0"/>
-              <a:t>2024-12-05</a:t>
+              <a:t>2024-12-26</a:t>
             </a:fld>
             <a:endParaRPr lang="ko-KR" altLang="en-US"/>
           </a:p>
@@ -1033,7 +1033,7 @@
           <a:p>
             <a:fld id="{5D3C7D45-EBA1-45BD-853C-4CFD30122036}" type="datetimeFigureOut">
               <a:rPr lang="ko-KR" altLang="en-US" smtClean="0"/>
-              <a:t>2024-12-05</a:t>
+              <a:t>2024-12-26</a:t>
             </a:fld>
             <a:endParaRPr lang="ko-KR" altLang="en-US"/>
           </a:p>
@@ -1265,7 +1265,7 @@
           <a:p>
             <a:fld id="{5D3C7D45-EBA1-45BD-853C-4CFD30122036}" type="datetimeFigureOut">
               <a:rPr lang="ko-KR" altLang="en-US" smtClean="0"/>
-              <a:t>2024-12-05</a:t>
+              <a:t>2024-12-26</a:t>
             </a:fld>
             <a:endParaRPr lang="ko-KR" altLang="en-US"/>
           </a:p>
@@ -1632,7 +1632,7 @@
           <a:p>
             <a:fld id="{5D3C7D45-EBA1-45BD-853C-4CFD30122036}" type="datetimeFigureOut">
               <a:rPr lang="ko-KR" altLang="en-US" smtClean="0"/>
-              <a:t>2024-12-05</a:t>
+              <a:t>2024-12-26</a:t>
             </a:fld>
             <a:endParaRPr lang="ko-KR" altLang="en-US"/>
           </a:p>
@@ -1750,7 +1750,7 @@
           <a:p>
             <a:fld id="{5D3C7D45-EBA1-45BD-853C-4CFD30122036}" type="datetimeFigureOut">
               <a:rPr lang="ko-KR" altLang="en-US" smtClean="0"/>
-              <a:t>2024-12-05</a:t>
+              <a:t>2024-12-26</a:t>
             </a:fld>
             <a:endParaRPr lang="ko-KR" altLang="en-US"/>
           </a:p>
@@ -1845,7 +1845,7 @@
           <a:p>
             <a:fld id="{5D3C7D45-EBA1-45BD-853C-4CFD30122036}" type="datetimeFigureOut">
               <a:rPr lang="ko-KR" altLang="en-US" smtClean="0"/>
-              <a:t>2024-12-05</a:t>
+              <a:t>2024-12-26</a:t>
             </a:fld>
             <a:endParaRPr lang="ko-KR" altLang="en-US"/>
           </a:p>
@@ -2122,7 +2122,7 @@
           <a:p>
             <a:fld id="{5D3C7D45-EBA1-45BD-853C-4CFD30122036}" type="datetimeFigureOut">
               <a:rPr lang="ko-KR" altLang="en-US" smtClean="0"/>
-              <a:t>2024-12-05</a:t>
+              <a:t>2024-12-26</a:t>
             </a:fld>
             <a:endParaRPr lang="ko-KR" altLang="en-US"/>
           </a:p>
@@ -2379,7 +2379,7 @@
           <a:p>
             <a:fld id="{5D3C7D45-EBA1-45BD-853C-4CFD30122036}" type="datetimeFigureOut">
               <a:rPr lang="ko-KR" altLang="en-US" smtClean="0"/>
-              <a:t>2024-12-05</a:t>
+              <a:t>2024-12-26</a:t>
             </a:fld>
             <a:endParaRPr lang="ko-KR" altLang="en-US"/>
           </a:p>
@@ -2592,7 +2592,7 @@
           <a:p>
             <a:fld id="{5D3C7D45-EBA1-45BD-853C-4CFD30122036}" type="datetimeFigureOut">
               <a:rPr lang="ko-KR" altLang="en-US" smtClean="0"/>
-              <a:t>2024-12-05</a:t>
+              <a:t>2024-12-26</a:t>
             </a:fld>
             <a:endParaRPr lang="ko-KR" altLang="en-US"/>
           </a:p>
@@ -19860,7 +19860,7 @@
         </p:nvSpPr>
         <p:spPr>
           <a:xfrm>
-            <a:off x="698191" y="1335522"/>
+            <a:off x="698191" y="1093476"/>
             <a:ext cx="3911600" cy="1624189"/>
           </a:xfrm>
           <a:prstGeom prst="rect">
@@ -19876,68 +19876,6 @@
                 <a:spcPct val="157700"/>
               </a:lnSpc>
             </a:pPr>
-            <a:r>
-              <a:rPr lang="en-US" altLang="ko-KR" sz="1400" b="0" i="0" u="none" strike="noStrike" dirty="0">
-                <a:solidFill>
-                  <a:schemeClr val="bg1">
-                    <a:lumMod val="65000"/>
-                  </a:schemeClr>
-                </a:solidFill>
-                <a:latin typeface="G마켓 산스 TTF Bold" panose="02000000000000000000" pitchFamily="2" charset="-127"/>
-                <a:ea typeface="G마켓 산스 TTF Bold" panose="02000000000000000000" pitchFamily="2" charset="-127"/>
-              </a:rPr>
-              <a:t>2024.12</a:t>
-            </a:r>
-            <a:r>
-              <a:rPr lang="en-US" altLang="ko-KR" sz="1400" b="0" i="0" u="none" strike="noStrike" dirty="0">
-                <a:solidFill>
-                  <a:srgbClr val="595959"/>
-                </a:solidFill>
-                <a:latin typeface="G마켓 산스 TTF Bold" panose="02000000000000000000" pitchFamily="2" charset="-127"/>
-                <a:ea typeface="G마켓 산스 TTF Bold" panose="02000000000000000000" pitchFamily="2" charset="-127"/>
-              </a:rPr>
-              <a:t>    </a:t>
-            </a:r>
-            <a:r>
-              <a:rPr lang="ko-KR" altLang="en-US" sz="1400" dirty="0">
-                <a:solidFill>
-                  <a:srgbClr val="595959"/>
-                </a:solidFill>
-                <a:latin typeface="G마켓 산스 TTF Bold" panose="02000000000000000000" pitchFamily="2" charset="-127"/>
-                <a:ea typeface="G마켓 산스 TTF Bold" panose="02000000000000000000" pitchFamily="2" charset="-127"/>
-              </a:rPr>
-              <a:t>정보처리기사</a:t>
-            </a:r>
-            <a:r>
-              <a:rPr lang="en-US" altLang="ko-KR" sz="1400" dirty="0">
-                <a:solidFill>
-                  <a:srgbClr val="595959"/>
-                </a:solidFill>
-                <a:latin typeface="G마켓 산스 TTF Bold" panose="02000000000000000000" pitchFamily="2" charset="-127"/>
-                <a:ea typeface="G마켓 산스 TTF Bold" panose="02000000000000000000" pitchFamily="2" charset="-127"/>
-              </a:rPr>
-              <a:t>(12/11 </a:t>
-            </a:r>
-            <a:r>
-              <a:rPr lang="ko-KR" altLang="en-US" sz="1400" dirty="0">
-                <a:solidFill>
-                  <a:srgbClr val="595959"/>
-                </a:solidFill>
-                <a:latin typeface="G마켓 산스 TTF Bold" panose="02000000000000000000" pitchFamily="2" charset="-127"/>
-                <a:ea typeface="G마켓 산스 TTF Bold" panose="02000000000000000000" pitchFamily="2" charset="-127"/>
-              </a:rPr>
-              <a:t>예정</a:t>
-            </a:r>
-            <a:r>
-              <a:rPr lang="en-US" altLang="ko-KR" sz="1400" dirty="0">
-                <a:solidFill>
-                  <a:srgbClr val="595959"/>
-                </a:solidFill>
-                <a:latin typeface="G마켓 산스 TTF Bold" panose="02000000000000000000" pitchFamily="2" charset="-127"/>
-                <a:ea typeface="G마켓 산스 TTF Bold" panose="02000000000000000000" pitchFamily="2" charset="-127"/>
-              </a:rPr>
-              <a:t>)</a:t>
-            </a:r>
             <a:endParaRPr lang="en-US" altLang="ko-KR" sz="1400" b="0" i="0" u="none" strike="noStrike" dirty="0">
               <a:solidFill>
                 <a:srgbClr val="C2C2C2"/>
